--- a/Présentation.pptx
+++ b/Présentation.pptx
@@ -5,31 +5,35 @@
     <p:sldMasterId id="2147483648" r:id="rId4"/>
   </p:sldMasterIdLst>
   <p:notesMasterIdLst>
-    <p:notesMasterId r:id="rId19"/>
+    <p:notesMasterId r:id="rId23"/>
   </p:notesMasterIdLst>
   <p:handoutMasterIdLst>
-    <p:handoutMasterId r:id="rId20"/>
+    <p:handoutMasterId r:id="rId24"/>
   </p:handoutMasterIdLst>
   <p:sldIdLst>
     <p:sldId id="265" r:id="rId5"/>
     <p:sldId id="310" r:id="rId6"/>
     <p:sldId id="320" r:id="rId7"/>
     <p:sldId id="318" r:id="rId8"/>
-    <p:sldId id="317" r:id="rId9"/>
-    <p:sldId id="311" r:id="rId10"/>
-    <p:sldId id="313" r:id="rId11"/>
-    <p:sldId id="312" r:id="rId12"/>
-    <p:sldId id="314" r:id="rId13"/>
-    <p:sldId id="315" r:id="rId14"/>
-    <p:sldId id="316" r:id="rId15"/>
-    <p:sldId id="322" r:id="rId16"/>
-    <p:sldId id="321" r:id="rId17"/>
-    <p:sldId id="319" r:id="rId18"/>
+    <p:sldId id="324" r:id="rId9"/>
+    <p:sldId id="323" r:id="rId10"/>
+    <p:sldId id="325" r:id="rId11"/>
+    <p:sldId id="327" r:id="rId12"/>
+    <p:sldId id="328" r:id="rId13"/>
+    <p:sldId id="326" r:id="rId14"/>
+    <p:sldId id="329" r:id="rId15"/>
+    <p:sldId id="330" r:id="rId16"/>
+    <p:sldId id="312" r:id="rId17"/>
+    <p:sldId id="331" r:id="rId18"/>
+    <p:sldId id="332" r:id="rId19"/>
+    <p:sldId id="333" r:id="rId20"/>
+    <p:sldId id="334" r:id="rId21"/>
+    <p:sldId id="335" r:id="rId22"/>
   </p:sldIdLst>
   <p:sldSz cx="12188825" cy="6858000"/>
   <p:notesSz cx="6858000" cy="9144000"/>
   <p:custDataLst>
-    <p:tags r:id="rId21"/>
+    <p:tags r:id="rId25"/>
   </p:custDataLst>
   <p:defaultTextStyle>
     <a:defPPr rtl="0">
@@ -146,971 +150,6 @@
     </p:ext>
   </p:extLst>
 </p:presentation>
-</file>
-
-<file path=ppt/charts/chart1.xml><?xml version="1.0" encoding="utf-8"?>
-<c:chartSpace xmlns:c="http://schemas.openxmlformats.org/drawingml/2006/chart" xmlns:a="http://schemas.openxmlformats.org/drawingml/2006/main" xmlns:r="http://schemas.openxmlformats.org/officeDocument/2006/relationships" xmlns:c16r2="http://schemas.microsoft.com/office/drawing/2015/06/chart">
-  <c:date1904 val="0"/>
-  <c:lang val="fr-FR"/>
-  <c:roundedCorners val="0"/>
-  <mc:AlternateContent xmlns:mc="http://schemas.openxmlformats.org/markup-compatibility/2006">
-    <mc:Choice xmlns:c14="http://schemas.microsoft.com/office/drawing/2007/8/2/chart" Requires="c14">
-      <c14:style val="102"/>
-    </mc:Choice>
-    <mc:Fallback>
-      <c:style val="2"/>
-    </mc:Fallback>
-  </mc:AlternateContent>
-  <c:chart>
-    <c:autoTitleDeleted val="1"/>
-    <c:plotArea>
-      <c:layout/>
-      <c:barChart>
-        <c:barDir val="col"/>
-        <c:grouping val="clustered"/>
-        <c:varyColors val="0"/>
-        <c:ser>
-          <c:idx val="0"/>
-          <c:order val="0"/>
-          <c:tx>
-            <c:strRef>
-              <c:f>Sheet1!$B$1</c:f>
-              <c:strCache>
-                <c:ptCount val="1"/>
-                <c:pt idx="0">
-                  <c:v>Série 1</c:v>
-                </c:pt>
-              </c:strCache>
-            </c:strRef>
-          </c:tx>
-          <c:spPr>
-            <a:solidFill>
-              <a:schemeClr val="accent1"/>
-            </a:solidFill>
-            <a:ln>
-              <a:noFill/>
-            </a:ln>
-            <a:effectLst/>
-          </c:spPr>
-          <c:invertIfNegative val="0"/>
-          <c:cat>
-            <c:strRef>
-              <c:f>Sheet1!$A$2:$A$5</c:f>
-              <c:strCache>
-                <c:ptCount val="4"/>
-                <c:pt idx="0">
-                  <c:v>Catégorie 1</c:v>
-                </c:pt>
-                <c:pt idx="1">
-                  <c:v>Catégorie 2</c:v>
-                </c:pt>
-                <c:pt idx="2">
-                  <c:v>Catégorie 3</c:v>
-                </c:pt>
-                <c:pt idx="3">
-                  <c:v>Catégorie 4</c:v>
-                </c:pt>
-              </c:strCache>
-            </c:strRef>
-          </c:cat>
-          <c:val>
-            <c:numRef>
-              <c:f>Sheet1!$B$2:$B$5</c:f>
-              <c:numCache>
-                <c:formatCode>General</c:formatCode>
-                <c:ptCount val="4"/>
-                <c:pt idx="0">
-                  <c:v>4.3</c:v>
-                </c:pt>
-                <c:pt idx="1">
-                  <c:v>2.5</c:v>
-                </c:pt>
-                <c:pt idx="2">
-                  <c:v>3.5</c:v>
-                </c:pt>
-                <c:pt idx="3">
-                  <c:v>4.5</c:v>
-                </c:pt>
-              </c:numCache>
-            </c:numRef>
-          </c:val>
-          <c:extLst>
-            <c:ext xmlns:c16="http://schemas.microsoft.com/office/drawing/2014/chart" uri="{C3380CC4-5D6E-409C-BE32-E72D297353CC}">
-              <c16:uniqueId val="{00000000-048C-46B6-AD2D-77733ECEA620}"/>
-            </c:ext>
-          </c:extLst>
-        </c:ser>
-        <c:ser>
-          <c:idx val="1"/>
-          <c:order val="1"/>
-          <c:tx>
-            <c:strRef>
-              <c:f>Sheet1!$C$1</c:f>
-              <c:strCache>
-                <c:ptCount val="1"/>
-                <c:pt idx="0">
-                  <c:v>Série 2</c:v>
-                </c:pt>
-              </c:strCache>
-            </c:strRef>
-          </c:tx>
-          <c:spPr>
-            <a:solidFill>
-              <a:schemeClr val="accent2"/>
-            </a:solidFill>
-            <a:ln>
-              <a:noFill/>
-            </a:ln>
-            <a:effectLst/>
-          </c:spPr>
-          <c:invertIfNegative val="0"/>
-          <c:cat>
-            <c:strRef>
-              <c:f>Sheet1!$A$2:$A$5</c:f>
-              <c:strCache>
-                <c:ptCount val="4"/>
-                <c:pt idx="0">
-                  <c:v>Catégorie 1</c:v>
-                </c:pt>
-                <c:pt idx="1">
-                  <c:v>Catégorie 2</c:v>
-                </c:pt>
-                <c:pt idx="2">
-                  <c:v>Catégorie 3</c:v>
-                </c:pt>
-                <c:pt idx="3">
-                  <c:v>Catégorie 4</c:v>
-                </c:pt>
-              </c:strCache>
-            </c:strRef>
-          </c:cat>
-          <c:val>
-            <c:numRef>
-              <c:f>Sheet1!$C$2:$C$5</c:f>
-              <c:numCache>
-                <c:formatCode>General</c:formatCode>
-                <c:ptCount val="4"/>
-                <c:pt idx="0">
-                  <c:v>2.4</c:v>
-                </c:pt>
-                <c:pt idx="1">
-                  <c:v>4.4000000000000004</c:v>
-                </c:pt>
-                <c:pt idx="2">
-                  <c:v>1.8</c:v>
-                </c:pt>
-                <c:pt idx="3">
-                  <c:v>2.8</c:v>
-                </c:pt>
-              </c:numCache>
-            </c:numRef>
-          </c:val>
-          <c:extLst>
-            <c:ext xmlns:c16="http://schemas.microsoft.com/office/drawing/2014/chart" uri="{C3380CC4-5D6E-409C-BE32-E72D297353CC}">
-              <c16:uniqueId val="{00000001-048C-46B6-AD2D-77733ECEA620}"/>
-            </c:ext>
-          </c:extLst>
-        </c:ser>
-        <c:dLbls>
-          <c:showLegendKey val="0"/>
-          <c:showVal val="0"/>
-          <c:showCatName val="0"/>
-          <c:showSerName val="0"/>
-          <c:showPercent val="0"/>
-          <c:showBubbleSize val="0"/>
-        </c:dLbls>
-        <c:gapWidth val="219"/>
-        <c:overlap val="-27"/>
-        <c:axId val="401473768"/>
-        <c:axId val="398691624"/>
-      </c:barChart>
-      <c:lineChart>
-        <c:grouping val="standard"/>
-        <c:varyColors val="0"/>
-        <c:ser>
-          <c:idx val="2"/>
-          <c:order val="2"/>
-          <c:tx>
-            <c:strRef>
-              <c:f>Sheet1!$D$1</c:f>
-              <c:strCache>
-                <c:ptCount val="1"/>
-                <c:pt idx="0">
-                  <c:v>Série 3</c:v>
-                </c:pt>
-              </c:strCache>
-            </c:strRef>
-          </c:tx>
-          <c:spPr>
-            <a:ln w="28575" cap="rnd">
-              <a:solidFill>
-                <a:schemeClr val="accent3"/>
-              </a:solidFill>
-              <a:round/>
-            </a:ln>
-            <a:effectLst/>
-          </c:spPr>
-          <c:marker>
-            <c:symbol val="none"/>
-          </c:marker>
-          <c:cat>
-            <c:strRef>
-              <c:f>Sheet1!$A$2:$A$5</c:f>
-              <c:strCache>
-                <c:ptCount val="4"/>
-                <c:pt idx="0">
-                  <c:v>Catégorie 1</c:v>
-                </c:pt>
-                <c:pt idx="1">
-                  <c:v>Catégorie 2</c:v>
-                </c:pt>
-                <c:pt idx="2">
-                  <c:v>Catégorie 3</c:v>
-                </c:pt>
-                <c:pt idx="3">
-                  <c:v>Catégorie 4</c:v>
-                </c:pt>
-              </c:strCache>
-            </c:strRef>
-          </c:cat>
-          <c:val>
-            <c:numRef>
-              <c:f>Sheet1!$D$2:$D$5</c:f>
-              <c:numCache>
-                <c:formatCode>General</c:formatCode>
-                <c:ptCount val="4"/>
-                <c:pt idx="0">
-                  <c:v>2</c:v>
-                </c:pt>
-                <c:pt idx="1">
-                  <c:v>2</c:v>
-                </c:pt>
-                <c:pt idx="2">
-                  <c:v>3</c:v>
-                </c:pt>
-                <c:pt idx="3">
-                  <c:v>5</c:v>
-                </c:pt>
-              </c:numCache>
-            </c:numRef>
-          </c:val>
-          <c:smooth val="0"/>
-          <c:extLst>
-            <c:ext xmlns:c16="http://schemas.microsoft.com/office/drawing/2014/chart" uri="{C3380CC4-5D6E-409C-BE32-E72D297353CC}">
-              <c16:uniqueId val="{00000002-048C-46B6-AD2D-77733ECEA620}"/>
-            </c:ext>
-          </c:extLst>
-        </c:ser>
-        <c:dLbls>
-          <c:showLegendKey val="0"/>
-          <c:showVal val="0"/>
-          <c:showCatName val="0"/>
-          <c:showSerName val="0"/>
-          <c:showPercent val="0"/>
-          <c:showBubbleSize val="0"/>
-        </c:dLbls>
-        <c:marker val="1"/>
-        <c:smooth val="0"/>
-        <c:axId val="401473768"/>
-        <c:axId val="398691624"/>
-      </c:lineChart>
-      <c:catAx>
-        <c:axId val="401473768"/>
-        <c:scaling>
-          <c:orientation val="minMax"/>
-        </c:scaling>
-        <c:delete val="0"/>
-        <c:axPos val="b"/>
-        <c:numFmt formatCode="General" sourceLinked="1"/>
-        <c:majorTickMark val="none"/>
-        <c:minorTickMark val="none"/>
-        <c:tickLblPos val="nextTo"/>
-        <c:spPr>
-          <a:noFill/>
-          <a:ln w="9525" cap="flat" cmpd="sng" algn="ctr">
-            <a:solidFill>
-              <a:schemeClr val="tx1">
-                <a:lumMod val="15000"/>
-                <a:lumOff val="85000"/>
-              </a:schemeClr>
-            </a:solidFill>
-            <a:round/>
-          </a:ln>
-          <a:effectLst/>
-        </c:spPr>
-        <c:txPr>
-          <a:bodyPr rot="-60000000" spcFirstLastPara="1" vertOverflow="ellipsis" vert="horz" wrap="square" anchor="ctr" anchorCtr="1"/>
-          <a:lstStyle/>
-          <a:p>
-            <a:pPr>
-              <a:defRPr sz="1197" b="0" i="0" u="none" strike="noStrike" kern="1200" baseline="0">
-                <a:solidFill>
-                  <a:schemeClr val="tx1">
-                    <a:lumMod val="65000"/>
-                    <a:lumOff val="35000"/>
-                  </a:schemeClr>
-                </a:solidFill>
-                <a:latin typeface="+mn-lt"/>
-                <a:ea typeface="+mn-ea"/>
-                <a:cs typeface="+mn-cs"/>
-              </a:defRPr>
-            </a:pPr>
-            <a:endParaRPr lang="fr-FR"/>
-          </a:p>
-        </c:txPr>
-        <c:crossAx val="398691624"/>
-        <c:crosses val="autoZero"/>
-        <c:auto val="1"/>
-        <c:lblAlgn val="ctr"/>
-        <c:lblOffset val="100"/>
-        <c:noMultiLvlLbl val="0"/>
-      </c:catAx>
-      <c:valAx>
-        <c:axId val="398691624"/>
-        <c:scaling>
-          <c:orientation val="minMax"/>
-        </c:scaling>
-        <c:delete val="0"/>
-        <c:axPos val="l"/>
-        <c:numFmt formatCode="General" sourceLinked="1"/>
-        <c:majorTickMark val="none"/>
-        <c:minorTickMark val="none"/>
-        <c:tickLblPos val="nextTo"/>
-        <c:spPr>
-          <a:noFill/>
-          <a:ln>
-            <a:noFill/>
-          </a:ln>
-          <a:effectLst/>
-        </c:spPr>
-        <c:txPr>
-          <a:bodyPr rot="-60000000" spcFirstLastPara="1" vertOverflow="ellipsis" vert="horz" wrap="square" anchor="ctr" anchorCtr="1"/>
-          <a:lstStyle/>
-          <a:p>
-            <a:pPr>
-              <a:defRPr sz="1197" b="0" i="0" u="none" strike="noStrike" kern="1200" baseline="0">
-                <a:solidFill>
-                  <a:schemeClr val="tx1">
-                    <a:lumMod val="65000"/>
-                    <a:lumOff val="35000"/>
-                  </a:schemeClr>
-                </a:solidFill>
-                <a:latin typeface="+mn-lt"/>
-                <a:ea typeface="+mn-ea"/>
-                <a:cs typeface="+mn-cs"/>
-              </a:defRPr>
-            </a:pPr>
-            <a:endParaRPr lang="fr-FR"/>
-          </a:p>
-        </c:txPr>
-        <c:crossAx val="401473768"/>
-        <c:crosses val="autoZero"/>
-        <c:crossBetween val="between"/>
-      </c:valAx>
-      <c:spPr>
-        <a:noFill/>
-        <a:ln>
-          <a:noFill/>
-        </a:ln>
-        <a:effectLst/>
-      </c:spPr>
-    </c:plotArea>
-    <c:legend>
-      <c:legendPos val="b"/>
-      <c:overlay val="0"/>
-      <c:spPr>
-        <a:noFill/>
-        <a:ln>
-          <a:noFill/>
-        </a:ln>
-        <a:effectLst/>
-      </c:spPr>
-      <c:txPr>
-        <a:bodyPr rot="0" spcFirstLastPara="1" vertOverflow="ellipsis" vert="horz" wrap="square" anchor="ctr" anchorCtr="1"/>
-        <a:lstStyle/>
-        <a:p>
-          <a:pPr>
-            <a:defRPr sz="1197" b="0" i="0" u="none" strike="noStrike" kern="1200" baseline="0">
-              <a:solidFill>
-                <a:schemeClr val="tx1">
-                  <a:lumMod val="65000"/>
-                  <a:lumOff val="35000"/>
-                </a:schemeClr>
-              </a:solidFill>
-              <a:latin typeface="+mn-lt"/>
-              <a:ea typeface="+mn-ea"/>
-              <a:cs typeface="+mn-cs"/>
-            </a:defRPr>
-          </a:pPr>
-          <a:endParaRPr lang="fr-FR"/>
-        </a:p>
-      </c:txPr>
-    </c:legend>
-    <c:plotVisOnly val="1"/>
-    <c:dispBlanksAs val="gap"/>
-    <c:showDLblsOverMax val="0"/>
-  </c:chart>
-  <c:spPr>
-    <a:noFill/>
-    <a:ln>
-      <a:noFill/>
-    </a:ln>
-    <a:effectLst/>
-  </c:spPr>
-  <c:txPr>
-    <a:bodyPr/>
-    <a:lstStyle/>
-    <a:p>
-      <a:pPr>
-        <a:defRPr/>
-      </a:pPr>
-      <a:endParaRPr lang="fr-FR"/>
-    </a:p>
-  </c:txPr>
-  <c:externalData r:id="rId3">
-    <c:autoUpdate val="0"/>
-  </c:externalData>
-</c:chartSpace>
-</file>
-
-<file path=ppt/charts/colors1.xml><?xml version="1.0" encoding="utf-8"?>
-<cs:colorStyle xmlns:cs="http://schemas.microsoft.com/office/drawing/2012/chartStyle" xmlns:a="http://schemas.openxmlformats.org/drawingml/2006/main" meth="cycle" id="10">
-  <a:schemeClr val="accent1"/>
-  <a:schemeClr val="accent2"/>
-  <a:schemeClr val="accent3"/>
-  <a:schemeClr val="accent4"/>
-  <a:schemeClr val="accent5"/>
-  <a:schemeClr val="accent6"/>
-  <cs:variation/>
-  <cs:variation>
-    <a:lumMod val="60000"/>
-  </cs:variation>
-  <cs:variation>
-    <a:lumMod val="80000"/>
-    <a:lumOff val="20000"/>
-  </cs:variation>
-  <cs:variation>
-    <a:lumMod val="80000"/>
-  </cs:variation>
-  <cs:variation>
-    <a:lumMod val="60000"/>
-    <a:lumOff val="40000"/>
-  </cs:variation>
-  <cs:variation>
-    <a:lumMod val="50000"/>
-  </cs:variation>
-  <cs:variation>
-    <a:lumMod val="70000"/>
-    <a:lumOff val="30000"/>
-  </cs:variation>
-  <cs:variation>
-    <a:lumMod val="70000"/>
-  </cs:variation>
-  <cs:variation>
-    <a:lumMod val="50000"/>
-    <a:lumOff val="50000"/>
-  </cs:variation>
-</cs:colorStyle>
-</file>
-
-<file path=ppt/charts/style1.xml><?xml version="1.0" encoding="utf-8"?>
-<cs:chartStyle xmlns:cs="http://schemas.microsoft.com/office/drawing/2012/chartStyle" xmlns:a="http://schemas.openxmlformats.org/drawingml/2006/main" id="201">
-  <cs:axisTitle>
-    <cs:lnRef idx="0"/>
-    <cs:fillRef idx="0"/>
-    <cs:effectRef idx="0"/>
-    <cs:fontRef idx="minor">
-      <a:schemeClr val="tx1">
-        <a:lumMod val="65000"/>
-        <a:lumOff val="35000"/>
-      </a:schemeClr>
-    </cs:fontRef>
-    <cs:defRPr sz="1330" kern="1200"/>
-  </cs:axisTitle>
-  <cs:categoryAxis>
-    <cs:lnRef idx="0"/>
-    <cs:fillRef idx="0"/>
-    <cs:effectRef idx="0"/>
-    <cs:fontRef idx="minor">
-      <a:schemeClr val="tx1">
-        <a:lumMod val="65000"/>
-        <a:lumOff val="35000"/>
-      </a:schemeClr>
-    </cs:fontRef>
-    <cs:spPr>
-      <a:ln w="9525" cap="flat" cmpd="sng" algn="ctr">
-        <a:solidFill>
-          <a:schemeClr val="tx1">
-            <a:lumMod val="15000"/>
-            <a:lumOff val="85000"/>
-          </a:schemeClr>
-        </a:solidFill>
-        <a:round/>
-      </a:ln>
-    </cs:spPr>
-    <cs:defRPr sz="1197" kern="1200"/>
-  </cs:categoryAxis>
-  <cs:chartArea mods="allowNoFillOverride allowNoLineOverride">
-    <cs:lnRef idx="0"/>
-    <cs:fillRef idx="0"/>
-    <cs:effectRef idx="0"/>
-    <cs:fontRef idx="minor">
-      <a:schemeClr val="tx1"/>
-    </cs:fontRef>
-    <cs:spPr>
-      <a:solidFill>
-        <a:schemeClr val="bg1"/>
-      </a:solidFill>
-      <a:ln w="9525" cap="flat" cmpd="sng" algn="ctr">
-        <a:solidFill>
-          <a:schemeClr val="tx1">
-            <a:lumMod val="15000"/>
-            <a:lumOff val="85000"/>
-          </a:schemeClr>
-        </a:solidFill>
-        <a:round/>
-      </a:ln>
-    </cs:spPr>
-    <cs:defRPr sz="1330" kern="1200"/>
-  </cs:chartArea>
-  <cs:dataLabel>
-    <cs:lnRef idx="0"/>
-    <cs:fillRef idx="0"/>
-    <cs:effectRef idx="0"/>
-    <cs:fontRef idx="minor">
-      <a:schemeClr val="tx1">
-        <a:lumMod val="75000"/>
-        <a:lumOff val="25000"/>
-      </a:schemeClr>
-    </cs:fontRef>
-    <cs:defRPr sz="1197" kern="1200"/>
-  </cs:dataLabel>
-  <cs:dataLabelCallout>
-    <cs:lnRef idx="0"/>
-    <cs:fillRef idx="0"/>
-    <cs:effectRef idx="0"/>
-    <cs:fontRef idx="minor">
-      <a:schemeClr val="dk1">
-        <a:lumMod val="65000"/>
-        <a:lumOff val="35000"/>
-      </a:schemeClr>
-    </cs:fontRef>
-    <cs:spPr>
-      <a:solidFill>
-        <a:schemeClr val="lt1"/>
-      </a:solidFill>
-      <a:ln>
-        <a:solidFill>
-          <a:schemeClr val="dk1">
-            <a:lumMod val="25000"/>
-            <a:lumOff val="75000"/>
-          </a:schemeClr>
-        </a:solidFill>
-      </a:ln>
-    </cs:spPr>
-    <cs:defRPr sz="1197" kern="1200"/>
-  </cs:dataLabelCallout>
-  <cs:dataPoint>
-    <cs:lnRef idx="0"/>
-    <cs:fillRef idx="1">
-      <cs:styleClr val="auto"/>
-    </cs:fillRef>
-    <cs:effectRef idx="0"/>
-    <cs:fontRef idx="minor">
-      <a:schemeClr val="tx1"/>
-    </cs:fontRef>
-  </cs:dataPoint>
-  <cs:dataPoint3D>
-    <cs:lnRef idx="0"/>
-    <cs:fillRef idx="1">
-      <cs:styleClr val="auto"/>
-    </cs:fillRef>
-    <cs:effectRef idx="0"/>
-    <cs:fontRef idx="minor">
-      <a:schemeClr val="tx1"/>
-    </cs:fontRef>
-  </cs:dataPoint3D>
-  <cs:dataPointLine>
-    <cs:lnRef idx="0">
-      <cs:styleClr val="auto"/>
-    </cs:lnRef>
-    <cs:fillRef idx="1"/>
-    <cs:effectRef idx="0"/>
-    <cs:fontRef idx="minor">
-      <a:schemeClr val="tx1"/>
-    </cs:fontRef>
-    <cs:spPr>
-      <a:ln w="28575" cap="rnd">
-        <a:solidFill>
-          <a:schemeClr val="phClr"/>
-        </a:solidFill>
-        <a:round/>
-      </a:ln>
-    </cs:spPr>
-  </cs:dataPointLine>
-  <cs:dataPointMarker>
-    <cs:lnRef idx="0">
-      <cs:styleClr val="auto"/>
-    </cs:lnRef>
-    <cs:fillRef idx="1">
-      <cs:styleClr val="auto"/>
-    </cs:fillRef>
-    <cs:effectRef idx="0"/>
-    <cs:fontRef idx="minor">
-      <a:schemeClr val="tx1"/>
-    </cs:fontRef>
-    <cs:spPr>
-      <a:ln w="9525">
-        <a:solidFill>
-          <a:schemeClr val="phClr"/>
-        </a:solidFill>
-      </a:ln>
-    </cs:spPr>
-  </cs:dataPointMarker>
-  <cs:dataPointMarkerLayout symbol="circle" size="5"/>
-  <cs:dataPointWireframe>
-    <cs:lnRef idx="0">
-      <cs:styleClr val="auto"/>
-    </cs:lnRef>
-    <cs:fillRef idx="1"/>
-    <cs:effectRef idx="0"/>
-    <cs:fontRef idx="minor">
-      <a:schemeClr val="tx1"/>
-    </cs:fontRef>
-    <cs:spPr>
-      <a:ln w="9525" cap="rnd">
-        <a:solidFill>
-          <a:schemeClr val="phClr"/>
-        </a:solidFill>
-        <a:round/>
-      </a:ln>
-    </cs:spPr>
-  </cs:dataPointWireframe>
-  <cs:dataTable>
-    <cs:lnRef idx="0"/>
-    <cs:fillRef idx="0"/>
-    <cs:effectRef idx="0"/>
-    <cs:fontRef idx="minor">
-      <a:schemeClr val="tx1">
-        <a:lumMod val="65000"/>
-        <a:lumOff val="35000"/>
-      </a:schemeClr>
-    </cs:fontRef>
-    <cs:spPr>
-      <a:noFill/>
-      <a:ln w="9525" cap="flat" cmpd="sng" algn="ctr">
-        <a:solidFill>
-          <a:schemeClr val="tx1">
-            <a:lumMod val="15000"/>
-            <a:lumOff val="85000"/>
-          </a:schemeClr>
-        </a:solidFill>
-        <a:round/>
-      </a:ln>
-    </cs:spPr>
-    <cs:defRPr sz="1197" kern="1200"/>
-  </cs:dataTable>
-  <cs:downBar>
-    <cs:lnRef idx="0"/>
-    <cs:fillRef idx="0"/>
-    <cs:effectRef idx="0"/>
-    <cs:fontRef idx="minor">
-      <a:schemeClr val="dk1"/>
-    </cs:fontRef>
-    <cs:spPr>
-      <a:solidFill>
-        <a:schemeClr val="dk1">
-          <a:lumMod val="65000"/>
-          <a:lumOff val="35000"/>
-        </a:schemeClr>
-      </a:solidFill>
-      <a:ln w="9525">
-        <a:solidFill>
-          <a:schemeClr val="tx1">
-            <a:lumMod val="65000"/>
-            <a:lumOff val="35000"/>
-          </a:schemeClr>
-        </a:solidFill>
-      </a:ln>
-    </cs:spPr>
-  </cs:downBar>
-  <cs:dropLine>
-    <cs:lnRef idx="0"/>
-    <cs:fillRef idx="0"/>
-    <cs:effectRef idx="0"/>
-    <cs:fontRef idx="minor">
-      <a:schemeClr val="tx1"/>
-    </cs:fontRef>
-    <cs:spPr>
-      <a:ln w="9525" cap="flat" cmpd="sng" algn="ctr">
-        <a:solidFill>
-          <a:schemeClr val="tx1">
-            <a:lumMod val="35000"/>
-            <a:lumOff val="65000"/>
-          </a:schemeClr>
-        </a:solidFill>
-        <a:round/>
-      </a:ln>
-    </cs:spPr>
-  </cs:dropLine>
-  <cs:errorBar>
-    <cs:lnRef idx="0"/>
-    <cs:fillRef idx="0"/>
-    <cs:effectRef idx="0"/>
-    <cs:fontRef idx="minor">
-      <a:schemeClr val="tx1"/>
-    </cs:fontRef>
-    <cs:spPr>
-      <a:ln w="9525" cap="flat" cmpd="sng" algn="ctr">
-        <a:solidFill>
-          <a:schemeClr val="tx1">
-            <a:lumMod val="65000"/>
-            <a:lumOff val="35000"/>
-          </a:schemeClr>
-        </a:solidFill>
-        <a:round/>
-      </a:ln>
-    </cs:spPr>
-  </cs:errorBar>
-  <cs:floor>
-    <cs:lnRef idx="0"/>
-    <cs:fillRef idx="0"/>
-    <cs:effectRef idx="0"/>
-    <cs:fontRef idx="minor">
-      <a:schemeClr val="tx1"/>
-    </cs:fontRef>
-    <cs:spPr>
-      <a:noFill/>
-      <a:ln>
-        <a:noFill/>
-      </a:ln>
-    </cs:spPr>
-  </cs:floor>
-  <cs:gridlineMajor>
-    <cs:lnRef idx="0"/>
-    <cs:fillRef idx="0"/>
-    <cs:effectRef idx="0"/>
-    <cs:fontRef idx="minor">
-      <a:schemeClr val="tx1"/>
-    </cs:fontRef>
-    <cs:spPr>
-      <a:ln w="9525" cap="flat" cmpd="sng" algn="ctr">
-        <a:solidFill>
-          <a:schemeClr val="tx1">
-            <a:lumMod val="15000"/>
-            <a:lumOff val="85000"/>
-          </a:schemeClr>
-        </a:solidFill>
-        <a:round/>
-      </a:ln>
-    </cs:spPr>
-  </cs:gridlineMajor>
-  <cs:gridlineMinor>
-    <cs:lnRef idx="0"/>
-    <cs:fillRef idx="0"/>
-    <cs:effectRef idx="0"/>
-    <cs:fontRef idx="minor">
-      <a:schemeClr val="tx1"/>
-    </cs:fontRef>
-    <cs:spPr>
-      <a:ln w="9525" cap="flat" cmpd="sng" algn="ctr">
-        <a:solidFill>
-          <a:schemeClr val="tx1">
-            <a:lumMod val="5000"/>
-            <a:lumOff val="95000"/>
-          </a:schemeClr>
-        </a:solidFill>
-        <a:round/>
-      </a:ln>
-    </cs:spPr>
-  </cs:gridlineMinor>
-  <cs:hiLoLine>
-    <cs:lnRef idx="0"/>
-    <cs:fillRef idx="0"/>
-    <cs:effectRef idx="0"/>
-    <cs:fontRef idx="minor">
-      <a:schemeClr val="tx1"/>
-    </cs:fontRef>
-    <cs:spPr>
-      <a:ln w="9525" cap="flat" cmpd="sng" algn="ctr">
-        <a:solidFill>
-          <a:schemeClr val="tx1">
-            <a:lumMod val="75000"/>
-            <a:lumOff val="25000"/>
-          </a:schemeClr>
-        </a:solidFill>
-        <a:round/>
-      </a:ln>
-    </cs:spPr>
-  </cs:hiLoLine>
-  <cs:leaderLine>
-    <cs:lnRef idx="0"/>
-    <cs:fillRef idx="0"/>
-    <cs:effectRef idx="0"/>
-    <cs:fontRef idx="minor">
-      <a:schemeClr val="tx1"/>
-    </cs:fontRef>
-    <cs:spPr>
-      <a:ln w="9525" cap="flat" cmpd="sng" algn="ctr">
-        <a:solidFill>
-          <a:schemeClr val="tx1">
-            <a:lumMod val="35000"/>
-            <a:lumOff val="65000"/>
-          </a:schemeClr>
-        </a:solidFill>
-        <a:round/>
-      </a:ln>
-    </cs:spPr>
-  </cs:leaderLine>
-  <cs:legend>
-    <cs:lnRef idx="0"/>
-    <cs:fillRef idx="0"/>
-    <cs:effectRef idx="0"/>
-    <cs:fontRef idx="minor">
-      <a:schemeClr val="tx1">
-        <a:lumMod val="65000"/>
-        <a:lumOff val="35000"/>
-      </a:schemeClr>
-    </cs:fontRef>
-    <cs:defRPr sz="1197" kern="1200"/>
-  </cs:legend>
-  <cs:plotArea mods="allowNoFillOverride allowNoLineOverride">
-    <cs:lnRef idx="0"/>
-    <cs:fillRef idx="0"/>
-    <cs:effectRef idx="0"/>
-    <cs:fontRef idx="minor">
-      <a:schemeClr val="tx1"/>
-    </cs:fontRef>
-  </cs:plotArea>
-  <cs:plotArea3D mods="allowNoFillOverride allowNoLineOverride">
-    <cs:lnRef idx="0"/>
-    <cs:fillRef idx="0"/>
-    <cs:effectRef idx="0"/>
-    <cs:fontRef idx="minor">
-      <a:schemeClr val="tx1"/>
-    </cs:fontRef>
-  </cs:plotArea3D>
-  <cs:seriesAxis>
-    <cs:lnRef idx="0"/>
-    <cs:fillRef idx="0"/>
-    <cs:effectRef idx="0"/>
-    <cs:fontRef idx="minor">
-      <a:schemeClr val="tx1">
-        <a:lumMod val="65000"/>
-        <a:lumOff val="35000"/>
-      </a:schemeClr>
-    </cs:fontRef>
-    <cs:defRPr sz="1197" kern="1200"/>
-  </cs:seriesAxis>
-  <cs:seriesLine>
-    <cs:lnRef idx="0"/>
-    <cs:fillRef idx="0"/>
-    <cs:effectRef idx="0"/>
-    <cs:fontRef idx="minor">
-      <a:schemeClr val="tx1"/>
-    </cs:fontRef>
-    <cs:spPr>
-      <a:ln w="9525" cap="flat" cmpd="sng" algn="ctr">
-        <a:solidFill>
-          <a:schemeClr val="tx1">
-            <a:lumMod val="35000"/>
-            <a:lumOff val="65000"/>
-          </a:schemeClr>
-        </a:solidFill>
-        <a:round/>
-      </a:ln>
-    </cs:spPr>
-  </cs:seriesLine>
-  <cs:title>
-    <cs:lnRef idx="0"/>
-    <cs:fillRef idx="0"/>
-    <cs:effectRef idx="0"/>
-    <cs:fontRef idx="minor">
-      <a:schemeClr val="tx1">
-        <a:lumMod val="65000"/>
-        <a:lumOff val="35000"/>
-      </a:schemeClr>
-    </cs:fontRef>
-    <cs:defRPr sz="1862" b="0" kern="1200" spc="0" baseline="0"/>
-  </cs:title>
-  <cs:trendline>
-    <cs:lnRef idx="0">
-      <cs:styleClr val="auto"/>
-    </cs:lnRef>
-    <cs:fillRef idx="0"/>
-    <cs:effectRef idx="0"/>
-    <cs:fontRef idx="minor">
-      <a:schemeClr val="tx1"/>
-    </cs:fontRef>
-    <cs:spPr>
-      <a:ln w="19050" cap="rnd">
-        <a:solidFill>
-          <a:schemeClr val="phClr"/>
-        </a:solidFill>
-        <a:prstDash val="sysDot"/>
-      </a:ln>
-    </cs:spPr>
-  </cs:trendline>
-  <cs:trendlineLabel>
-    <cs:lnRef idx="0"/>
-    <cs:fillRef idx="0"/>
-    <cs:effectRef idx="0"/>
-    <cs:fontRef idx="minor">
-      <a:schemeClr val="tx1">
-        <a:lumMod val="65000"/>
-        <a:lumOff val="35000"/>
-      </a:schemeClr>
-    </cs:fontRef>
-    <cs:defRPr sz="1197" kern="1200"/>
-  </cs:trendlineLabel>
-  <cs:upBar>
-    <cs:lnRef idx="0"/>
-    <cs:fillRef idx="0"/>
-    <cs:effectRef idx="0"/>
-    <cs:fontRef idx="minor">
-      <a:schemeClr val="dk1"/>
-    </cs:fontRef>
-    <cs:spPr>
-      <a:solidFill>
-        <a:schemeClr val="lt1"/>
-      </a:solidFill>
-      <a:ln w="9525">
-        <a:solidFill>
-          <a:schemeClr val="tx1">
-            <a:lumMod val="15000"/>
-            <a:lumOff val="85000"/>
-          </a:schemeClr>
-        </a:solidFill>
-      </a:ln>
-    </cs:spPr>
-  </cs:upBar>
-  <cs:valueAxis>
-    <cs:lnRef idx="0"/>
-    <cs:fillRef idx="0"/>
-    <cs:effectRef idx="0"/>
-    <cs:fontRef idx="minor">
-      <a:schemeClr val="tx1">
-        <a:lumMod val="65000"/>
-        <a:lumOff val="35000"/>
-      </a:schemeClr>
-    </cs:fontRef>
-    <cs:defRPr sz="1197" kern="1200"/>
-  </cs:valueAxis>
-  <cs:wall>
-    <cs:lnRef idx="0"/>
-    <cs:fillRef idx="0"/>
-    <cs:effectRef idx="0"/>
-    <cs:fontRef idx="minor">
-      <a:schemeClr val="tx1"/>
-    </cs:fontRef>
-    <cs:spPr>
-      <a:noFill/>
-      <a:ln>
-        <a:noFill/>
-      </a:ln>
-    </cs:spPr>
-  </cs:wall>
-</cs:chartStyle>
 </file>
 
 <file path=ppt/diagrams/colors1.xml><?xml version="1.0" encoding="utf-8"?>
@@ -2018,7 +1057,7 @@
           <a:pPr rtl="0"/>
           <a:r>
             <a:rPr lang="fr-FR" noProof="0" dirty="0"/>
-            <a:t>Titre de l’étape 1</a:t>
+            <a:t>Création de plusieurs modèles</a:t>
           </a:r>
         </a:p>
       </dgm:t>
@@ -2056,8 +1095,12 @@
         <a:p>
           <a:pPr rtl="0"/>
           <a:r>
+            <a:rPr lang="fr-FR" noProof="0" dirty="0" err="1"/>
+            <a:t>Random</a:t>
+          </a:r>
+          <a:r>
             <a:rPr lang="fr-FR" noProof="0" dirty="0"/>
-            <a:t>Description de la tâche</a:t>
+            <a:t> Forest</a:t>
           </a:r>
         </a:p>
       </dgm:t>
@@ -2086,45 +1129,6 @@
         </a:p>
       </dgm:t>
     </dgm:pt>
-    <dgm:pt modelId="{BF381BD4-48DC-48BF-8C18-C307CDD4D490}">
-      <dgm:prSet phldrT="[Text]"/>
-      <dgm:spPr/>
-      <dgm:t>
-        <a:bodyPr rtlCol="0"/>
-        <a:lstStyle/>
-        <a:p>
-          <a:pPr rtl="0"/>
-          <a:r>
-            <a:rPr lang="fr-FR" noProof="0" dirty="0"/>
-            <a:t>Description de la tâche</a:t>
-          </a:r>
-        </a:p>
-      </dgm:t>
-    </dgm:pt>
-    <dgm:pt modelId="{5D881325-883F-44A1-A5FB-E01856D07A5B}" type="parTrans" cxnId="{5F9EDECD-FB20-4615-B5EC-47255B2B532F}">
-      <dgm:prSet/>
-      <dgm:spPr/>
-      <dgm:t>
-        <a:bodyPr rtlCol="0"/>
-        <a:lstStyle/>
-        <a:p>
-          <a:pPr rtl="0"/>
-          <a:endParaRPr lang="en-US"/>
-        </a:p>
-      </dgm:t>
-    </dgm:pt>
-    <dgm:pt modelId="{2C645F98-BC4B-4797-BC42-0872EA7B0575}" type="sibTrans" cxnId="{5F9EDECD-FB20-4615-B5EC-47255B2B532F}">
-      <dgm:prSet/>
-      <dgm:spPr/>
-      <dgm:t>
-        <a:bodyPr rtlCol="0"/>
-        <a:lstStyle/>
-        <a:p>
-          <a:pPr rtl="0"/>
-          <a:endParaRPr lang="en-US"/>
-        </a:p>
-      </dgm:t>
-    </dgm:pt>
     <dgm:pt modelId="{F6D27D1B-CDCB-481F-B8FA-AB31B2A119DE}">
       <dgm:prSet phldrT="[Text]"/>
       <dgm:spPr/>
@@ -2135,7 +1139,7 @@
           <a:pPr rtl="0"/>
           <a:r>
             <a:rPr lang="fr-FR" noProof="0" dirty="0"/>
-            <a:t>Titre de l’étape 2</a:t>
+            <a:t>Comparaison des modèles</a:t>
           </a:r>
         </a:p>
       </dgm:t>
@@ -2173,8 +1177,12 @@
         <a:p>
           <a:pPr rtl="0"/>
           <a:r>
+            <a:rPr lang="fr-FR" noProof="0" dirty="0" err="1"/>
+            <a:t>Random</a:t>
+          </a:r>
+          <a:r>
             <a:rPr lang="fr-FR" noProof="0" dirty="0"/>
-            <a:t>Description de la tâche</a:t>
+            <a:t> Forest est le plus précis et performant</a:t>
           </a:r>
         </a:p>
       </dgm:t>
@@ -2213,7 +1221,7 @@
           <a:pPr rtl="0"/>
           <a:r>
             <a:rPr lang="fr-FR" noProof="0" dirty="0"/>
-            <a:t>Titre de l’étape 3</a:t>
+            <a:t>Affinage du meilleur modèle</a:t>
           </a:r>
         </a:p>
       </dgm:t>
@@ -2252,7 +1260,7 @@
           <a:pPr rtl="0"/>
           <a:r>
             <a:rPr lang="fr-FR" noProof="0" dirty="0"/>
-            <a:t>Description de la tâche</a:t>
+            <a:t>Évaluation du nombre d’estimateurs</a:t>
           </a:r>
         </a:p>
       </dgm:t>
@@ -2281,45 +1289,6 @@
         </a:p>
       </dgm:t>
     </dgm:pt>
-    <dgm:pt modelId="{65B6D8B9-E558-4264-B37F-7B4B2A8896DF}">
-      <dgm:prSet phldrT="[Text]"/>
-      <dgm:spPr/>
-      <dgm:t>
-        <a:bodyPr rtlCol="0"/>
-        <a:lstStyle/>
-        <a:p>
-          <a:pPr rtl="0"/>
-          <a:r>
-            <a:rPr lang="fr-FR" noProof="0" dirty="0"/>
-            <a:t>Description de la tâche</a:t>
-          </a:r>
-        </a:p>
-      </dgm:t>
-    </dgm:pt>
-    <dgm:pt modelId="{04F5A724-3AA7-4E78-B992-BCB3E916993F}" type="parTrans" cxnId="{CA96E113-7151-48C8-B4D5-7AA211772CC8}">
-      <dgm:prSet/>
-      <dgm:spPr/>
-      <dgm:t>
-        <a:bodyPr rtlCol="0"/>
-        <a:lstStyle/>
-        <a:p>
-          <a:pPr rtl="0"/>
-          <a:endParaRPr lang="en-US"/>
-        </a:p>
-      </dgm:t>
-    </dgm:pt>
-    <dgm:pt modelId="{370A79FF-9957-49E1-811F-78AB198DD9E0}" type="sibTrans" cxnId="{CA96E113-7151-48C8-B4D5-7AA211772CC8}">
-      <dgm:prSet/>
-      <dgm:spPr/>
-      <dgm:t>
-        <a:bodyPr rtlCol="0"/>
-        <a:lstStyle/>
-        <a:p>
-          <a:pPr rtl="0"/>
-          <a:endParaRPr lang="en-US"/>
-        </a:p>
-      </dgm:t>
-    </dgm:pt>
     <dgm:pt modelId="{6E7DBE00-7E5B-46F8-BBA0-CF0079A58E82}">
       <dgm:prSet phldrT="[Text]"/>
       <dgm:spPr/>
@@ -2330,7 +1299,7 @@
           <a:pPr rtl="0"/>
           <a:r>
             <a:rPr lang="fr-FR" noProof="0" dirty="0"/>
-            <a:t>Description de la tâche</a:t>
+            <a:t>Évaluation de la profondeur maximale</a:t>
           </a:r>
         </a:p>
       </dgm:t>
@@ -2355,6 +1324,209 @@
         <a:lstStyle/>
         <a:p>
           <a:pPr rtl="0"/>
+          <a:endParaRPr lang="en-US"/>
+        </a:p>
+      </dgm:t>
+    </dgm:pt>
+    <dgm:pt modelId="{BB7A4077-7D31-4425-99E0-F963A5F28ABE}">
+      <dgm:prSet phldrT="[Text]"/>
+      <dgm:spPr/>
+      <dgm:t>
+        <a:bodyPr rtlCol="0"/>
+        <a:lstStyle/>
+        <a:p>
+          <a:pPr rtl="0"/>
+          <a:r>
+            <a:rPr lang="fr-FR" noProof="0" dirty="0" err="1"/>
+            <a:t>Decision</a:t>
+          </a:r>
+          <a:r>
+            <a:rPr lang="fr-FR" noProof="0" dirty="0"/>
+            <a:t> </a:t>
+          </a:r>
+          <a:r>
+            <a:rPr lang="fr-FR" noProof="0" dirty="0" err="1"/>
+            <a:t>Tree</a:t>
+          </a:r>
+          <a:endParaRPr lang="fr-FR" noProof="0" dirty="0"/>
+        </a:p>
+      </dgm:t>
+    </dgm:pt>
+    <dgm:pt modelId="{2DF82EE5-4E68-4A64-B794-65E99056D711}" type="parTrans" cxnId="{4CE9D0F3-1551-4A79-8227-744650C984C5}">
+      <dgm:prSet/>
+      <dgm:spPr/>
+      <dgm:t>
+        <a:bodyPr/>
+        <a:lstStyle/>
+        <a:p>
+          <a:endParaRPr lang="en-US"/>
+        </a:p>
+      </dgm:t>
+    </dgm:pt>
+    <dgm:pt modelId="{75867A68-657A-40D5-A8EB-324CB35B4A0E}" type="sibTrans" cxnId="{4CE9D0F3-1551-4A79-8227-744650C984C5}">
+      <dgm:prSet/>
+      <dgm:spPr/>
+      <dgm:t>
+        <a:bodyPr/>
+        <a:lstStyle/>
+        <a:p>
+          <a:endParaRPr lang="en-US"/>
+        </a:p>
+      </dgm:t>
+    </dgm:pt>
+    <dgm:pt modelId="{64FDEB30-DBE8-496B-8A87-E98343BB5DAB}">
+      <dgm:prSet phldrT="[Text]"/>
+      <dgm:spPr/>
+      <dgm:t>
+        <a:bodyPr rtlCol="0"/>
+        <a:lstStyle/>
+        <a:p>
+          <a:pPr rtl="0"/>
+          <a:r>
+            <a:rPr lang="fr-FR" noProof="0" dirty="0"/>
+            <a:t>KNN</a:t>
+          </a:r>
+        </a:p>
+      </dgm:t>
+    </dgm:pt>
+    <dgm:pt modelId="{780E66D8-7BEF-4DD2-A698-F5ADB06BE75A}" type="parTrans" cxnId="{A58FB7CE-0BFF-4B03-B3D9-C820B869D5C7}">
+      <dgm:prSet/>
+      <dgm:spPr/>
+      <dgm:t>
+        <a:bodyPr/>
+        <a:lstStyle/>
+        <a:p>
+          <a:endParaRPr lang="en-US"/>
+        </a:p>
+      </dgm:t>
+    </dgm:pt>
+    <dgm:pt modelId="{BAFDA091-E575-403B-9891-3BF535FCEB06}" type="sibTrans" cxnId="{A58FB7CE-0BFF-4B03-B3D9-C820B869D5C7}">
+      <dgm:prSet/>
+      <dgm:spPr/>
+      <dgm:t>
+        <a:bodyPr/>
+        <a:lstStyle/>
+        <a:p>
+          <a:endParaRPr lang="en-US"/>
+        </a:p>
+      </dgm:t>
+    </dgm:pt>
+    <dgm:pt modelId="{C4A063BA-37F0-4FED-BB11-5B03F139CC8B}">
+      <dgm:prSet phldrT="[Text]"/>
+      <dgm:spPr/>
+      <dgm:t>
+        <a:bodyPr rtlCol="0"/>
+        <a:lstStyle/>
+        <a:p>
+          <a:pPr rtl="0"/>
+          <a:r>
+            <a:rPr lang="fr-FR" noProof="0" dirty="0" err="1"/>
+            <a:t>Logistic</a:t>
+          </a:r>
+          <a:r>
+            <a:rPr lang="fr-FR" noProof="0" dirty="0"/>
+            <a:t> </a:t>
+          </a:r>
+          <a:r>
+            <a:rPr lang="fr-FR" noProof="0" dirty="0" err="1"/>
+            <a:t>Regression</a:t>
+          </a:r>
+          <a:endParaRPr lang="fr-FR" noProof="0" dirty="0"/>
+        </a:p>
+      </dgm:t>
+    </dgm:pt>
+    <dgm:pt modelId="{BA662DDC-F8FE-494A-AB7B-F21C46B31FCB}" type="parTrans" cxnId="{58085310-6153-4E01-935A-AFE8A0DB47B7}">
+      <dgm:prSet/>
+      <dgm:spPr/>
+      <dgm:t>
+        <a:bodyPr/>
+        <a:lstStyle/>
+        <a:p>
+          <a:endParaRPr lang="en-US"/>
+        </a:p>
+      </dgm:t>
+    </dgm:pt>
+    <dgm:pt modelId="{919F9F8E-1C16-4C32-8DDB-C9EFA4790E4D}" type="sibTrans" cxnId="{58085310-6153-4E01-935A-AFE8A0DB47B7}">
+      <dgm:prSet/>
+      <dgm:spPr/>
+      <dgm:t>
+        <a:bodyPr/>
+        <a:lstStyle/>
+        <a:p>
+          <a:endParaRPr lang="en-US"/>
+        </a:p>
+      </dgm:t>
+    </dgm:pt>
+    <dgm:pt modelId="{5CC9224F-150C-4D23-B6D0-6BBF04B50719}">
+      <dgm:prSet phldrT="[Text]"/>
+      <dgm:spPr/>
+      <dgm:t>
+        <a:bodyPr rtlCol="0"/>
+        <a:lstStyle/>
+        <a:p>
+          <a:pPr rtl="0"/>
+          <a:r>
+            <a:rPr lang="fr-FR" noProof="0" dirty="0"/>
+            <a:t>SGD</a:t>
+          </a:r>
+        </a:p>
+      </dgm:t>
+    </dgm:pt>
+    <dgm:pt modelId="{4A28A444-DBA5-4D7B-9992-4AA83A6638B4}" type="parTrans" cxnId="{F0A2B4DC-9A40-4BAF-BD36-3422B23792EC}">
+      <dgm:prSet/>
+      <dgm:spPr/>
+      <dgm:t>
+        <a:bodyPr/>
+        <a:lstStyle/>
+        <a:p>
+          <a:endParaRPr lang="en-US"/>
+        </a:p>
+      </dgm:t>
+    </dgm:pt>
+    <dgm:pt modelId="{C6278457-3F5B-492A-A9BF-698813FBFDFB}" type="sibTrans" cxnId="{F0A2B4DC-9A40-4BAF-BD36-3422B23792EC}">
+      <dgm:prSet/>
+      <dgm:spPr/>
+      <dgm:t>
+        <a:bodyPr/>
+        <a:lstStyle/>
+        <a:p>
+          <a:endParaRPr lang="en-US"/>
+        </a:p>
+      </dgm:t>
+    </dgm:pt>
+    <dgm:pt modelId="{8A50DD6D-2A17-4BB2-B730-B3348ABEFBA0}">
+      <dgm:prSet phldrT="[Text]"/>
+      <dgm:spPr/>
+      <dgm:t>
+        <a:bodyPr rtlCol="0"/>
+        <a:lstStyle/>
+        <a:p>
+          <a:pPr rtl="0"/>
+          <a:r>
+            <a:rPr lang="fr-FR" noProof="0" dirty="0"/>
+            <a:t>SVM</a:t>
+          </a:r>
+        </a:p>
+      </dgm:t>
+    </dgm:pt>
+    <dgm:pt modelId="{EDFABAE8-6B38-4CCA-9E8A-1A177CFD0D36}" type="parTrans" cxnId="{AB3B174C-AFBD-4BCD-94C8-0EEB23664DAC}">
+      <dgm:prSet/>
+      <dgm:spPr/>
+      <dgm:t>
+        <a:bodyPr/>
+        <a:lstStyle/>
+        <a:p>
+          <a:endParaRPr lang="en-US"/>
+        </a:p>
+      </dgm:t>
+    </dgm:pt>
+    <dgm:pt modelId="{B4F6E59B-1F7A-4EB6-A515-73BA468EAAF0}" type="sibTrans" cxnId="{AB3B174C-AFBD-4BCD-94C8-0EEB23664DAC}">
+      <dgm:prSet/>
+      <dgm:spPr/>
+      <dgm:t>
+        <a:bodyPr/>
+        <a:lstStyle/>
+        <a:p>
           <a:endParaRPr lang="en-US"/>
         </a:p>
       </dgm:t>
@@ -2502,33 +1674,42 @@
     </dgm:pt>
   </dgm:ptLst>
   <dgm:cxnLst>
-    <dgm:cxn modelId="{CA96E113-7151-48C8-B4D5-7AA211772CC8}" srcId="{F6D27D1B-CDCB-481F-B8FA-AB31B2A119DE}" destId="{65B6D8B9-E558-4264-B37F-7B4B2A8896DF}" srcOrd="1" destOrd="0" parTransId="{04F5A724-3AA7-4E78-B992-BCB3E916993F}" sibTransId="{370A79FF-9957-49E1-811F-78AB198DD9E0}"/>
+    <dgm:cxn modelId="{376DFB0C-A4B3-473D-8694-28921CB55B89}" type="presOf" srcId="{C4A063BA-37F0-4FED-BB11-5B03F139CC8B}" destId="{96015622-8A46-45CF-A72A-2856B699B374}" srcOrd="0" destOrd="3" presId="urn:microsoft.com/office/officeart/2005/8/layout/hProcess4"/>
+    <dgm:cxn modelId="{58085310-6153-4E01-935A-AFE8A0DB47B7}" srcId="{FB986F71-3126-4196-BD30-74AEDC39A1CA}" destId="{C4A063BA-37F0-4FED-BB11-5B03F139CC8B}" srcOrd="3" destOrd="0" parTransId="{BA662DDC-F8FE-494A-AB7B-F21C46B31FCB}" sibTransId="{919F9F8E-1C16-4C32-8DDB-C9EFA4790E4D}"/>
     <dgm:cxn modelId="{0731A115-58A3-481B-8A1D-4C0F1D56F785}" type="presOf" srcId="{FB986F71-3126-4196-BD30-74AEDC39A1CA}" destId="{E18C6CF4-EDEB-4539-A36D-E0355B626199}" srcOrd="0" destOrd="0" presId="urn:microsoft.com/office/officeart/2005/8/layout/hProcess4"/>
     <dgm:cxn modelId="{ECE9152A-59A8-4A3A-9D34-DB38A074F636}" srcId="{0E9DE493-19D7-4EC9-97C9-5F26233F1106}" destId="{58828492-5CEF-4AFE-95CB-5D7E6A18158B}" srcOrd="2" destOrd="0" parTransId="{F664BA43-1B81-496F-A04E-CE4B4A525697}" sibTransId="{2D386477-EC66-449A-8D41-5F8A212C3D8E}"/>
     <dgm:cxn modelId="{300E722A-937B-4681-BF9C-7933B3C6956A}" type="presOf" srcId="{F6D27D1B-CDCB-481F-B8FA-AB31B2A119DE}" destId="{029D1FDE-4DD7-4FA5-8C70-0C747477B66C}" srcOrd="0" destOrd="0" presId="urn:microsoft.com/office/officeart/2005/8/layout/hProcess4"/>
+    <dgm:cxn modelId="{B208692B-855F-41DB-9DC3-C590FD1A92A3}" type="presOf" srcId="{BB7A4077-7D31-4425-99E0-F963A5F28ABE}" destId="{96015622-8A46-45CF-A72A-2856B699B374}" srcOrd="0" destOrd="1" presId="urn:microsoft.com/office/officeart/2005/8/layout/hProcess4"/>
     <dgm:cxn modelId="{2D5B3E3B-3EE5-4072-933E-27DF5400591C}" srcId="{FB986F71-3126-4196-BD30-74AEDC39A1CA}" destId="{AB2E8498-CC81-452F-A895-08F3845AA347}" srcOrd="0" destOrd="0" parTransId="{4C65E2C8-0CBB-4D8C-AD60-6B0105C62B84}" sibTransId="{9A1F3304-AA9E-4FBC-89BA-9095C80E47C9}"/>
+    <dgm:cxn modelId="{AF9A4D5C-3A59-4E6B-8E8F-981F65F5C2DE}" type="presOf" srcId="{8A50DD6D-2A17-4BB2-B730-B3348ABEFBA0}" destId="{BFE859F2-A9E8-4F95-9161-8EC68F2D30C4}" srcOrd="1" destOrd="5" presId="urn:microsoft.com/office/officeart/2005/8/layout/hProcess4"/>
     <dgm:cxn modelId="{1BE66046-E00C-4ECF-A4C7-64A3E9346530}" type="presOf" srcId="{68838C34-4D02-49F8-ADD7-BFA90D87B7EA}" destId="{69C28D3B-E083-42DF-9EA0-916CA12125A9}" srcOrd="0" destOrd="0" presId="urn:microsoft.com/office/officeart/2005/8/layout/hProcess4"/>
     <dgm:cxn modelId="{A106624A-0005-41D4-B64A-901644325FEA}" type="presOf" srcId="{6E7DBE00-7E5B-46F8-BBA0-CF0079A58E82}" destId="{843715D2-C2C2-41EB-BDA3-21230FBA46DB}" srcOrd="1" destOrd="1" presId="urn:microsoft.com/office/officeart/2005/8/layout/hProcess4"/>
+    <dgm:cxn modelId="{AB3B174C-AFBD-4BCD-94C8-0EEB23664DAC}" srcId="{FB986F71-3126-4196-BD30-74AEDC39A1CA}" destId="{8A50DD6D-2A17-4BB2-B730-B3348ABEFBA0}" srcOrd="5" destOrd="0" parTransId="{EDFABAE8-6B38-4CCA-9E8A-1A177CFD0D36}" sibTransId="{B4F6E59B-1F7A-4EB6-A515-73BA468EAAF0}"/>
+    <dgm:cxn modelId="{9EF9C371-42A7-41E1-9F54-117D0DDE228E}" type="presOf" srcId="{64FDEB30-DBE8-496B-8A87-E98343BB5DAB}" destId="{BFE859F2-A9E8-4F95-9161-8EC68F2D30C4}" srcOrd="1" destOrd="2" presId="urn:microsoft.com/office/officeart/2005/8/layout/hProcess4"/>
     <dgm:cxn modelId="{1423FC72-83C7-4510-8021-28EAEA493E68}" srcId="{0E9DE493-19D7-4EC9-97C9-5F26233F1106}" destId="{FB986F71-3126-4196-BD30-74AEDC39A1CA}" srcOrd="0" destOrd="0" parTransId="{9B3CE34A-9B3E-4D5F-94E0-DFBB94FF5A03}" sibTransId="{D0B150DF-3AA4-454C-8652-25880449C422}"/>
     <dgm:cxn modelId="{4143D757-8617-4C89-8322-E3B29A1874AF}" srcId="{58828492-5CEF-4AFE-95CB-5D7E6A18158B}" destId="{68838C34-4D02-49F8-ADD7-BFA90D87B7EA}" srcOrd="0" destOrd="0" parTransId="{F2AD00AD-6A23-4C89-A107-68EF5D1F0B94}" sibTransId="{FFC4FCE7-6F2F-4F91-A74A-7C4C32A81657}"/>
+    <dgm:cxn modelId="{A3AEE48B-427A-4589-8961-2FCFEA5620CD}" type="presOf" srcId="{5CC9224F-150C-4D23-B6D0-6BBF04B50719}" destId="{96015622-8A46-45CF-A72A-2856B699B374}" srcOrd="0" destOrd="4" presId="urn:microsoft.com/office/officeart/2005/8/layout/hProcess4"/>
     <dgm:cxn modelId="{E9730C94-0A42-4F8E-B45A-02CE25449719}" type="presOf" srcId="{AB2E8498-CC81-452F-A895-08F3845AA347}" destId="{BFE859F2-A9E8-4F95-9161-8EC68F2D30C4}" srcOrd="1" destOrd="0" presId="urn:microsoft.com/office/officeart/2005/8/layout/hProcess4"/>
     <dgm:cxn modelId="{878AE697-35FC-403D-92A3-0B92F7B7EB7A}" type="presOf" srcId="{0B00F5A8-A0EF-4111-9D86-004317B4F49E}" destId="{E83793B4-2C5C-4D90-82FA-E5EE4745664D}" srcOrd="0" destOrd="0" presId="urn:microsoft.com/office/officeart/2005/8/layout/hProcess4"/>
-    <dgm:cxn modelId="{3B2CD89C-CF67-43E3-9293-C53C72995678}" type="presOf" srcId="{BF381BD4-48DC-48BF-8C18-C307CDD4D490}" destId="{96015622-8A46-45CF-A72A-2856B699B374}" srcOrd="0" destOrd="1" presId="urn:microsoft.com/office/officeart/2005/8/layout/hProcess4"/>
-    <dgm:cxn modelId="{8593019D-C207-4E1B-B1C1-18E0CC95AA04}" type="presOf" srcId="{65B6D8B9-E558-4264-B37F-7B4B2A8896DF}" destId="{67FFE978-6FBE-4424-80BE-B9E4B4DD0695}" srcOrd="1" destOrd="1" presId="urn:microsoft.com/office/officeart/2005/8/layout/hProcess4"/>
+    <dgm:cxn modelId="{6F5AD09A-A7C2-4CD1-88B9-4D39F70614B9}" type="presOf" srcId="{C4A063BA-37F0-4FED-BB11-5B03F139CC8B}" destId="{BFE859F2-A9E8-4F95-9161-8EC68F2D30C4}" srcOrd="1" destOrd="3" presId="urn:microsoft.com/office/officeart/2005/8/layout/hProcess4"/>
     <dgm:cxn modelId="{004946A5-CBD1-4C7F-A823-A85DAC245DF7}" type="presOf" srcId="{6E7DBE00-7E5B-46F8-BBA0-CF0079A58E82}" destId="{69C28D3B-E083-42DF-9EA0-916CA12125A9}" srcOrd="0" destOrd="1" presId="urn:microsoft.com/office/officeart/2005/8/layout/hProcess4"/>
     <dgm:cxn modelId="{0DE04CA7-8D0A-42E1-B07A-0D64581626CA}" type="presOf" srcId="{7AEB6639-3258-49E8-8B1F-B4A9C61922BE}" destId="{DC2A0ADB-DCE3-4BF4-9952-0394865777AC}" srcOrd="0" destOrd="0" presId="urn:microsoft.com/office/officeart/2005/8/layout/hProcess4"/>
+    <dgm:cxn modelId="{9AF994A8-6F8F-473B-8674-683ED937D8B0}" type="presOf" srcId="{5CC9224F-150C-4D23-B6D0-6BBF04B50719}" destId="{BFE859F2-A9E8-4F95-9161-8EC68F2D30C4}" srcOrd="1" destOrd="4" presId="urn:microsoft.com/office/officeart/2005/8/layout/hProcess4"/>
     <dgm:cxn modelId="{E113FEAA-1F7F-443C-BD88-38A807CEBD28}" type="presOf" srcId="{0B00F5A8-A0EF-4111-9D86-004317B4F49E}" destId="{67FFE978-6FBE-4424-80BE-B9E4B4DD0695}" srcOrd="1" destOrd="0" presId="urn:microsoft.com/office/officeart/2005/8/layout/hProcess4"/>
     <dgm:cxn modelId="{A63D53AC-541A-4D09-9620-8B1C8D7B91DE}" srcId="{0E9DE493-19D7-4EC9-97C9-5F26233F1106}" destId="{F6D27D1B-CDCB-481F-B8FA-AB31B2A119DE}" srcOrd="1" destOrd="0" parTransId="{8A7BF306-8E53-4B16-9E7E-A79AE3DF6BE2}" sibTransId="{7AEB6639-3258-49E8-8B1F-B4A9C61922BE}"/>
+    <dgm:cxn modelId="{43BFE9B1-0E5B-4771-91C8-D825E5C56E96}" type="presOf" srcId="{BB7A4077-7D31-4425-99E0-F963A5F28ABE}" destId="{BFE859F2-A9E8-4F95-9161-8EC68F2D30C4}" srcOrd="1" destOrd="1" presId="urn:microsoft.com/office/officeart/2005/8/layout/hProcess4"/>
     <dgm:cxn modelId="{DC0556BF-DB8E-4C8C-A27B-FEA575AE48F1}" type="presOf" srcId="{68838C34-4D02-49F8-ADD7-BFA90D87B7EA}" destId="{843715D2-C2C2-41EB-BDA3-21230FBA46DB}" srcOrd="1" destOrd="0" presId="urn:microsoft.com/office/officeart/2005/8/layout/hProcess4"/>
-    <dgm:cxn modelId="{F3D001C7-FD84-41F5-B497-6421DAD4965E}" type="presOf" srcId="{65B6D8B9-E558-4264-B37F-7B4B2A8896DF}" destId="{E83793B4-2C5C-4D90-82FA-E5EE4745664D}" srcOrd="0" destOrd="1" presId="urn:microsoft.com/office/officeart/2005/8/layout/hProcess4"/>
-    <dgm:cxn modelId="{5F9EDECD-FB20-4615-B5EC-47255B2B532F}" srcId="{FB986F71-3126-4196-BD30-74AEDC39A1CA}" destId="{BF381BD4-48DC-48BF-8C18-C307CDD4D490}" srcOrd="1" destOrd="0" parTransId="{5D881325-883F-44A1-A5FB-E01856D07A5B}" sibTransId="{2C645F98-BC4B-4797-BC42-0872EA7B0575}"/>
+    <dgm:cxn modelId="{A58FB7CE-0BFF-4B03-B3D9-C820B869D5C7}" srcId="{FB986F71-3126-4196-BD30-74AEDC39A1CA}" destId="{64FDEB30-DBE8-496B-8A87-E98343BB5DAB}" srcOrd="2" destOrd="0" parTransId="{780E66D8-7BEF-4DD2-A698-F5ADB06BE75A}" sibTransId="{BAFDA091-E575-403B-9891-3BF535FCEB06}"/>
     <dgm:cxn modelId="{792CF8D9-766B-49FE-B851-31297691E0C7}" type="presOf" srcId="{AB2E8498-CC81-452F-A895-08F3845AA347}" destId="{96015622-8A46-45CF-A72A-2856B699B374}" srcOrd="0" destOrd="0" presId="urn:microsoft.com/office/officeart/2005/8/layout/hProcess4"/>
     <dgm:cxn modelId="{56878CDA-253E-4C45-8745-6F7C37074EAE}" type="presOf" srcId="{58828492-5CEF-4AFE-95CB-5D7E6A18158B}" destId="{047F5837-10E2-4FFC-A492-DB8A19EF48CA}" srcOrd="0" destOrd="0" presId="urn:microsoft.com/office/officeart/2005/8/layout/hProcess4"/>
+    <dgm:cxn modelId="{F0A2B4DC-9A40-4BAF-BD36-3422B23792EC}" srcId="{FB986F71-3126-4196-BD30-74AEDC39A1CA}" destId="{5CC9224F-150C-4D23-B6D0-6BBF04B50719}" srcOrd="4" destOrd="0" parTransId="{4A28A444-DBA5-4D7B-9992-4AA83A6638B4}" sibTransId="{C6278457-3F5B-492A-A9BF-698813FBFDFB}"/>
+    <dgm:cxn modelId="{15ECA0E4-FF51-4C74-A811-A3F87C3D1248}" type="presOf" srcId="{8A50DD6D-2A17-4BB2-B730-B3348ABEFBA0}" destId="{96015622-8A46-45CF-A72A-2856B699B374}" srcOrd="0" destOrd="5" presId="urn:microsoft.com/office/officeart/2005/8/layout/hProcess4"/>
     <dgm:cxn modelId="{C875BEE4-598B-4FE7-9AAC-474318887EB0}" type="presOf" srcId="{D0B150DF-3AA4-454C-8652-25880449C422}" destId="{6A63D16E-EEE6-4267-97EA-5AD7D2BC4E84}" srcOrd="0" destOrd="0" presId="urn:microsoft.com/office/officeart/2005/8/layout/hProcess4"/>
     <dgm:cxn modelId="{3D080EE7-BDF0-495B-A4FB-103A296CD73B}" srcId="{58828492-5CEF-4AFE-95CB-5D7E6A18158B}" destId="{6E7DBE00-7E5B-46F8-BBA0-CF0079A58E82}" srcOrd="1" destOrd="0" parTransId="{6FAC7821-43C2-4A12-9638-E9B1BDE7C8D8}" sibTransId="{65147ED7-18A4-49A5-9AEE-066FB0363316}"/>
     <dgm:cxn modelId="{86F910E7-C9D0-48E5-A3A3-C70127E96FC1}" srcId="{F6D27D1B-CDCB-481F-B8FA-AB31B2A119DE}" destId="{0B00F5A8-A0EF-4111-9D86-004317B4F49E}" srcOrd="0" destOrd="0" parTransId="{EC916B99-8D26-4265-B7BE-BB461C68DA5C}" sibTransId="{CE48C676-980A-4BAC-A3C8-9ABC315DAE51}"/>
     <dgm:cxn modelId="{0C99A0E7-7B5A-462A-BC31-41CB3B1D1005}" type="presOf" srcId="{0E9DE493-19D7-4EC9-97C9-5F26233F1106}" destId="{3960CFF8-4383-4382-8D6D-F2A00F508E8D}" srcOrd="0" destOrd="0" presId="urn:microsoft.com/office/officeart/2005/8/layout/hProcess4"/>
-    <dgm:cxn modelId="{0C68F2E9-D20E-4DD0-B6CB-F7DB9484C868}" type="presOf" srcId="{BF381BD4-48DC-48BF-8C18-C307CDD4D490}" destId="{BFE859F2-A9E8-4F95-9161-8EC68F2D30C4}" srcOrd="1" destOrd="1" presId="urn:microsoft.com/office/officeart/2005/8/layout/hProcess4"/>
+    <dgm:cxn modelId="{4CE9D0F3-1551-4A79-8227-744650C984C5}" srcId="{FB986F71-3126-4196-BD30-74AEDC39A1CA}" destId="{BB7A4077-7D31-4425-99E0-F963A5F28ABE}" srcOrd="1" destOrd="0" parTransId="{2DF82EE5-4E68-4A64-B794-65E99056D711}" sibTransId="{75867A68-657A-40D5-A8EB-324CB35B4A0E}"/>
+    <dgm:cxn modelId="{780FEBFE-1B92-4CC2-BDA6-912E07C94DDD}" type="presOf" srcId="{64FDEB30-DBE8-496B-8A87-E98343BB5DAB}" destId="{96015622-8A46-45CF-A72A-2856B699B374}" srcOrd="0" destOrd="2" presId="urn:microsoft.com/office/officeart/2005/8/layout/hProcess4"/>
     <dgm:cxn modelId="{7BE7AED0-385C-460E-A868-06962FF7BF4D}" type="presParOf" srcId="{3960CFF8-4383-4382-8D6D-F2A00F508E8D}" destId="{366CFF54-5C8F-47F9-BFD8-D9AF3EADDA3E}" srcOrd="0" destOrd="0" presId="urn:microsoft.com/office/officeart/2005/8/layout/hProcess4"/>
     <dgm:cxn modelId="{7C708C67-6B57-4F62-BFC8-44484A4BB8C4}" type="presParOf" srcId="{3960CFF8-4383-4382-8D6D-F2A00F508E8D}" destId="{13688FBD-4079-41FE-A6A2-B5B0F293E6BF}" srcOrd="1" destOrd="0" presId="urn:microsoft.com/office/officeart/2005/8/layout/hProcess4"/>
     <dgm:cxn modelId="{697CCE2B-9683-4DC0-A208-89C15D73093F}" type="presParOf" srcId="{3960CFF8-4383-4382-8D6D-F2A00F508E8D}" destId="{224851B6-C14D-49DE-883B-A13003DA4601}" srcOrd="2" destOrd="0" presId="urn:microsoft.com/office/officeart/2005/8/layout/hProcess4"/>
@@ -2623,12 +1804,12 @@
         <a:fontRef idx="minor"/>
       </dsp:style>
       <dsp:txBody>
-        <a:bodyPr spcFirstLastPara="0" vert="horz" wrap="square" lIns="45720" tIns="45720" rIns="45720" bIns="45720" numCol="1" spcCol="1270" rtlCol="0" anchor="t" anchorCtr="0">
+        <a:bodyPr spcFirstLastPara="0" vert="horz" wrap="square" lIns="28575" tIns="28575" rIns="28575" bIns="28575" numCol="1" spcCol="1270" rtlCol="0" anchor="t" anchorCtr="0">
           <a:noAutofit/>
         </a:bodyPr>
         <a:lstStyle/>
         <a:p>
-          <a:pPr marL="228600" lvl="1" indent="-228600" algn="l" defTabSz="1066800" rtl="0">
+          <a:pPr marL="114300" lvl="1" indent="-114300" algn="l" defTabSz="666750" rtl="0">
             <a:lnSpc>
               <a:spcPct val="90000"/>
             </a:lnSpc>
@@ -2641,12 +1822,16 @@
             <a:buChar char="•"/>
           </a:pPr>
           <a:r>
-            <a:rPr lang="fr-FR" sz="2400" kern="1200" noProof="0" dirty="0"/>
-            <a:t>Description de la tâche</a:t>
+            <a:rPr lang="fr-FR" sz="1500" kern="1200" noProof="0" dirty="0" err="1"/>
+            <a:t>Random</a:t>
+          </a:r>
+          <a:r>
+            <a:rPr lang="fr-FR" sz="1500" kern="1200" noProof="0" dirty="0"/>
+            <a:t> Forest</a:t>
           </a:r>
         </a:p>
         <a:p>
-          <a:pPr marL="228600" lvl="1" indent="-228600" algn="l" defTabSz="1066800" rtl="0">
+          <a:pPr marL="114300" lvl="1" indent="-114300" algn="l" defTabSz="666750" rtl="0">
             <a:lnSpc>
               <a:spcPct val="90000"/>
             </a:lnSpc>
@@ -2659,8 +1844,98 @@
             <a:buChar char="•"/>
           </a:pPr>
           <a:r>
-            <a:rPr lang="fr-FR" sz="2400" kern="1200" noProof="0" dirty="0"/>
-            <a:t>Description de la tâche</a:t>
+            <a:rPr lang="fr-FR" sz="1500" kern="1200" noProof="0" dirty="0" err="1"/>
+            <a:t>Decision</a:t>
+          </a:r>
+          <a:r>
+            <a:rPr lang="fr-FR" sz="1500" kern="1200" noProof="0" dirty="0"/>
+            <a:t> </a:t>
+          </a:r>
+          <a:r>
+            <a:rPr lang="fr-FR" sz="1500" kern="1200" noProof="0" dirty="0" err="1"/>
+            <a:t>Tree</a:t>
+          </a:r>
+          <a:endParaRPr lang="fr-FR" sz="1500" kern="1200" noProof="0" dirty="0"/>
+        </a:p>
+        <a:p>
+          <a:pPr marL="114300" lvl="1" indent="-114300" algn="l" defTabSz="666750" rtl="0">
+            <a:lnSpc>
+              <a:spcPct val="90000"/>
+            </a:lnSpc>
+            <a:spcBef>
+              <a:spcPct val="0"/>
+            </a:spcBef>
+            <a:spcAft>
+              <a:spcPct val="15000"/>
+            </a:spcAft>
+            <a:buChar char="•"/>
+          </a:pPr>
+          <a:r>
+            <a:rPr lang="fr-FR" sz="1500" kern="1200" noProof="0" dirty="0"/>
+            <a:t>KNN</a:t>
+          </a:r>
+        </a:p>
+        <a:p>
+          <a:pPr marL="114300" lvl="1" indent="-114300" algn="l" defTabSz="666750" rtl="0">
+            <a:lnSpc>
+              <a:spcPct val="90000"/>
+            </a:lnSpc>
+            <a:spcBef>
+              <a:spcPct val="0"/>
+            </a:spcBef>
+            <a:spcAft>
+              <a:spcPct val="15000"/>
+            </a:spcAft>
+            <a:buChar char="•"/>
+          </a:pPr>
+          <a:r>
+            <a:rPr lang="fr-FR" sz="1500" kern="1200" noProof="0" dirty="0" err="1"/>
+            <a:t>Logistic</a:t>
+          </a:r>
+          <a:r>
+            <a:rPr lang="fr-FR" sz="1500" kern="1200" noProof="0" dirty="0"/>
+            <a:t> </a:t>
+          </a:r>
+          <a:r>
+            <a:rPr lang="fr-FR" sz="1500" kern="1200" noProof="0" dirty="0" err="1"/>
+            <a:t>Regression</a:t>
+          </a:r>
+          <a:endParaRPr lang="fr-FR" sz="1500" kern="1200" noProof="0" dirty="0"/>
+        </a:p>
+        <a:p>
+          <a:pPr marL="114300" lvl="1" indent="-114300" algn="l" defTabSz="666750" rtl="0">
+            <a:lnSpc>
+              <a:spcPct val="90000"/>
+            </a:lnSpc>
+            <a:spcBef>
+              <a:spcPct val="0"/>
+            </a:spcBef>
+            <a:spcAft>
+              <a:spcPct val="15000"/>
+            </a:spcAft>
+            <a:buChar char="•"/>
+          </a:pPr>
+          <a:r>
+            <a:rPr lang="fr-FR" sz="1500" kern="1200" noProof="0" dirty="0"/>
+            <a:t>SGD</a:t>
+          </a:r>
+        </a:p>
+        <a:p>
+          <a:pPr marL="114300" lvl="1" indent="-114300" algn="l" defTabSz="666750" rtl="0">
+            <a:lnSpc>
+              <a:spcPct val="90000"/>
+            </a:lnSpc>
+            <a:spcBef>
+              <a:spcPct val="0"/>
+            </a:spcBef>
+            <a:spcAft>
+              <a:spcPct val="15000"/>
+            </a:spcAft>
+            <a:buChar char="•"/>
+          </a:pPr>
+          <a:r>
+            <a:rPr lang="fr-FR" sz="1500" kern="1200" noProof="0" dirty="0"/>
+            <a:t>SVM</a:t>
           </a:r>
         </a:p>
       </dsp:txBody>
@@ -2837,12 +2112,12 @@
         </a:fontRef>
       </dsp:style>
       <dsp:txBody>
-        <a:bodyPr spcFirstLastPara="0" vert="horz" wrap="square" lIns="49530" tIns="33020" rIns="49530" bIns="33020" numCol="1" spcCol="1270" rtlCol="0" anchor="ctr" anchorCtr="0">
+        <a:bodyPr spcFirstLastPara="0" vert="horz" wrap="square" lIns="40005" tIns="26670" rIns="40005" bIns="26670" numCol="1" spcCol="1270" rtlCol="0" anchor="ctr" anchorCtr="0">
           <a:noAutofit/>
         </a:bodyPr>
         <a:lstStyle/>
         <a:p>
-          <a:pPr marL="0" lvl="0" indent="0" algn="ctr" defTabSz="1155700" rtl="0">
+          <a:pPr marL="0" lvl="0" indent="0" algn="ctr" defTabSz="933450" rtl="0">
             <a:lnSpc>
               <a:spcPct val="90000"/>
             </a:lnSpc>
@@ -2855,8 +2130,8 @@
             <a:buNone/>
           </a:pPr>
           <a:r>
-            <a:rPr lang="fr-FR" sz="2600" kern="1200" noProof="0" dirty="0"/>
-            <a:t>Titre de l’étape 1</a:t>
+            <a:rPr lang="fr-FR" sz="2100" kern="1200" noProof="0" dirty="0"/>
+            <a:t>Création de plusieurs modèles</a:t>
           </a:r>
         </a:p>
       </dsp:txBody>
@@ -2917,12 +2192,12 @@
         <a:fontRef idx="minor"/>
       </dsp:style>
       <dsp:txBody>
-        <a:bodyPr spcFirstLastPara="0" vert="horz" wrap="square" lIns="45720" tIns="45720" rIns="45720" bIns="45720" numCol="1" spcCol="1270" rtlCol="0" anchor="t" anchorCtr="0">
+        <a:bodyPr spcFirstLastPara="0" vert="horz" wrap="square" lIns="28575" tIns="28575" rIns="28575" bIns="28575" numCol="1" spcCol="1270" rtlCol="0" anchor="t" anchorCtr="0">
           <a:noAutofit/>
         </a:bodyPr>
         <a:lstStyle/>
         <a:p>
-          <a:pPr marL="228600" lvl="1" indent="-228600" algn="l" defTabSz="1066800" rtl="0">
+          <a:pPr marL="114300" lvl="1" indent="-114300" algn="l" defTabSz="666750" rtl="0">
             <a:lnSpc>
               <a:spcPct val="90000"/>
             </a:lnSpc>
@@ -2935,26 +2210,12 @@
             <a:buChar char="•"/>
           </a:pPr>
           <a:r>
-            <a:rPr lang="fr-FR" sz="2400" kern="1200" noProof="0" dirty="0"/>
-            <a:t>Description de la tâche</a:t>
+            <a:rPr lang="fr-FR" sz="1500" kern="1200" noProof="0" dirty="0" err="1"/>
+            <a:t>Random</a:t>
           </a:r>
-        </a:p>
-        <a:p>
-          <a:pPr marL="228600" lvl="1" indent="-228600" algn="l" defTabSz="1066800" rtl="0">
-            <a:lnSpc>
-              <a:spcPct val="90000"/>
-            </a:lnSpc>
-            <a:spcBef>
-              <a:spcPct val="0"/>
-            </a:spcBef>
-            <a:spcAft>
-              <a:spcPct val="15000"/>
-            </a:spcAft>
-            <a:buChar char="•"/>
-          </a:pPr>
           <a:r>
-            <a:rPr lang="fr-FR" sz="2400" kern="1200" noProof="0" dirty="0"/>
-            <a:t>Description de la tâche</a:t>
+            <a:rPr lang="fr-FR" sz="1500" kern="1200" noProof="0" dirty="0"/>
+            <a:t> Forest est le plus précis et performant</a:t>
           </a:r>
         </a:p>
       </dsp:txBody>
@@ -3131,12 +2392,12 @@
         </a:fontRef>
       </dsp:style>
       <dsp:txBody>
-        <a:bodyPr spcFirstLastPara="0" vert="horz" wrap="square" lIns="49530" tIns="33020" rIns="49530" bIns="33020" numCol="1" spcCol="1270" rtlCol="0" anchor="ctr" anchorCtr="0">
+        <a:bodyPr spcFirstLastPara="0" vert="horz" wrap="square" lIns="40005" tIns="26670" rIns="40005" bIns="26670" numCol="1" spcCol="1270" rtlCol="0" anchor="ctr" anchorCtr="0">
           <a:noAutofit/>
         </a:bodyPr>
         <a:lstStyle/>
         <a:p>
-          <a:pPr marL="0" lvl="0" indent="0" algn="ctr" defTabSz="1155700" rtl="0">
+          <a:pPr marL="0" lvl="0" indent="0" algn="ctr" defTabSz="933450" rtl="0">
             <a:lnSpc>
               <a:spcPct val="90000"/>
             </a:lnSpc>
@@ -3149,8 +2410,8 @@
             <a:buNone/>
           </a:pPr>
           <a:r>
-            <a:rPr lang="fr-FR" sz="2600" kern="1200" noProof="0" dirty="0"/>
-            <a:t>Titre de l’étape 2</a:t>
+            <a:rPr lang="fr-FR" sz="2100" kern="1200" noProof="0" dirty="0"/>
+            <a:t>Comparaison des modèles</a:t>
           </a:r>
         </a:p>
       </dsp:txBody>
@@ -3211,12 +2472,12 @@
         <a:fontRef idx="minor"/>
       </dsp:style>
       <dsp:txBody>
-        <a:bodyPr spcFirstLastPara="0" vert="horz" wrap="square" lIns="45720" tIns="45720" rIns="45720" bIns="45720" numCol="1" spcCol="1270" rtlCol="0" anchor="t" anchorCtr="0">
+        <a:bodyPr spcFirstLastPara="0" vert="horz" wrap="square" lIns="28575" tIns="28575" rIns="28575" bIns="28575" numCol="1" spcCol="1270" rtlCol="0" anchor="t" anchorCtr="0">
           <a:noAutofit/>
         </a:bodyPr>
         <a:lstStyle/>
         <a:p>
-          <a:pPr marL="228600" lvl="1" indent="-228600" algn="l" defTabSz="1066800" rtl="0">
+          <a:pPr marL="114300" lvl="1" indent="-114300" algn="l" defTabSz="666750" rtl="0">
             <a:lnSpc>
               <a:spcPct val="90000"/>
             </a:lnSpc>
@@ -3229,12 +2490,12 @@
             <a:buChar char="•"/>
           </a:pPr>
           <a:r>
-            <a:rPr lang="fr-FR" sz="2400" kern="1200" noProof="0" dirty="0"/>
-            <a:t>Description de la tâche</a:t>
+            <a:rPr lang="fr-FR" sz="1500" kern="1200" noProof="0" dirty="0"/>
+            <a:t>Évaluation du nombre d’estimateurs</a:t>
           </a:r>
         </a:p>
         <a:p>
-          <a:pPr marL="228600" lvl="1" indent="-228600" algn="l" defTabSz="1066800" rtl="0">
+          <a:pPr marL="114300" lvl="1" indent="-114300" algn="l" defTabSz="666750" rtl="0">
             <a:lnSpc>
               <a:spcPct val="90000"/>
             </a:lnSpc>
@@ -3247,8 +2508,8 @@
             <a:buChar char="•"/>
           </a:pPr>
           <a:r>
-            <a:rPr lang="fr-FR" sz="2400" kern="1200" noProof="0" dirty="0"/>
-            <a:t>Description de la tâche</a:t>
+            <a:rPr lang="fr-FR" sz="1500" kern="1200" noProof="0" dirty="0"/>
+            <a:t>Évaluation de la profondeur maximale</a:t>
           </a:r>
         </a:p>
       </dsp:txBody>
@@ -3339,12 +2600,12 @@
         </a:fontRef>
       </dsp:style>
       <dsp:txBody>
-        <a:bodyPr spcFirstLastPara="0" vert="horz" wrap="square" lIns="49530" tIns="33020" rIns="49530" bIns="33020" numCol="1" spcCol="1270" rtlCol="0" anchor="ctr" anchorCtr="0">
+        <a:bodyPr spcFirstLastPara="0" vert="horz" wrap="square" lIns="40005" tIns="26670" rIns="40005" bIns="26670" numCol="1" spcCol="1270" rtlCol="0" anchor="ctr" anchorCtr="0">
           <a:noAutofit/>
         </a:bodyPr>
         <a:lstStyle/>
         <a:p>
-          <a:pPr marL="0" lvl="0" indent="0" algn="ctr" defTabSz="1155700" rtl="0">
+          <a:pPr marL="0" lvl="0" indent="0" algn="ctr" defTabSz="933450" rtl="0">
             <a:lnSpc>
               <a:spcPct val="90000"/>
             </a:lnSpc>
@@ -3357,8 +2618,8 @@
             <a:buNone/>
           </a:pPr>
           <a:r>
-            <a:rPr lang="fr-FR" sz="2600" kern="1200" noProof="0" dirty="0"/>
-            <a:t>Titre de l’étape 3</a:t>
+            <a:rPr lang="fr-FR" sz="2100" kern="1200" noProof="0" dirty="0"/>
+            <a:t>Affinage du meilleur modèle</a:t>
           </a:r>
         </a:p>
       </dsp:txBody>
@@ -5033,7 +4294,7 @@
             <a:pPr algn="r" rtl="0"/>
             <a:fld id="{4FD0811F-65A0-45DC-A418-D7D88257DA14}" type="datetime1">
               <a:rPr lang="fr-FR" smtClean="0"/>
-              <a:t>03/01/2021</a:t>
+              <a:t>09/01/2021</a:t>
             </a:fld>
             <a:endParaRPr lang="fr-FR" dirty="0"/>
           </a:p>
@@ -5204,7 +4465,7 @@
             <a:fld id="{869BCCB5-3197-42F0-A23E-FBF35BB6BD6D}" type="datetime1">
               <a:rPr lang="fr-FR" smtClean="0"/>
               <a:pPr/>
-              <a:t>03/01/2021</a:t>
+              <a:t>09/01/2021</a:t>
             </a:fld>
             <a:endParaRPr lang="fr-FR" dirty="0"/>
           </a:p>
@@ -5560,91 +4821,6 @@
 </p:notes>
 </file>
 
-<file path=ppt/notesSlides/notesSlide2.xml><?xml version="1.0" encoding="utf-8"?>
-<p:notes xmlns:a="http://schemas.openxmlformats.org/drawingml/2006/main" xmlns:r="http://schemas.openxmlformats.org/officeDocument/2006/relationships" xmlns:p="http://schemas.openxmlformats.org/presentationml/2006/main">
-  <p:cSld>
-    <p:spTree>
-      <p:nvGrpSpPr>
-        <p:cNvPr id="1" name=""/>
-        <p:cNvGrpSpPr/>
-        <p:nvPr/>
-      </p:nvGrpSpPr>
-      <p:grpSpPr>
-        <a:xfrm>
-          <a:off x="0" y="0"/>
-          <a:ext cx="0" cy="0"/>
-          <a:chOff x="0" y="0"/>
-          <a:chExt cx="0" cy="0"/>
-        </a:xfrm>
-      </p:grpSpPr>
-      <p:sp>
-        <p:nvSpPr>
-          <p:cNvPr id="2" name="Espace réservé de l'image des diapositives 1"/>
-          <p:cNvSpPr>
-            <a:spLocks noGrp="1" noRot="1" noChangeAspect="1"/>
-          </p:cNvSpPr>
-          <p:nvPr>
-            <p:ph type="sldImg"/>
-          </p:nvPr>
-        </p:nvSpPr>
-        <p:spPr/>
-      </p:sp>
-      <p:sp>
-        <p:nvSpPr>
-          <p:cNvPr id="3" name="Espace réservé des notes 2"/>
-          <p:cNvSpPr>
-            <a:spLocks noGrp="1"/>
-          </p:cNvSpPr>
-          <p:nvPr>
-            <p:ph type="body" idx="1"/>
-          </p:nvPr>
-        </p:nvSpPr>
-        <p:spPr/>
-        <p:txBody>
-          <a:bodyPr/>
-          <a:lstStyle/>
-          <a:p>
-            <a:endParaRPr lang="fr-FR"/>
-          </a:p>
-        </p:txBody>
-      </p:sp>
-      <p:sp>
-        <p:nvSpPr>
-          <p:cNvPr id="4" name="Espace réservé du numéro de diapositive 3"/>
-          <p:cNvSpPr>
-            <a:spLocks noGrp="1"/>
-          </p:cNvSpPr>
-          <p:nvPr>
-            <p:ph type="sldNum" sz="quarter" idx="10"/>
-          </p:nvPr>
-        </p:nvSpPr>
-        <p:spPr/>
-        <p:txBody>
-          <a:bodyPr/>
-          <a:lstStyle/>
-          <a:p>
-            <a:fld id="{F93199CD-3E1B-4AE6-990F-76F925F5EA9F}" type="slidenum">
-              <a:rPr lang="fr-FR" smtClean="0"/>
-              <a:pPr/>
-              <a:t>14</a:t>
-            </a:fld>
-            <a:endParaRPr lang="fr-FR" dirty="0"/>
-          </a:p>
-        </p:txBody>
-      </p:sp>
-    </p:spTree>
-    <p:extLst>
-      <p:ext uri="{BB962C8B-B14F-4D97-AF65-F5344CB8AC3E}">
-        <p14:creationId xmlns:p14="http://schemas.microsoft.com/office/powerpoint/2010/main" val="2617007954"/>
-      </p:ext>
-    </p:extLst>
-  </p:cSld>
-  <p:clrMapOvr>
-    <a:masterClrMapping/>
-  </p:clrMapOvr>
-</p:notes>
-</file>
-
 <file path=ppt/slideLayouts/slideLayout1.xml><?xml version="1.0" encoding="utf-8"?>
 <p:sldLayout xmlns:a="http://schemas.openxmlformats.org/drawingml/2006/main" xmlns:r="http://schemas.openxmlformats.org/officeDocument/2006/relationships" xmlns:p="http://schemas.openxmlformats.org/presentationml/2006/main" type="title" preserve="1">
   <p:cSld name="Diapositive de titre">
@@ -5980,7 +5156,7 @@
           <a:p>
             <a:fld id="{D1BB8C89-3A0E-42AE-9C92-CF245ABA9662}" type="datetime1">
               <a:rPr lang="fr-FR" smtClean="0"/>
-              <a:t>03/01/2021</a:t>
+              <a:t>09/01/2021</a:t>
             </a:fld>
             <a:endParaRPr lang="fr-FR" dirty="0"/>
           </a:p>
@@ -6179,7 +5355,7 @@
           <a:p>
             <a:fld id="{CBBE7E85-DEB1-447D-A25C-EF385BB9CBF2}" type="datetime1">
               <a:rPr lang="fr-FR" smtClean="0"/>
-              <a:t>03/01/2021</a:t>
+              <a:t>09/01/2021</a:t>
             </a:fld>
             <a:endParaRPr lang="fr-FR" dirty="0"/>
           </a:p>
@@ -6375,7 +5551,7 @@
           <a:p>
             <a:fld id="{E7703130-9DA9-425C-91F5-2EA3DA75E73F}" type="datetime1">
               <a:rPr lang="fr-FR" smtClean="0"/>
-              <a:t>03/01/2021</a:t>
+              <a:t>09/01/2021</a:t>
             </a:fld>
             <a:endParaRPr lang="fr-FR" dirty="0"/>
           </a:p>
@@ -6662,7 +5838,7 @@
           <a:p>
             <a:fld id="{C8F82687-7E33-438B-8A64-28AA1A314089}" type="datetime1">
               <a:rPr lang="fr-FR" smtClean="0"/>
-              <a:t>03/01/2021</a:t>
+              <a:t>09/01/2021</a:t>
             </a:fld>
             <a:endParaRPr lang="fr-FR" dirty="0"/>
           </a:p>
@@ -6973,7 +6149,7 @@
           <a:p>
             <a:fld id="{BC628475-357F-4D26-82BE-4AC760EC7C15}" type="datetime1">
               <a:rPr lang="fr-FR" smtClean="0"/>
-              <a:t>03/01/2021</a:t>
+              <a:t>09/01/2021</a:t>
             </a:fld>
             <a:endParaRPr lang="fr-FR" dirty="0"/>
           </a:p>
@@ -7440,7 +6616,7 @@
           <a:p>
             <a:fld id="{1E7FE86B-B565-4AA6-A13A-49864B234453}" type="datetime1">
               <a:rPr lang="fr-FR" smtClean="0"/>
-              <a:t>03/01/2021</a:t>
+              <a:t>09/01/2021</a:t>
             </a:fld>
             <a:endParaRPr lang="fr-FR" dirty="0"/>
           </a:p>
@@ -7581,7 +6757,7 @@
           <a:p>
             <a:fld id="{749A0A01-10ED-4735-9C4E-7687A6F9B0FE}" type="datetime1">
               <a:rPr lang="fr-FR" smtClean="0"/>
-              <a:t>03/01/2021</a:t>
+              <a:t>09/01/2021</a:t>
             </a:fld>
             <a:endParaRPr lang="fr-FR" dirty="0"/>
           </a:p>
@@ -7702,7 +6878,7 @@
           <a:p>
             <a:fld id="{DA1AB6A9-0F99-4437-AF49-190C10B7CEAA}" type="datetime1">
               <a:rPr lang="fr-FR" smtClean="0"/>
-              <a:t>03/01/2021</a:t>
+              <a:t>09/01/2021</a:t>
             </a:fld>
             <a:endParaRPr lang="fr-FR" dirty="0"/>
           </a:p>
@@ -8031,7 +7207,7 @@
           <a:p>
             <a:fld id="{2E035776-6D50-4A7A-9049-6DE1A699F071}" type="datetime1">
               <a:rPr lang="fr-FR" smtClean="0"/>
-              <a:t>03/01/2021</a:t>
+              <a:t>09/01/2021</a:t>
             </a:fld>
             <a:endParaRPr lang="fr-FR" dirty="0"/>
           </a:p>
@@ -8350,7 +7526,7 @@
           <a:p>
             <a:fld id="{E9537F1F-9B3C-4698-8464-E4CCBF038F8C}" type="datetime1">
               <a:rPr lang="fr-FR" smtClean="0"/>
-              <a:t>03/01/2021</a:t>
+              <a:t>09/01/2021</a:t>
             </a:fld>
             <a:endParaRPr lang="fr-FR" dirty="0"/>
           </a:p>
@@ -8586,7 +7762,7 @@
           <a:p>
             <a:fld id="{23036090-62CF-4C53-8756-1E6DCD17578A}" type="datetime1">
               <a:rPr lang="fr-FR" smtClean="0"/>
-              <a:t>03/01/2021</a:t>
+              <a:t>09/01/2021</a:t>
             </a:fld>
             <a:endParaRPr lang="fr-FR" dirty="0"/>
           </a:p>
@@ -9396,93 +8572,21 @@
             <p:ph type="title"/>
           </p:nvPr>
         </p:nvSpPr>
-        <p:spPr/>
+        <p:spPr>
+          <a:xfrm>
+            <a:off x="1943190" y="381000"/>
+            <a:ext cx="9144001" cy="1371600"/>
+          </a:xfrm>
+        </p:spPr>
         <p:txBody>
           <a:bodyPr rtlCol="0"/>
           <a:lstStyle/>
           <a:p>
             <a:pPr rtl="0"/>
-            <a:endParaRPr lang="fr-FR" dirty="0"/>
-          </a:p>
-        </p:txBody>
-      </p:sp>
-      <p:sp>
-        <p:nvSpPr>
-          <p:cNvPr id="3" name="Espace réservé du texte 2"/>
-          <p:cNvSpPr>
-            <a:spLocks noGrp="1"/>
-          </p:cNvSpPr>
-          <p:nvPr>
-            <p:ph type="body" idx="1"/>
-          </p:nvPr>
-        </p:nvSpPr>
-        <p:spPr/>
-        <p:txBody>
-          <a:bodyPr rtlCol="0"/>
-          <a:lstStyle/>
-          <a:p>
-            <a:pPr rtl="0"/>
-            <a:endParaRPr lang="fr-FR" dirty="0"/>
-          </a:p>
-        </p:txBody>
-      </p:sp>
-      <p:sp>
-        <p:nvSpPr>
-          <p:cNvPr id="4" name="Espace réservé du contenu 3"/>
-          <p:cNvSpPr>
-            <a:spLocks noGrp="1"/>
-          </p:cNvSpPr>
-          <p:nvPr>
-            <p:ph sz="half" idx="2"/>
-          </p:nvPr>
-        </p:nvSpPr>
-        <p:spPr/>
-        <p:txBody>
-          <a:bodyPr rtlCol="0"/>
-          <a:lstStyle/>
-          <a:p>
-            <a:pPr rtl="0"/>
-            <a:endParaRPr lang="fr-FR" dirty="0"/>
-          </a:p>
-        </p:txBody>
-      </p:sp>
-      <p:sp>
-        <p:nvSpPr>
-          <p:cNvPr id="5" name="Espace réservé du texte 4"/>
-          <p:cNvSpPr>
-            <a:spLocks noGrp="1"/>
-          </p:cNvSpPr>
-          <p:nvPr>
-            <p:ph type="body" sz="quarter" idx="3"/>
-          </p:nvPr>
-        </p:nvSpPr>
-        <p:spPr/>
-        <p:txBody>
-          <a:bodyPr rtlCol="0"/>
-          <a:lstStyle/>
-          <a:p>
-            <a:pPr rtl="0"/>
-            <a:endParaRPr lang="fr-FR" dirty="0"/>
-          </a:p>
-        </p:txBody>
-      </p:sp>
-      <p:sp>
-        <p:nvSpPr>
-          <p:cNvPr id="6" name="Espace réservé du contenu 5"/>
-          <p:cNvSpPr>
-            <a:spLocks noGrp="1"/>
-          </p:cNvSpPr>
-          <p:nvPr>
-            <p:ph sz="quarter" idx="4"/>
-          </p:nvPr>
-        </p:nvSpPr>
-        <p:spPr/>
-        <p:txBody>
-          <a:bodyPr rtlCol="0"/>
-          <a:lstStyle/>
-          <a:p>
-            <a:pPr rtl="0"/>
-            <a:endParaRPr lang="fr-FR" dirty="0"/>
+            <a:r>
+              <a:rPr lang="fr-FR" dirty="0"/>
+              <a:t>IV. Comparaison des modèles</a:t>
+            </a:r>
           </a:p>
         </p:txBody>
       </p:sp>
@@ -9516,10 +8620,156 @@
           </a:p>
         </p:txBody>
       </p:sp>
+      <p:sp>
+        <p:nvSpPr>
+          <p:cNvPr id="7" name="Espace réservé du texte 6">
+            <a:extLst>
+              <a:ext uri="{FF2B5EF4-FFF2-40B4-BE49-F238E27FC236}">
+                <a16:creationId xmlns:a16="http://schemas.microsoft.com/office/drawing/2014/main" id="{16295C99-1B47-492C-AF0E-42FBCAEBF168}"/>
+              </a:ext>
+            </a:extLst>
+          </p:cNvPr>
+          <p:cNvSpPr>
+            <a:spLocks noGrp="1"/>
+          </p:cNvSpPr>
+          <p:nvPr>
+            <p:ph type="body" idx="1"/>
+          </p:nvPr>
+        </p:nvSpPr>
+        <p:spPr>
+          <a:xfrm>
+            <a:off x="1943190" y="1916832"/>
+            <a:ext cx="7020273" cy="762000"/>
+          </a:xfrm>
+        </p:spPr>
+        <p:txBody>
+          <a:bodyPr/>
+          <a:lstStyle/>
+          <a:p>
+            <a:r>
+              <a:rPr lang="fr-FR" dirty="0"/>
+              <a:t>La </a:t>
+            </a:r>
+            <a:r>
+              <a:rPr lang="fr-FR" dirty="0" err="1"/>
+              <a:t>random</a:t>
+            </a:r>
+            <a:r>
+              <a:rPr lang="fr-FR" dirty="0"/>
+              <a:t> </a:t>
+            </a:r>
+            <a:r>
+              <a:rPr lang="fr-FR" dirty="0" err="1"/>
+              <a:t>forest</a:t>
+            </a:r>
+            <a:r>
+              <a:rPr lang="fr-FR" dirty="0"/>
+              <a:t> est le modèle plus efficace, nous allons l’affiner en modifiant ses </a:t>
+            </a:r>
+            <a:r>
+              <a:rPr lang="fr-FR" dirty="0" err="1"/>
+              <a:t>hyper-paramètres</a:t>
+            </a:r>
+            <a:endParaRPr lang="fr-FR" dirty="0"/>
+          </a:p>
+        </p:txBody>
+      </p:sp>
+      <p:pic>
+        <p:nvPicPr>
+          <p:cNvPr id="3" name="Image 2">
+            <a:extLst>
+              <a:ext uri="{FF2B5EF4-FFF2-40B4-BE49-F238E27FC236}">
+                <a16:creationId xmlns:a16="http://schemas.microsoft.com/office/drawing/2014/main" id="{0AEA9DCA-DCD4-4890-8C08-9E6A07C1233D}"/>
+              </a:ext>
+            </a:extLst>
+          </p:cNvPr>
+          <p:cNvPicPr>
+            <a:picLocks noChangeAspect="1"/>
+          </p:cNvPicPr>
+          <p:nvPr/>
+        </p:nvPicPr>
+        <p:blipFill>
+          <a:blip r:embed="rId2"/>
+          <a:stretch>
+            <a:fillRect/>
+          </a:stretch>
+        </p:blipFill>
+        <p:spPr>
+          <a:xfrm>
+            <a:off x="2061964" y="2809530"/>
+            <a:ext cx="5101299" cy="3547455"/>
+          </a:xfrm>
+          <a:prstGeom prst="rect">
+            <a:avLst/>
+          </a:prstGeom>
+        </p:spPr>
+      </p:pic>
+      <p:sp>
+        <p:nvSpPr>
+          <p:cNvPr id="4" name="ZoneTexte 3">
+            <a:extLst>
+              <a:ext uri="{FF2B5EF4-FFF2-40B4-BE49-F238E27FC236}">
+                <a16:creationId xmlns:a16="http://schemas.microsoft.com/office/drawing/2014/main" id="{AD595174-AB19-4E59-B4EE-63E62532FFD0}"/>
+              </a:ext>
+            </a:extLst>
+          </p:cNvPr>
+          <p:cNvSpPr txBox="1"/>
+          <p:nvPr/>
+        </p:nvSpPr>
+        <p:spPr>
+          <a:xfrm>
+            <a:off x="7606580" y="2808704"/>
+            <a:ext cx="4052912" cy="3139321"/>
+          </a:xfrm>
+          <a:prstGeom prst="rect">
+            <a:avLst/>
+          </a:prstGeom>
+          <a:noFill/>
+        </p:spPr>
+        <p:txBody>
+          <a:bodyPr wrap="square" rtlCol="0">
+            <a:spAutoFit/>
+          </a:bodyPr>
+          <a:lstStyle/>
+          <a:p>
+            <a:r>
+              <a:rPr lang="en-US" u="sng" dirty="0"/>
+              <a:t>Rappel :</a:t>
+            </a:r>
+          </a:p>
+          <a:p>
+            <a:endParaRPr lang="en-US" u="sng" dirty="0"/>
+          </a:p>
+          <a:p>
+            <a:r>
+              <a:rPr lang="fr-FR" dirty="0"/>
+              <a:t>Le </a:t>
+            </a:r>
+            <a:r>
+              <a:rPr lang="fr-FR" dirty="0" err="1"/>
+              <a:t>Recall</a:t>
+            </a:r>
+            <a:r>
+              <a:rPr lang="fr-FR" dirty="0"/>
+              <a:t> est une mesure du nombre de cas positifs que le classificateur a correctement prédit, sur tous les cas positifs dans les données.</a:t>
+            </a:r>
+          </a:p>
+          <a:p>
+            <a:endParaRPr lang="fr-FR" dirty="0"/>
+          </a:p>
+          <a:p>
+            <a:r>
+              <a:rPr lang="fr-FR" dirty="0"/>
+              <a:t>F1-Score est une mesure combinant à la fois précision et rappel. Il est généralement décrit comme la moyenne harmonique des deux.</a:t>
+            </a:r>
+            <a:endParaRPr lang="en-US" dirty="0"/>
+          </a:p>
+        </p:txBody>
+      </p:sp>
     </p:spTree>
     <p:extLst>
       <p:ext uri="{BB962C8B-B14F-4D97-AF65-F5344CB8AC3E}">
-        <p14:creationId xmlns:p14="http://schemas.microsoft.com/office/powerpoint/2010/main" val="2681425051"/>
+        <p14:creationId xmlns:p14="http://schemas.microsoft.com/office/powerpoint/2010/main" val="2050420518"/>
       </p:ext>
     </p:extLst>
   </p:cSld>
@@ -9574,16 +8824,70 @@
           <a:lstStyle/>
           <a:p>
             <a:pPr rtl="0"/>
+            <a:r>
+              <a:rPr lang="fr-FR" dirty="0"/>
+              <a:t>V. Changement des </a:t>
+            </a:r>
+            <a:r>
+              <a:rPr lang="fr-FR" dirty="0" err="1"/>
+              <a:t>hyper-paramètres</a:t>
+            </a:r>
             <a:endParaRPr lang="fr-FR" dirty="0"/>
           </a:p>
         </p:txBody>
       </p:sp>
       <p:sp>
         <p:nvSpPr>
-          <p:cNvPr id="4" name="Espace réservé du numéro de diapositive 3">
+          <p:cNvPr id="3" name="Espace réservé du texte 2"/>
+          <p:cNvSpPr>
+            <a:spLocks noGrp="1"/>
+          </p:cNvSpPr>
+          <p:nvPr>
+            <p:ph type="body" idx="1"/>
+          </p:nvPr>
+        </p:nvSpPr>
+        <p:spPr/>
+        <p:txBody>
+          <a:bodyPr rtlCol="0"/>
+          <a:lstStyle/>
+          <a:p>
+            <a:pPr rtl="0"/>
+            <a:r>
+              <a:rPr lang="fr-FR" dirty="0"/>
+              <a:t>Précision en fonction du nombre d’estimateurs</a:t>
+            </a:r>
+          </a:p>
+        </p:txBody>
+      </p:sp>
+      <p:sp>
+        <p:nvSpPr>
+          <p:cNvPr id="5" name="Espace réservé du texte 4"/>
+          <p:cNvSpPr>
+            <a:spLocks noGrp="1"/>
+          </p:cNvSpPr>
+          <p:nvPr>
+            <p:ph type="body" sz="quarter" idx="3"/>
+          </p:nvPr>
+        </p:nvSpPr>
+        <p:spPr/>
+        <p:txBody>
+          <a:bodyPr rtlCol="0"/>
+          <a:lstStyle/>
+          <a:p>
+            <a:pPr rtl="0"/>
+            <a:r>
+              <a:rPr lang="fr-FR" dirty="0"/>
+              <a:t>Précision en fonction de la profondeur maximale</a:t>
+            </a:r>
+          </a:p>
+        </p:txBody>
+      </p:sp>
+      <p:sp>
+        <p:nvSpPr>
+          <p:cNvPr id="8" name="Espace réservé du numéro de diapositive 7">
             <a:extLst>
               <a:ext uri="{FF2B5EF4-FFF2-40B4-BE49-F238E27FC236}">
-                <a16:creationId xmlns:a16="http://schemas.microsoft.com/office/drawing/2014/main" id="{8A22BEF0-4FCF-45D2-86AA-39D6A78D2EF5}"/>
+                <a16:creationId xmlns:a16="http://schemas.microsoft.com/office/drawing/2014/main" id="{746DA3C9-9392-415F-9F9C-5E216A6721F0}"/>
               </a:ext>
             </a:extLst>
           </p:cNvPr>
@@ -9599,19 +8903,79 @@
           <a:bodyPr/>
           <a:lstStyle/>
           <a:p>
-            <a:pPr rtl="0"/>
             <a:fld id="{2A013F82-EE5E-44EE-A61D-E31C6657F26F}" type="slidenum">
               <a:rPr lang="fr-FR" noProof="0" smtClean="0"/>
+              <a:pPr/>
               <a:t>11</a:t>
             </a:fld>
             <a:endParaRPr lang="fr-FR" noProof="0" dirty="0"/>
           </a:p>
         </p:txBody>
       </p:sp>
+      <p:pic>
+        <p:nvPicPr>
+          <p:cNvPr id="7" name="Image 6">
+            <a:extLst>
+              <a:ext uri="{FF2B5EF4-FFF2-40B4-BE49-F238E27FC236}">
+                <a16:creationId xmlns:a16="http://schemas.microsoft.com/office/drawing/2014/main" id="{1CB5B4A3-C0A8-4488-B872-09D11834AB38}"/>
+              </a:ext>
+            </a:extLst>
+          </p:cNvPr>
+          <p:cNvPicPr>
+            <a:picLocks noChangeAspect="1"/>
+          </p:cNvPicPr>
+          <p:nvPr/>
+        </p:nvPicPr>
+        <p:blipFill>
+          <a:blip r:embed="rId2"/>
+          <a:stretch>
+            <a:fillRect/>
+          </a:stretch>
+        </p:blipFill>
+        <p:spPr>
+          <a:xfrm>
+            <a:off x="1408929" y="2882020"/>
+            <a:ext cx="4248472" cy="2809835"/>
+          </a:xfrm>
+          <a:prstGeom prst="rect">
+            <a:avLst/>
+          </a:prstGeom>
+        </p:spPr>
+      </p:pic>
+      <p:pic>
+        <p:nvPicPr>
+          <p:cNvPr id="13" name="Image 12">
+            <a:extLst>
+              <a:ext uri="{FF2B5EF4-FFF2-40B4-BE49-F238E27FC236}">
+                <a16:creationId xmlns:a16="http://schemas.microsoft.com/office/drawing/2014/main" id="{0581BDB4-72CF-43CD-B7E8-4E0293A04E8D}"/>
+              </a:ext>
+            </a:extLst>
+          </p:cNvPr>
+          <p:cNvPicPr>
+            <a:picLocks noChangeAspect="1"/>
+          </p:cNvPicPr>
+          <p:nvPr/>
+        </p:nvPicPr>
+        <p:blipFill>
+          <a:blip r:embed="rId3"/>
+          <a:stretch>
+            <a:fillRect/>
+          </a:stretch>
+        </p:blipFill>
+        <p:spPr>
+          <a:xfrm>
+            <a:off x="6337684" y="2891386"/>
+            <a:ext cx="4416553" cy="2800470"/>
+          </a:xfrm>
+          <a:prstGeom prst="rect">
+            <a:avLst/>
+          </a:prstGeom>
+        </p:spPr>
+      </p:pic>
     </p:spTree>
     <p:extLst>
       <p:ext uri="{BB962C8B-B14F-4D97-AF65-F5344CB8AC3E}">
-        <p14:creationId xmlns:p14="http://schemas.microsoft.com/office/powerpoint/2010/main" val="2590506655"/>
+        <p14:creationId xmlns:p14="http://schemas.microsoft.com/office/powerpoint/2010/main" val="3291996300"/>
       </p:ext>
     </p:extLst>
   </p:cSld>
@@ -9652,10 +9016,81 @@
       </p:grpSpPr>
       <p:sp>
         <p:nvSpPr>
-          <p:cNvPr id="3" name="Espace réservé du numéro de diapositive 2">
+          <p:cNvPr id="2" name="Titre 1"/>
+          <p:cNvSpPr>
+            <a:spLocks noGrp="1"/>
+          </p:cNvSpPr>
+          <p:nvPr>
+            <p:ph type="title"/>
+          </p:nvPr>
+        </p:nvSpPr>
+        <p:spPr>
+          <a:xfrm>
+            <a:off x="1943190" y="381000"/>
+            <a:ext cx="9144001" cy="1371600"/>
+          </a:xfrm>
+        </p:spPr>
+        <p:txBody>
+          <a:bodyPr rtlCol="0"/>
+          <a:lstStyle/>
+          <a:p>
+            <a:r>
+              <a:rPr lang="fr-FR" dirty="0"/>
+              <a:t>VI. Conclusion du modèle définitif</a:t>
+            </a:r>
+          </a:p>
+        </p:txBody>
+      </p:sp>
+      <p:sp>
+        <p:nvSpPr>
+          <p:cNvPr id="3" name="Espace réservé du texte 2"/>
+          <p:cNvSpPr>
+            <a:spLocks noGrp="1"/>
+          </p:cNvSpPr>
+          <p:nvPr>
+            <p:ph type="body" idx="1"/>
+          </p:nvPr>
+        </p:nvSpPr>
+        <p:spPr>
+          <a:xfrm>
+            <a:off x="1755143" y="2420888"/>
+            <a:ext cx="8678537" cy="762000"/>
+          </a:xfrm>
+        </p:spPr>
+        <p:txBody>
+          <a:bodyPr rtlCol="0"/>
+          <a:lstStyle/>
+          <a:p>
+            <a:pPr rtl="0"/>
+            <a:r>
+              <a:rPr lang="fr-FR" dirty="0"/>
+              <a:t>La </a:t>
+            </a:r>
+            <a:r>
+              <a:rPr lang="fr-FR" dirty="0" err="1"/>
+              <a:t>random</a:t>
+            </a:r>
+            <a:r>
+              <a:rPr lang="fr-FR" dirty="0"/>
+              <a:t> </a:t>
+            </a:r>
+            <a:r>
+              <a:rPr lang="fr-FR" dirty="0" err="1"/>
+              <a:t>forest</a:t>
+            </a:r>
+            <a:r>
+              <a:rPr lang="fr-FR" dirty="0"/>
+              <a:t> est le modèle le plus performant</a:t>
+            </a:r>
+          </a:p>
+        </p:txBody>
+      </p:sp>
+      <p:sp>
+        <p:nvSpPr>
+          <p:cNvPr id="8" name="Espace réservé du numéro de diapositive 7">
             <a:extLst>
               <a:ext uri="{FF2B5EF4-FFF2-40B4-BE49-F238E27FC236}">
-                <a16:creationId xmlns:a16="http://schemas.microsoft.com/office/drawing/2014/main" id="{CA00598B-64BE-41CA-AA27-19ADB42455E8}"/>
+                <a16:creationId xmlns:a16="http://schemas.microsoft.com/office/drawing/2014/main" id="{746DA3C9-9392-415F-9F9C-5E216A6721F0}"/>
               </a:ext>
             </a:extLst>
           </p:cNvPr>
@@ -9671,19 +9106,273 @@
           <a:bodyPr/>
           <a:lstStyle/>
           <a:p>
-            <a:pPr rtl="0"/>
             <a:fld id="{2A013F82-EE5E-44EE-A61D-E31C6657F26F}" type="slidenum">
               <a:rPr lang="fr-FR" noProof="0" smtClean="0"/>
+              <a:pPr/>
               <a:t>12</a:t>
             </a:fld>
             <a:endParaRPr lang="fr-FR" noProof="0" dirty="0"/>
+          </a:p>
+        </p:txBody>
+      </p:sp>
+      <p:pic>
+        <p:nvPicPr>
+          <p:cNvPr id="6" name="Image 5">
+            <a:extLst>
+              <a:ext uri="{FF2B5EF4-FFF2-40B4-BE49-F238E27FC236}">
+                <a16:creationId xmlns:a16="http://schemas.microsoft.com/office/drawing/2014/main" id="{B5878403-15A1-4AB4-997B-6EDBBFF0FE5F}"/>
+              </a:ext>
+            </a:extLst>
+          </p:cNvPr>
+          <p:cNvPicPr>
+            <a:picLocks noChangeAspect="1"/>
+          </p:cNvPicPr>
+          <p:nvPr/>
+        </p:nvPicPr>
+        <p:blipFill>
+          <a:blip r:embed="rId2"/>
+          <a:stretch>
+            <a:fillRect/>
+          </a:stretch>
+        </p:blipFill>
+        <p:spPr>
+          <a:xfrm>
+            <a:off x="1755143" y="3455204"/>
+            <a:ext cx="8678537" cy="1242991"/>
+          </a:xfrm>
+          <a:prstGeom prst="rect">
+            <a:avLst/>
+          </a:prstGeom>
+        </p:spPr>
+      </p:pic>
+      <p:sp>
+        <p:nvSpPr>
+          <p:cNvPr id="10" name="Espace réservé du texte 2">
+            <a:extLst>
+              <a:ext uri="{FF2B5EF4-FFF2-40B4-BE49-F238E27FC236}">
+                <a16:creationId xmlns:a16="http://schemas.microsoft.com/office/drawing/2014/main" id="{371F8924-D017-452E-8286-B084C419F4E9}"/>
+              </a:ext>
+            </a:extLst>
+          </p:cNvPr>
+          <p:cNvSpPr txBox="1">
+            <a:spLocks/>
+          </p:cNvSpPr>
+          <p:nvPr/>
+        </p:nvSpPr>
+        <p:spPr>
+          <a:xfrm>
+            <a:off x="1701924" y="4885493"/>
+            <a:ext cx="8678537" cy="762000"/>
+          </a:xfrm>
+          <a:prstGeom prst="rect">
+            <a:avLst/>
+          </a:prstGeom>
+        </p:spPr>
+        <p:txBody>
+          <a:bodyPr vert="horz" lIns="91440" tIns="45720" rIns="91440" bIns="45720" rtlCol="0" anchor="ctr">
+            <a:noAutofit/>
+          </a:bodyPr>
+          <a:lstStyle>
+            <a:lvl1pPr marL="0" indent="0" algn="l" defTabSz="914400" rtl="0" eaLnBrk="1" latinLnBrk="0" hangingPunct="1">
+              <a:lnSpc>
+                <a:spcPct val="90000"/>
+              </a:lnSpc>
+              <a:spcBef>
+                <a:spcPts val="0"/>
+              </a:spcBef>
+              <a:buClr>
+                <a:schemeClr val="accent1"/>
+              </a:buClr>
+              <a:buSzPct val="100000"/>
+              <a:buFont typeface="Arial" pitchFamily="34" charset="0"/>
+              <a:buNone/>
+              <a:defRPr sz="2000" b="0" kern="1200" cap="all" spc="200" baseline="0">
+                <a:solidFill>
+                  <a:schemeClr val="accent1"/>
+                </a:solidFill>
+                <a:latin typeface="+mn-lt"/>
+                <a:ea typeface="+mn-ea"/>
+                <a:cs typeface="+mn-cs"/>
+              </a:defRPr>
+            </a:lvl1pPr>
+            <a:lvl2pPr marL="457200" indent="0" algn="l" defTabSz="914400" rtl="0" eaLnBrk="1" latinLnBrk="0" hangingPunct="1">
+              <a:lnSpc>
+                <a:spcPct val="90000"/>
+              </a:lnSpc>
+              <a:spcBef>
+                <a:spcPts val="1200"/>
+              </a:spcBef>
+              <a:buClr>
+                <a:schemeClr val="accent1"/>
+              </a:buClr>
+              <a:buSzPct val="100000"/>
+              <a:buFont typeface="Arial" pitchFamily="34" charset="0"/>
+              <a:buNone/>
+              <a:defRPr sz="2000" b="1" kern="1200">
+                <a:solidFill>
+                  <a:schemeClr val="tx1"/>
+                </a:solidFill>
+                <a:latin typeface="+mn-lt"/>
+                <a:ea typeface="+mn-ea"/>
+                <a:cs typeface="+mn-cs"/>
+              </a:defRPr>
+            </a:lvl2pPr>
+            <a:lvl3pPr marL="914400" indent="0" algn="l" defTabSz="914400" rtl="0" eaLnBrk="1" latinLnBrk="0" hangingPunct="1">
+              <a:lnSpc>
+                <a:spcPct val="90000"/>
+              </a:lnSpc>
+              <a:spcBef>
+                <a:spcPts val="600"/>
+              </a:spcBef>
+              <a:buClr>
+                <a:schemeClr val="accent1"/>
+              </a:buClr>
+              <a:buSzPct val="100000"/>
+              <a:buFont typeface="Arial" pitchFamily="34" charset="0"/>
+              <a:buNone/>
+              <a:defRPr sz="1800" b="1" kern="1200">
+                <a:solidFill>
+                  <a:schemeClr val="tx1"/>
+                </a:solidFill>
+                <a:latin typeface="+mn-lt"/>
+                <a:ea typeface="+mn-ea"/>
+                <a:cs typeface="+mn-cs"/>
+              </a:defRPr>
+            </a:lvl3pPr>
+            <a:lvl4pPr marL="1371600" indent="0" algn="l" defTabSz="914400" rtl="0" eaLnBrk="1" latinLnBrk="0" hangingPunct="1">
+              <a:lnSpc>
+                <a:spcPct val="90000"/>
+              </a:lnSpc>
+              <a:spcBef>
+                <a:spcPts val="600"/>
+              </a:spcBef>
+              <a:buClr>
+                <a:schemeClr val="accent1"/>
+              </a:buClr>
+              <a:buSzPct val="100000"/>
+              <a:buFont typeface="Arial" pitchFamily="34" charset="0"/>
+              <a:buNone/>
+              <a:defRPr sz="1600" b="1" kern="1200">
+                <a:solidFill>
+                  <a:schemeClr val="tx1"/>
+                </a:solidFill>
+                <a:latin typeface="+mn-lt"/>
+                <a:ea typeface="+mn-ea"/>
+                <a:cs typeface="+mn-cs"/>
+              </a:defRPr>
+            </a:lvl4pPr>
+            <a:lvl5pPr marL="1828800" indent="0" algn="l" defTabSz="914400" rtl="0" eaLnBrk="1" latinLnBrk="0" hangingPunct="1">
+              <a:lnSpc>
+                <a:spcPct val="90000"/>
+              </a:lnSpc>
+              <a:spcBef>
+                <a:spcPts val="600"/>
+              </a:spcBef>
+              <a:buClr>
+                <a:schemeClr val="accent1"/>
+              </a:buClr>
+              <a:buSzPct val="100000"/>
+              <a:buFont typeface="Arial" pitchFamily="34" charset="0"/>
+              <a:buNone/>
+              <a:defRPr sz="1600" b="1" kern="1200">
+                <a:solidFill>
+                  <a:schemeClr val="tx1"/>
+                </a:solidFill>
+                <a:latin typeface="+mn-lt"/>
+                <a:ea typeface="+mn-ea"/>
+                <a:cs typeface="+mn-cs"/>
+              </a:defRPr>
+            </a:lvl5pPr>
+            <a:lvl6pPr marL="2286000" indent="0" algn="l" defTabSz="914400" rtl="0" eaLnBrk="1" latinLnBrk="0" hangingPunct="1">
+              <a:spcBef>
+                <a:spcPts val="600"/>
+              </a:spcBef>
+              <a:buClr>
+                <a:schemeClr val="accent1"/>
+              </a:buClr>
+              <a:buFont typeface="Arial" pitchFamily="34" charset="0"/>
+              <a:buNone/>
+              <a:defRPr sz="1600" b="1" kern="1200">
+                <a:solidFill>
+                  <a:schemeClr val="tx1"/>
+                </a:solidFill>
+                <a:latin typeface="+mn-lt"/>
+                <a:ea typeface="+mn-ea"/>
+                <a:cs typeface="+mn-cs"/>
+              </a:defRPr>
+            </a:lvl6pPr>
+            <a:lvl7pPr marL="2743200" indent="0" algn="l" defTabSz="914400" rtl="0" eaLnBrk="1" latinLnBrk="0" hangingPunct="1">
+              <a:spcBef>
+                <a:spcPts val="600"/>
+              </a:spcBef>
+              <a:buClr>
+                <a:schemeClr val="accent1"/>
+              </a:buClr>
+              <a:buFont typeface="Arial" pitchFamily="34" charset="0"/>
+              <a:buNone/>
+              <a:defRPr sz="1600" b="1" kern="1200">
+                <a:solidFill>
+                  <a:schemeClr val="tx1"/>
+                </a:solidFill>
+                <a:latin typeface="+mn-lt"/>
+                <a:ea typeface="+mn-ea"/>
+                <a:cs typeface="+mn-cs"/>
+              </a:defRPr>
+            </a:lvl7pPr>
+            <a:lvl8pPr marL="3200400" indent="0" algn="l" defTabSz="914400" rtl="0" eaLnBrk="1" latinLnBrk="0" hangingPunct="1">
+              <a:spcBef>
+                <a:spcPts val="600"/>
+              </a:spcBef>
+              <a:buClr>
+                <a:schemeClr val="accent1"/>
+              </a:buClr>
+              <a:buFont typeface="Arial" pitchFamily="34" charset="0"/>
+              <a:buNone/>
+              <a:defRPr sz="1600" b="1" kern="1200">
+                <a:solidFill>
+                  <a:schemeClr val="tx1"/>
+                </a:solidFill>
+                <a:latin typeface="+mn-lt"/>
+                <a:ea typeface="+mn-ea"/>
+                <a:cs typeface="+mn-cs"/>
+              </a:defRPr>
+            </a:lvl8pPr>
+            <a:lvl9pPr marL="3657600" indent="0" algn="l" defTabSz="914400" rtl="0" eaLnBrk="1" latinLnBrk="0" hangingPunct="1">
+              <a:spcBef>
+                <a:spcPts val="600"/>
+              </a:spcBef>
+              <a:buClr>
+                <a:schemeClr val="accent1"/>
+              </a:buClr>
+              <a:buFont typeface="Arial" pitchFamily="34" charset="0"/>
+              <a:buNone/>
+              <a:defRPr sz="1600" b="1" kern="1200">
+                <a:solidFill>
+                  <a:schemeClr val="tx1"/>
+                </a:solidFill>
+                <a:latin typeface="+mn-lt"/>
+                <a:ea typeface="+mn-ea"/>
+                <a:cs typeface="+mn-cs"/>
+              </a:defRPr>
+            </a:lvl9pPr>
+          </a:lstStyle>
+          <a:p>
+            <a:r>
+              <a:rPr lang="fr-FR" dirty="0"/>
+              <a:t>On retiendra 24 estimateurs ainsi qu’une profondeur maximale de 40 en </a:t>
+            </a:r>
+            <a:r>
+              <a:rPr lang="fr-FR" dirty="0" err="1"/>
+              <a:t>hyper-paramètres</a:t>
+            </a:r>
+            <a:endParaRPr lang="fr-FR" dirty="0"/>
           </a:p>
         </p:txBody>
       </p:sp>
     </p:spTree>
     <p:extLst>
       <p:ext uri="{BB962C8B-B14F-4D97-AF65-F5344CB8AC3E}">
-        <p14:creationId xmlns:p14="http://schemas.microsoft.com/office/powerpoint/2010/main" val="1814246744"/>
+        <p14:creationId xmlns:p14="http://schemas.microsoft.com/office/powerpoint/2010/main" val="3895063428"/>
       </p:ext>
     </p:extLst>
   </p:cSld>
@@ -9724,7 +9413,7 @@
       </p:grpSpPr>
       <p:sp>
         <p:nvSpPr>
-          <p:cNvPr id="2" name="Titre 1"/>
+          <p:cNvPr id="13" name="Titre 12"/>
           <p:cNvSpPr>
             <a:spLocks noGrp="1"/>
           </p:cNvSpPr>
@@ -9732,62 +9421,55 @@
             <p:ph type="title"/>
           </p:nvPr>
         </p:nvSpPr>
-        <p:spPr/>
+        <p:spPr>
+          <a:xfrm>
+            <a:off x="1522413" y="381000"/>
+            <a:ext cx="9144001" cy="959768"/>
+          </a:xfrm>
+        </p:spPr>
         <p:txBody>
           <a:bodyPr rtlCol="0"/>
           <a:lstStyle/>
           <a:p>
             <a:pPr rtl="0"/>
-            <a:endParaRPr lang="fr-FR" dirty="0"/>
+            <a:r>
+              <a:rPr lang="fr-FR" dirty="0"/>
+              <a:t>Schéma global de notre démarche</a:t>
+            </a:r>
           </a:p>
         </p:txBody>
       </p:sp>
+      <p:graphicFrame>
+        <p:nvGraphicFramePr>
+          <p:cNvPr id="3" name="Espace réservé du contenu 2" descr="Flux interactif" title="SmartArt"/>
+          <p:cNvGraphicFramePr>
+            <a:graphicFrameLocks noGrp="1"/>
+          </p:cNvGraphicFramePr>
+          <p:nvPr>
+            <p:ph idx="1"/>
+            <p:extLst>
+              <p:ext uri="{D42A27DB-BD31-4B8C-83A1-F6EECF244321}">
+                <p14:modId xmlns:p14="http://schemas.microsoft.com/office/powerpoint/2010/main" val="2100439400"/>
+              </p:ext>
+            </p:extLst>
+          </p:nvPr>
+        </p:nvGraphicFramePr>
+        <p:xfrm>
+          <a:off x="1522413" y="1905000"/>
+          <a:ext cx="9134475" cy="4114800"/>
+        </p:xfrm>
+        <a:graphic>
+          <a:graphicData uri="http://schemas.openxmlformats.org/drawingml/2006/diagram">
+            <dgm:relIds xmlns:dgm="http://schemas.openxmlformats.org/drawingml/2006/diagram" xmlns:r="http://schemas.openxmlformats.org/officeDocument/2006/relationships" r:dm="rId2" r:lo="rId3" r:qs="rId4" r:cs="rId5"/>
+          </a:graphicData>
+        </a:graphic>
+      </p:graphicFrame>
       <p:sp>
         <p:nvSpPr>
-          <p:cNvPr id="3" name="Espace réservé du contenu 2"/>
-          <p:cNvSpPr>
-            <a:spLocks noGrp="1"/>
-          </p:cNvSpPr>
-          <p:nvPr>
-            <p:ph idx="1"/>
-          </p:nvPr>
-        </p:nvSpPr>
-        <p:spPr/>
-        <p:txBody>
-          <a:bodyPr rtlCol="0"/>
-          <a:lstStyle/>
-          <a:p>
-            <a:pPr rtl="0"/>
-            <a:endParaRPr lang="fr-FR" dirty="0"/>
-          </a:p>
-        </p:txBody>
-      </p:sp>
-      <p:sp>
-        <p:nvSpPr>
-          <p:cNvPr id="4" name="Espace réservé du texte 3"/>
-          <p:cNvSpPr>
-            <a:spLocks noGrp="1"/>
-          </p:cNvSpPr>
-          <p:nvPr>
-            <p:ph type="body" sz="half" idx="2"/>
-          </p:nvPr>
-        </p:nvSpPr>
-        <p:spPr/>
-        <p:txBody>
-          <a:bodyPr rtlCol="0"/>
-          <a:lstStyle/>
-          <a:p>
-            <a:pPr rtl="0"/>
-            <a:endParaRPr lang="fr-FR" dirty="0"/>
-          </a:p>
-        </p:txBody>
-      </p:sp>
-      <p:sp>
-        <p:nvSpPr>
-          <p:cNvPr id="6" name="Espace réservé du numéro de diapositive 5">
+          <p:cNvPr id="4" name="Espace réservé du numéro de diapositive 3">
             <a:extLst>
               <a:ext uri="{FF2B5EF4-FFF2-40B4-BE49-F238E27FC236}">
-                <a16:creationId xmlns:a16="http://schemas.microsoft.com/office/drawing/2014/main" id="{C7498F78-2DE0-40FD-8A89-34E199188684}"/>
+                <a16:creationId xmlns:a16="http://schemas.microsoft.com/office/drawing/2014/main" id="{74905745-1246-4E98-8CC9-58DA90320590}"/>
               </a:ext>
             </a:extLst>
           </p:cNvPr>
@@ -9815,7 +9497,7 @@
     </p:spTree>
     <p:extLst>
       <p:ext uri="{BB962C8B-B14F-4D97-AF65-F5344CB8AC3E}">
-        <p14:creationId xmlns:p14="http://schemas.microsoft.com/office/powerpoint/2010/main" val="3880534145"/>
+        <p14:creationId xmlns:p14="http://schemas.microsoft.com/office/powerpoint/2010/main" val="462238070"/>
       </p:ext>
     </p:extLst>
   </p:cSld>
@@ -9856,19 +9538,7 @@
       </p:grpSpPr>
       <p:sp>
         <p:nvSpPr>
-          <p:cNvPr id="2" name="Espace réservé d’image 1"/>
-          <p:cNvSpPr>
-            <a:spLocks noGrp="1"/>
-          </p:cNvSpPr>
-          <p:nvPr>
-            <p:ph type="pic" idx="1"/>
-          </p:nvPr>
-        </p:nvSpPr>
-        <p:spPr/>
-      </p:sp>
-      <p:sp>
-        <p:nvSpPr>
-          <p:cNvPr id="3" name="Titre 2"/>
+          <p:cNvPr id="2" name="Titre 1"/>
           <p:cNvSpPr>
             <a:spLocks noGrp="1"/>
           </p:cNvSpPr>
@@ -9876,42 +9546,30 @@
             <p:ph type="title"/>
           </p:nvPr>
         </p:nvSpPr>
-        <p:spPr/>
+        <p:spPr>
+          <a:xfrm>
+            <a:off x="1943190" y="73123"/>
+            <a:ext cx="9144001" cy="1371600"/>
+          </a:xfrm>
+        </p:spPr>
         <p:txBody>
           <a:bodyPr rtlCol="0"/>
           <a:lstStyle/>
           <a:p>
             <a:pPr rtl="0"/>
-            <a:endParaRPr lang="fr-FR" dirty="0"/>
+            <a:r>
+              <a:rPr lang="fr-FR" dirty="0"/>
+              <a:t>BONUS : Test avec un réseau de neurones</a:t>
+            </a:r>
           </a:p>
         </p:txBody>
       </p:sp>
       <p:sp>
         <p:nvSpPr>
-          <p:cNvPr id="4" name="Espace réservé du texte 3"/>
-          <p:cNvSpPr>
-            <a:spLocks noGrp="1"/>
-          </p:cNvSpPr>
-          <p:nvPr>
-            <p:ph type="body" sz="half" idx="2"/>
-          </p:nvPr>
-        </p:nvSpPr>
-        <p:spPr/>
-        <p:txBody>
-          <a:bodyPr rtlCol="0"/>
-          <a:lstStyle/>
-          <a:p>
-            <a:pPr rtl="0"/>
-            <a:endParaRPr lang="fr-FR" dirty="0"/>
-          </a:p>
-        </p:txBody>
-      </p:sp>
-      <p:sp>
-        <p:nvSpPr>
-          <p:cNvPr id="6" name="Espace réservé du numéro de diapositive 5">
+          <p:cNvPr id="8" name="Espace réservé du numéro de diapositive 7">
             <a:extLst>
               <a:ext uri="{FF2B5EF4-FFF2-40B4-BE49-F238E27FC236}">
-                <a16:creationId xmlns:a16="http://schemas.microsoft.com/office/drawing/2014/main" id="{1F3D21AD-BB8D-4460-8B53-F937A2AF269F}"/>
+                <a16:creationId xmlns:a16="http://schemas.microsoft.com/office/drawing/2014/main" id="{746DA3C9-9392-415F-9F9C-5E216A6721F0}"/>
               </a:ext>
             </a:extLst>
           </p:cNvPr>
@@ -9927,20 +9585,1056 @@
           <a:bodyPr/>
           <a:lstStyle/>
           <a:p>
-            <a:pPr rtl="0"/>
             <a:fld id="{2A013F82-EE5E-44EE-A61D-E31C6657F26F}" type="slidenum">
               <a:rPr lang="fr-FR" noProof="0" smtClean="0"/>
-              <a:pPr rtl="0"/>
+              <a:pPr/>
               <a:t>14</a:t>
             </a:fld>
             <a:endParaRPr lang="fr-FR" noProof="0" dirty="0"/>
+          </a:p>
+        </p:txBody>
+      </p:sp>
+      <p:sp>
+        <p:nvSpPr>
+          <p:cNvPr id="7" name="Espace réservé du texte 6">
+            <a:extLst>
+              <a:ext uri="{FF2B5EF4-FFF2-40B4-BE49-F238E27FC236}">
+                <a16:creationId xmlns:a16="http://schemas.microsoft.com/office/drawing/2014/main" id="{16295C99-1B47-492C-AF0E-42FBCAEBF168}"/>
+              </a:ext>
+            </a:extLst>
+          </p:cNvPr>
+          <p:cNvSpPr>
+            <a:spLocks noGrp="1"/>
+          </p:cNvSpPr>
+          <p:nvPr>
+            <p:ph type="body" idx="1"/>
+          </p:nvPr>
+        </p:nvSpPr>
+        <p:spPr>
+          <a:xfrm>
+            <a:off x="1943190" y="1547563"/>
+            <a:ext cx="7020273" cy="762000"/>
+          </a:xfrm>
+        </p:spPr>
+        <p:txBody>
+          <a:bodyPr/>
+          <a:lstStyle/>
+          <a:p>
+            <a:r>
+              <a:rPr lang="en-US" dirty="0"/>
+              <a:t>On </a:t>
+            </a:r>
+            <a:r>
+              <a:rPr lang="en-US" dirty="0" err="1"/>
+              <a:t>obtient</a:t>
+            </a:r>
+            <a:r>
+              <a:rPr lang="en-US" dirty="0"/>
+              <a:t> </a:t>
+            </a:r>
+            <a:r>
+              <a:rPr lang="en-US" dirty="0" err="1"/>
+              <a:t>une</a:t>
+            </a:r>
+            <a:r>
+              <a:rPr lang="en-US" dirty="0"/>
+              <a:t> precision Moyenne de 80,2%</a:t>
+            </a:r>
+          </a:p>
+        </p:txBody>
+      </p:sp>
+      <p:pic>
+        <p:nvPicPr>
+          <p:cNvPr id="3" name="Image 2">
+            <a:extLst>
+              <a:ext uri="{FF2B5EF4-FFF2-40B4-BE49-F238E27FC236}">
+                <a16:creationId xmlns:a16="http://schemas.microsoft.com/office/drawing/2014/main" id="{650F0810-45DA-4142-B24B-6D8FC1BD83B4}"/>
+              </a:ext>
+            </a:extLst>
+          </p:cNvPr>
+          <p:cNvPicPr>
+            <a:picLocks noChangeAspect="1"/>
+          </p:cNvPicPr>
+          <p:nvPr/>
+        </p:nvPicPr>
+        <p:blipFill>
+          <a:blip r:embed="rId2"/>
+          <a:stretch>
+            <a:fillRect/>
+          </a:stretch>
+        </p:blipFill>
+        <p:spPr>
+          <a:xfrm>
+            <a:off x="1961136" y="2387229"/>
+            <a:ext cx="7354326" cy="2848373"/>
+          </a:xfrm>
+          <a:prstGeom prst="rect">
+            <a:avLst/>
+          </a:prstGeom>
+        </p:spPr>
+      </p:pic>
+      <p:sp>
+        <p:nvSpPr>
+          <p:cNvPr id="11" name="Espace réservé du texte 6">
+            <a:extLst>
+              <a:ext uri="{FF2B5EF4-FFF2-40B4-BE49-F238E27FC236}">
+                <a16:creationId xmlns:a16="http://schemas.microsoft.com/office/drawing/2014/main" id="{8203E1A0-08A7-4120-B7E2-618685EC62F7}"/>
+              </a:ext>
+            </a:extLst>
+          </p:cNvPr>
+          <p:cNvSpPr txBox="1">
+            <a:spLocks/>
+          </p:cNvSpPr>
+          <p:nvPr/>
+        </p:nvSpPr>
+        <p:spPr>
+          <a:xfrm>
+            <a:off x="1916906" y="5286039"/>
+            <a:ext cx="8569994" cy="762000"/>
+          </a:xfrm>
+          <a:prstGeom prst="rect">
+            <a:avLst/>
+          </a:prstGeom>
+        </p:spPr>
+        <p:txBody>
+          <a:bodyPr vert="horz" lIns="91440" tIns="45720" rIns="91440" bIns="45720" rtlCol="0" anchor="ctr">
+            <a:noAutofit/>
+          </a:bodyPr>
+          <a:lstStyle>
+            <a:lvl1pPr marL="0" indent="0" algn="l" defTabSz="914400" rtl="0" eaLnBrk="1" latinLnBrk="0" hangingPunct="1">
+              <a:lnSpc>
+                <a:spcPct val="90000"/>
+              </a:lnSpc>
+              <a:spcBef>
+                <a:spcPts val="0"/>
+              </a:spcBef>
+              <a:buClr>
+                <a:schemeClr val="accent1"/>
+              </a:buClr>
+              <a:buSzPct val="100000"/>
+              <a:buFont typeface="Arial" pitchFamily="34" charset="0"/>
+              <a:buNone/>
+              <a:defRPr sz="2000" b="0" kern="1200" cap="all" spc="200" baseline="0">
+                <a:solidFill>
+                  <a:schemeClr val="accent1"/>
+                </a:solidFill>
+                <a:latin typeface="+mn-lt"/>
+                <a:ea typeface="+mn-ea"/>
+                <a:cs typeface="+mn-cs"/>
+              </a:defRPr>
+            </a:lvl1pPr>
+            <a:lvl2pPr marL="457200" indent="0" algn="l" defTabSz="914400" rtl="0" eaLnBrk="1" latinLnBrk="0" hangingPunct="1">
+              <a:lnSpc>
+                <a:spcPct val="90000"/>
+              </a:lnSpc>
+              <a:spcBef>
+                <a:spcPts val="1200"/>
+              </a:spcBef>
+              <a:buClr>
+                <a:schemeClr val="accent1"/>
+              </a:buClr>
+              <a:buSzPct val="100000"/>
+              <a:buFont typeface="Arial" pitchFamily="34" charset="0"/>
+              <a:buNone/>
+              <a:defRPr sz="2000" b="1" kern="1200">
+                <a:solidFill>
+                  <a:schemeClr val="tx1"/>
+                </a:solidFill>
+                <a:latin typeface="+mn-lt"/>
+                <a:ea typeface="+mn-ea"/>
+                <a:cs typeface="+mn-cs"/>
+              </a:defRPr>
+            </a:lvl2pPr>
+            <a:lvl3pPr marL="914400" indent="0" algn="l" defTabSz="914400" rtl="0" eaLnBrk="1" latinLnBrk="0" hangingPunct="1">
+              <a:lnSpc>
+                <a:spcPct val="90000"/>
+              </a:lnSpc>
+              <a:spcBef>
+                <a:spcPts val="600"/>
+              </a:spcBef>
+              <a:buClr>
+                <a:schemeClr val="accent1"/>
+              </a:buClr>
+              <a:buSzPct val="100000"/>
+              <a:buFont typeface="Arial" pitchFamily="34" charset="0"/>
+              <a:buNone/>
+              <a:defRPr sz="1800" b="1" kern="1200">
+                <a:solidFill>
+                  <a:schemeClr val="tx1"/>
+                </a:solidFill>
+                <a:latin typeface="+mn-lt"/>
+                <a:ea typeface="+mn-ea"/>
+                <a:cs typeface="+mn-cs"/>
+              </a:defRPr>
+            </a:lvl3pPr>
+            <a:lvl4pPr marL="1371600" indent="0" algn="l" defTabSz="914400" rtl="0" eaLnBrk="1" latinLnBrk="0" hangingPunct="1">
+              <a:lnSpc>
+                <a:spcPct val="90000"/>
+              </a:lnSpc>
+              <a:spcBef>
+                <a:spcPts val="600"/>
+              </a:spcBef>
+              <a:buClr>
+                <a:schemeClr val="accent1"/>
+              </a:buClr>
+              <a:buSzPct val="100000"/>
+              <a:buFont typeface="Arial" pitchFamily="34" charset="0"/>
+              <a:buNone/>
+              <a:defRPr sz="1600" b="1" kern="1200">
+                <a:solidFill>
+                  <a:schemeClr val="tx1"/>
+                </a:solidFill>
+                <a:latin typeface="+mn-lt"/>
+                <a:ea typeface="+mn-ea"/>
+                <a:cs typeface="+mn-cs"/>
+              </a:defRPr>
+            </a:lvl4pPr>
+            <a:lvl5pPr marL="1828800" indent="0" algn="l" defTabSz="914400" rtl="0" eaLnBrk="1" latinLnBrk="0" hangingPunct="1">
+              <a:lnSpc>
+                <a:spcPct val="90000"/>
+              </a:lnSpc>
+              <a:spcBef>
+                <a:spcPts val="600"/>
+              </a:spcBef>
+              <a:buClr>
+                <a:schemeClr val="accent1"/>
+              </a:buClr>
+              <a:buSzPct val="100000"/>
+              <a:buFont typeface="Arial" pitchFamily="34" charset="0"/>
+              <a:buNone/>
+              <a:defRPr sz="1600" b="1" kern="1200">
+                <a:solidFill>
+                  <a:schemeClr val="tx1"/>
+                </a:solidFill>
+                <a:latin typeface="+mn-lt"/>
+                <a:ea typeface="+mn-ea"/>
+                <a:cs typeface="+mn-cs"/>
+              </a:defRPr>
+            </a:lvl5pPr>
+            <a:lvl6pPr marL="2286000" indent="0" algn="l" defTabSz="914400" rtl="0" eaLnBrk="1" latinLnBrk="0" hangingPunct="1">
+              <a:spcBef>
+                <a:spcPts val="600"/>
+              </a:spcBef>
+              <a:buClr>
+                <a:schemeClr val="accent1"/>
+              </a:buClr>
+              <a:buFont typeface="Arial" pitchFamily="34" charset="0"/>
+              <a:buNone/>
+              <a:defRPr sz="1600" b="1" kern="1200">
+                <a:solidFill>
+                  <a:schemeClr val="tx1"/>
+                </a:solidFill>
+                <a:latin typeface="+mn-lt"/>
+                <a:ea typeface="+mn-ea"/>
+                <a:cs typeface="+mn-cs"/>
+              </a:defRPr>
+            </a:lvl6pPr>
+            <a:lvl7pPr marL="2743200" indent="0" algn="l" defTabSz="914400" rtl="0" eaLnBrk="1" latinLnBrk="0" hangingPunct="1">
+              <a:spcBef>
+                <a:spcPts val="600"/>
+              </a:spcBef>
+              <a:buClr>
+                <a:schemeClr val="accent1"/>
+              </a:buClr>
+              <a:buFont typeface="Arial" pitchFamily="34" charset="0"/>
+              <a:buNone/>
+              <a:defRPr sz="1600" b="1" kern="1200">
+                <a:solidFill>
+                  <a:schemeClr val="tx1"/>
+                </a:solidFill>
+                <a:latin typeface="+mn-lt"/>
+                <a:ea typeface="+mn-ea"/>
+                <a:cs typeface="+mn-cs"/>
+              </a:defRPr>
+            </a:lvl7pPr>
+            <a:lvl8pPr marL="3200400" indent="0" algn="l" defTabSz="914400" rtl="0" eaLnBrk="1" latinLnBrk="0" hangingPunct="1">
+              <a:spcBef>
+                <a:spcPts val="600"/>
+              </a:spcBef>
+              <a:buClr>
+                <a:schemeClr val="accent1"/>
+              </a:buClr>
+              <a:buFont typeface="Arial" pitchFamily="34" charset="0"/>
+              <a:buNone/>
+              <a:defRPr sz="1600" b="1" kern="1200">
+                <a:solidFill>
+                  <a:schemeClr val="tx1"/>
+                </a:solidFill>
+                <a:latin typeface="+mn-lt"/>
+                <a:ea typeface="+mn-ea"/>
+                <a:cs typeface="+mn-cs"/>
+              </a:defRPr>
+            </a:lvl8pPr>
+            <a:lvl9pPr marL="3657600" indent="0" algn="l" defTabSz="914400" rtl="0" eaLnBrk="1" latinLnBrk="0" hangingPunct="1">
+              <a:spcBef>
+                <a:spcPts val="600"/>
+              </a:spcBef>
+              <a:buClr>
+                <a:schemeClr val="accent1"/>
+              </a:buClr>
+              <a:buFont typeface="Arial" pitchFamily="34" charset="0"/>
+              <a:buNone/>
+              <a:defRPr sz="1600" b="1" kern="1200">
+                <a:solidFill>
+                  <a:schemeClr val="tx1"/>
+                </a:solidFill>
+                <a:latin typeface="+mn-lt"/>
+                <a:ea typeface="+mn-ea"/>
+                <a:cs typeface="+mn-cs"/>
+              </a:defRPr>
+            </a:lvl9pPr>
+          </a:lstStyle>
+          <a:p>
+            <a:r>
+              <a:rPr lang="fr-FR" dirty="0"/>
+              <a:t>Ce modèle est intéressant, mais moins performant que la </a:t>
+            </a:r>
+            <a:r>
+              <a:rPr lang="fr-FR" dirty="0" err="1"/>
+              <a:t>Random</a:t>
+            </a:r>
+            <a:r>
+              <a:rPr lang="fr-FR" dirty="0"/>
+              <a:t> </a:t>
+            </a:r>
+            <a:r>
+              <a:rPr lang="fr-FR" dirty="0" err="1"/>
+              <a:t>forest</a:t>
+            </a:r>
+            <a:endParaRPr lang="fr-FR" dirty="0"/>
           </a:p>
         </p:txBody>
       </p:sp>
     </p:spTree>
     <p:extLst>
       <p:ext uri="{BB962C8B-B14F-4D97-AF65-F5344CB8AC3E}">
-        <p14:creationId xmlns:p14="http://schemas.microsoft.com/office/powerpoint/2010/main" val="1108506989"/>
+        <p14:creationId xmlns:p14="http://schemas.microsoft.com/office/powerpoint/2010/main" val="3526576996"/>
+      </p:ext>
+    </p:extLst>
+  </p:cSld>
+  <p:clrMapOvr>
+    <a:masterClrMapping/>
+  </p:clrMapOvr>
+  <mc:AlternateContent xmlns:mc="http://schemas.openxmlformats.org/markup-compatibility/2006" xmlns:p14="http://schemas.microsoft.com/office/powerpoint/2010/main">
+    <mc:Choice Requires="p14">
+      <p:transition spd="med" p14:dur="700">
+        <p:fade/>
+      </p:transition>
+    </mc:Choice>
+    <mc:Fallback xmlns="">
+      <p:transition spd="med">
+        <p:fade/>
+      </p:transition>
+    </mc:Fallback>
+  </mc:AlternateContent>
+</p:sld>
+</file>
+
+<file path=ppt/slides/slide15.xml><?xml version="1.0" encoding="utf-8"?>
+<p:sld xmlns:a="http://schemas.openxmlformats.org/drawingml/2006/main" xmlns:r="http://schemas.openxmlformats.org/officeDocument/2006/relationships" xmlns:p="http://schemas.openxmlformats.org/presentationml/2006/main">
+  <p:cSld>
+    <p:spTree>
+      <p:nvGrpSpPr>
+        <p:cNvPr id="1" name=""/>
+        <p:cNvGrpSpPr/>
+        <p:nvPr/>
+      </p:nvGrpSpPr>
+      <p:grpSpPr>
+        <a:xfrm>
+          <a:off x="0" y="0"/>
+          <a:ext cx="0" cy="0"/>
+          <a:chOff x="0" y="0"/>
+          <a:chExt cx="0" cy="0"/>
+        </a:xfrm>
+      </p:grpSpPr>
+      <p:sp>
+        <p:nvSpPr>
+          <p:cNvPr id="2" name="Titre 1"/>
+          <p:cNvSpPr>
+            <a:spLocks noGrp="1"/>
+          </p:cNvSpPr>
+          <p:nvPr>
+            <p:ph type="title"/>
+          </p:nvPr>
+        </p:nvSpPr>
+        <p:spPr>
+          <a:xfrm>
+            <a:off x="1943190" y="381000"/>
+            <a:ext cx="9144001" cy="1371600"/>
+          </a:xfrm>
+        </p:spPr>
+        <p:txBody>
+          <a:bodyPr rtlCol="0"/>
+          <a:lstStyle/>
+          <a:p>
+            <a:r>
+              <a:rPr lang="fr-FR" dirty="0"/>
+              <a:t>VII. API REST Django - header</a:t>
+            </a:r>
+          </a:p>
+        </p:txBody>
+      </p:sp>
+      <p:sp>
+        <p:nvSpPr>
+          <p:cNvPr id="3" name="Espace réservé du texte 2"/>
+          <p:cNvSpPr>
+            <a:spLocks noGrp="1"/>
+          </p:cNvSpPr>
+          <p:nvPr>
+            <p:ph type="body" idx="1"/>
+          </p:nvPr>
+        </p:nvSpPr>
+        <p:spPr>
+          <a:xfrm>
+            <a:off x="1755143" y="1939897"/>
+            <a:ext cx="8678537" cy="1242991"/>
+          </a:xfrm>
+        </p:spPr>
+        <p:txBody>
+          <a:bodyPr rtlCol="0"/>
+          <a:lstStyle/>
+          <a:p>
+            <a:pPr rtl="0"/>
+            <a:r>
+              <a:rPr lang="fr-FR" dirty="0"/>
+              <a:t>On retrouve en haut, un menu de navigation pour choisir de prédire le niveau d’obésité ou d’afficher la liste de toutes les prédictions qui ont déjà été faites.</a:t>
+            </a:r>
+          </a:p>
+        </p:txBody>
+      </p:sp>
+      <p:sp>
+        <p:nvSpPr>
+          <p:cNvPr id="8" name="Espace réservé du numéro de diapositive 7">
+            <a:extLst>
+              <a:ext uri="{FF2B5EF4-FFF2-40B4-BE49-F238E27FC236}">
+                <a16:creationId xmlns:a16="http://schemas.microsoft.com/office/drawing/2014/main" id="{746DA3C9-9392-415F-9F9C-5E216A6721F0}"/>
+              </a:ext>
+            </a:extLst>
+          </p:cNvPr>
+          <p:cNvSpPr>
+            <a:spLocks noGrp="1"/>
+          </p:cNvSpPr>
+          <p:nvPr>
+            <p:ph type="sldNum" sz="quarter" idx="12"/>
+          </p:nvPr>
+        </p:nvSpPr>
+        <p:spPr/>
+        <p:txBody>
+          <a:bodyPr/>
+          <a:lstStyle/>
+          <a:p>
+            <a:fld id="{2A013F82-EE5E-44EE-A61D-E31C6657F26F}" type="slidenum">
+              <a:rPr lang="fr-FR" noProof="0" smtClean="0"/>
+              <a:pPr/>
+              <a:t>15</a:t>
+            </a:fld>
+            <a:endParaRPr lang="fr-FR" noProof="0" dirty="0"/>
+          </a:p>
+        </p:txBody>
+      </p:sp>
+      <p:pic>
+        <p:nvPicPr>
+          <p:cNvPr id="4" name="Image 3">
+            <a:extLst>
+              <a:ext uri="{FF2B5EF4-FFF2-40B4-BE49-F238E27FC236}">
+                <a16:creationId xmlns:a16="http://schemas.microsoft.com/office/drawing/2014/main" id="{1D845519-85D8-4B26-815A-780334F474CD}"/>
+              </a:ext>
+            </a:extLst>
+          </p:cNvPr>
+          <p:cNvPicPr>
+            <a:picLocks noChangeAspect="1"/>
+          </p:cNvPicPr>
+          <p:nvPr/>
+        </p:nvPicPr>
+        <p:blipFill>
+          <a:blip r:embed="rId2"/>
+          <a:stretch>
+            <a:fillRect/>
+          </a:stretch>
+        </p:blipFill>
+        <p:spPr>
+          <a:xfrm>
+            <a:off x="157416" y="3573016"/>
+            <a:ext cx="11873992" cy="1242991"/>
+          </a:xfrm>
+          <a:prstGeom prst="rect">
+            <a:avLst/>
+          </a:prstGeom>
+        </p:spPr>
+      </p:pic>
+    </p:spTree>
+    <p:extLst>
+      <p:ext uri="{BB962C8B-B14F-4D97-AF65-F5344CB8AC3E}">
+        <p14:creationId xmlns:p14="http://schemas.microsoft.com/office/powerpoint/2010/main" val="32780929"/>
+      </p:ext>
+    </p:extLst>
+  </p:cSld>
+  <p:clrMapOvr>
+    <a:masterClrMapping/>
+  </p:clrMapOvr>
+  <mc:AlternateContent xmlns:mc="http://schemas.openxmlformats.org/markup-compatibility/2006" xmlns:p14="http://schemas.microsoft.com/office/powerpoint/2010/main">
+    <mc:Choice Requires="p14">
+      <p:transition spd="med" p14:dur="700">
+        <p:fade/>
+      </p:transition>
+    </mc:Choice>
+    <mc:Fallback xmlns="">
+      <p:transition spd="med">
+        <p:fade/>
+      </p:transition>
+    </mc:Fallback>
+  </mc:AlternateContent>
+</p:sld>
+</file>
+
+<file path=ppt/slides/slide16.xml><?xml version="1.0" encoding="utf-8"?>
+<p:sld xmlns:a="http://schemas.openxmlformats.org/drawingml/2006/main" xmlns:r="http://schemas.openxmlformats.org/officeDocument/2006/relationships" xmlns:p="http://schemas.openxmlformats.org/presentationml/2006/main">
+  <p:cSld>
+    <p:spTree>
+      <p:nvGrpSpPr>
+        <p:cNvPr id="1" name=""/>
+        <p:cNvGrpSpPr/>
+        <p:nvPr/>
+      </p:nvGrpSpPr>
+      <p:grpSpPr>
+        <a:xfrm>
+          <a:off x="0" y="0"/>
+          <a:ext cx="0" cy="0"/>
+          <a:chOff x="0" y="0"/>
+          <a:chExt cx="0" cy="0"/>
+        </a:xfrm>
+      </p:grpSpPr>
+      <p:sp>
+        <p:nvSpPr>
+          <p:cNvPr id="2" name="Titre 1"/>
+          <p:cNvSpPr>
+            <a:spLocks noGrp="1"/>
+          </p:cNvSpPr>
+          <p:nvPr>
+            <p:ph type="title"/>
+          </p:nvPr>
+        </p:nvSpPr>
+        <p:spPr>
+          <a:xfrm>
+            <a:off x="321506" y="522621"/>
+            <a:ext cx="5022502" cy="1492278"/>
+          </a:xfrm>
+        </p:spPr>
+        <p:txBody>
+          <a:bodyPr rtlCol="0"/>
+          <a:lstStyle/>
+          <a:p>
+            <a:r>
+              <a:rPr lang="fr-FR" dirty="0"/>
+              <a:t>VII. API REST Django – home page</a:t>
+            </a:r>
+          </a:p>
+        </p:txBody>
+      </p:sp>
+      <p:sp>
+        <p:nvSpPr>
+          <p:cNvPr id="3" name="Espace réservé du texte 2"/>
+          <p:cNvSpPr>
+            <a:spLocks noGrp="1"/>
+          </p:cNvSpPr>
+          <p:nvPr>
+            <p:ph type="body" idx="1"/>
+          </p:nvPr>
+        </p:nvSpPr>
+        <p:spPr>
+          <a:xfrm>
+            <a:off x="1917948" y="2132856"/>
+            <a:ext cx="3034953" cy="3672408"/>
+          </a:xfrm>
+        </p:spPr>
+        <p:txBody>
+          <a:bodyPr rtlCol="0"/>
+          <a:lstStyle/>
+          <a:p>
+            <a:pPr rtl="0"/>
+            <a:r>
+              <a:rPr lang="fr-FR" dirty="0">
+                <a:solidFill>
+                  <a:schemeClr val="tx1"/>
+                </a:solidFill>
+              </a:rPr>
+              <a:t>La page principale est la page de prédiction.</a:t>
+            </a:r>
+          </a:p>
+          <a:p>
+            <a:pPr rtl="0"/>
+            <a:r>
+              <a:rPr lang="fr-FR" dirty="0">
+                <a:solidFill>
+                  <a:schemeClr val="tx1"/>
+                </a:solidFill>
+              </a:rPr>
+              <a:t>l’utilisateur doit alors remplir tous les champs proposés afin d’obtenir une évaluation de son </a:t>
+            </a:r>
+            <a:r>
+              <a:rPr lang="fr-FR" dirty="0" err="1">
+                <a:solidFill>
+                  <a:schemeClr val="tx1"/>
+                </a:solidFill>
+              </a:rPr>
+              <a:t>tybe</a:t>
+            </a:r>
+            <a:r>
+              <a:rPr lang="fr-FR" dirty="0">
+                <a:solidFill>
+                  <a:schemeClr val="tx1"/>
+                </a:solidFill>
+              </a:rPr>
+              <a:t> d’obésité.</a:t>
+            </a:r>
+          </a:p>
+        </p:txBody>
+      </p:sp>
+      <p:sp>
+        <p:nvSpPr>
+          <p:cNvPr id="8" name="Espace réservé du numéro de diapositive 7">
+            <a:extLst>
+              <a:ext uri="{FF2B5EF4-FFF2-40B4-BE49-F238E27FC236}">
+                <a16:creationId xmlns:a16="http://schemas.microsoft.com/office/drawing/2014/main" id="{746DA3C9-9392-415F-9F9C-5E216A6721F0}"/>
+              </a:ext>
+            </a:extLst>
+          </p:cNvPr>
+          <p:cNvSpPr>
+            <a:spLocks noGrp="1"/>
+          </p:cNvSpPr>
+          <p:nvPr>
+            <p:ph type="sldNum" sz="quarter" idx="12"/>
+          </p:nvPr>
+        </p:nvSpPr>
+        <p:spPr/>
+        <p:txBody>
+          <a:bodyPr/>
+          <a:lstStyle/>
+          <a:p>
+            <a:fld id="{2A013F82-EE5E-44EE-A61D-E31C6657F26F}" type="slidenum">
+              <a:rPr lang="fr-FR" noProof="0" smtClean="0"/>
+              <a:pPr/>
+              <a:t>16</a:t>
+            </a:fld>
+            <a:endParaRPr lang="fr-FR" noProof="0" dirty="0"/>
+          </a:p>
+        </p:txBody>
+      </p:sp>
+      <p:pic>
+        <p:nvPicPr>
+          <p:cNvPr id="5" name="Image 4">
+            <a:extLst>
+              <a:ext uri="{FF2B5EF4-FFF2-40B4-BE49-F238E27FC236}">
+                <a16:creationId xmlns:a16="http://schemas.microsoft.com/office/drawing/2014/main" id="{A0BF450C-E303-4BAC-A82E-D46ACEEFB780}"/>
+              </a:ext>
+            </a:extLst>
+          </p:cNvPr>
+          <p:cNvPicPr>
+            <a:picLocks noChangeAspect="1"/>
+          </p:cNvPicPr>
+          <p:nvPr/>
+        </p:nvPicPr>
+        <p:blipFill>
+          <a:blip r:embed="rId2"/>
+          <a:stretch>
+            <a:fillRect/>
+          </a:stretch>
+        </p:blipFill>
+        <p:spPr>
+          <a:xfrm>
+            <a:off x="5374332" y="290852"/>
+            <a:ext cx="2664296" cy="6255905"/>
+          </a:xfrm>
+          <a:prstGeom prst="rect">
+            <a:avLst/>
+          </a:prstGeom>
+        </p:spPr>
+      </p:pic>
+      <p:pic>
+        <p:nvPicPr>
+          <p:cNvPr id="6" name="Image 5">
+            <a:extLst>
+              <a:ext uri="{FF2B5EF4-FFF2-40B4-BE49-F238E27FC236}">
+                <a16:creationId xmlns:a16="http://schemas.microsoft.com/office/drawing/2014/main" id="{471E20A7-D4C2-4D76-93E6-BEE4C1B07E8B}"/>
+              </a:ext>
+            </a:extLst>
+          </p:cNvPr>
+          <p:cNvPicPr>
+            <a:picLocks noChangeAspect="1"/>
+          </p:cNvPicPr>
+          <p:nvPr/>
+        </p:nvPicPr>
+        <p:blipFill>
+          <a:blip r:embed="rId3"/>
+          <a:stretch>
+            <a:fillRect/>
+          </a:stretch>
+        </p:blipFill>
+        <p:spPr>
+          <a:xfrm>
+            <a:off x="8326660" y="1680918"/>
+            <a:ext cx="3486637" cy="3496163"/>
+          </a:xfrm>
+          <a:prstGeom prst="rect">
+            <a:avLst/>
+          </a:prstGeom>
+        </p:spPr>
+      </p:pic>
+    </p:spTree>
+    <p:extLst>
+      <p:ext uri="{BB962C8B-B14F-4D97-AF65-F5344CB8AC3E}">
+        <p14:creationId xmlns:p14="http://schemas.microsoft.com/office/powerpoint/2010/main" val="3130579906"/>
+      </p:ext>
+    </p:extLst>
+  </p:cSld>
+  <p:clrMapOvr>
+    <a:masterClrMapping/>
+  </p:clrMapOvr>
+  <mc:AlternateContent xmlns:mc="http://schemas.openxmlformats.org/markup-compatibility/2006" xmlns:p14="http://schemas.microsoft.com/office/powerpoint/2010/main">
+    <mc:Choice Requires="p14">
+      <p:transition spd="med" p14:dur="700">
+        <p:fade/>
+      </p:transition>
+    </mc:Choice>
+    <mc:Fallback xmlns="">
+      <p:transition spd="med">
+        <p:fade/>
+      </p:transition>
+    </mc:Fallback>
+  </mc:AlternateContent>
+</p:sld>
+</file>
+
+<file path=ppt/slides/slide17.xml><?xml version="1.0" encoding="utf-8"?>
+<p:sld xmlns:a="http://schemas.openxmlformats.org/drawingml/2006/main" xmlns:r="http://schemas.openxmlformats.org/officeDocument/2006/relationships" xmlns:p="http://schemas.openxmlformats.org/presentationml/2006/main">
+  <p:cSld>
+    <p:spTree>
+      <p:nvGrpSpPr>
+        <p:cNvPr id="1" name=""/>
+        <p:cNvGrpSpPr/>
+        <p:nvPr/>
+      </p:nvGrpSpPr>
+      <p:grpSpPr>
+        <a:xfrm>
+          <a:off x="0" y="0"/>
+          <a:ext cx="0" cy="0"/>
+          <a:chOff x="0" y="0"/>
+          <a:chExt cx="0" cy="0"/>
+        </a:xfrm>
+      </p:grpSpPr>
+      <p:sp>
+        <p:nvSpPr>
+          <p:cNvPr id="2" name="Titre 1"/>
+          <p:cNvSpPr>
+            <a:spLocks noGrp="1"/>
+          </p:cNvSpPr>
+          <p:nvPr>
+            <p:ph type="title"/>
+          </p:nvPr>
+        </p:nvSpPr>
+        <p:spPr>
+          <a:xfrm>
+            <a:off x="279823" y="692696"/>
+            <a:ext cx="5382542" cy="1371600"/>
+          </a:xfrm>
+        </p:spPr>
+        <p:txBody>
+          <a:bodyPr rtlCol="0"/>
+          <a:lstStyle/>
+          <a:p>
+            <a:r>
+              <a:rPr lang="fr-FR" dirty="0"/>
+              <a:t>VII. API REST Django – self </a:t>
+            </a:r>
+            <a:r>
+              <a:rPr lang="fr-FR" dirty="0" err="1"/>
+              <a:t>prediction</a:t>
+            </a:r>
+            <a:endParaRPr lang="fr-FR" dirty="0"/>
+          </a:p>
+        </p:txBody>
+      </p:sp>
+      <p:sp>
+        <p:nvSpPr>
+          <p:cNvPr id="3" name="Espace réservé du texte 2"/>
+          <p:cNvSpPr>
+            <a:spLocks noGrp="1"/>
+          </p:cNvSpPr>
+          <p:nvPr>
+            <p:ph type="body" idx="1"/>
+          </p:nvPr>
+        </p:nvSpPr>
+        <p:spPr>
+          <a:xfrm>
+            <a:off x="2277988" y="2064296"/>
+            <a:ext cx="3034953" cy="3672408"/>
+          </a:xfrm>
+        </p:spPr>
+        <p:txBody>
+          <a:bodyPr rtlCol="0"/>
+          <a:lstStyle/>
+          <a:p>
+            <a:pPr rtl="0"/>
+            <a:r>
+              <a:rPr lang="fr-FR" dirty="0">
+                <a:solidFill>
+                  <a:schemeClr val="tx1"/>
+                </a:solidFill>
+              </a:rPr>
+              <a:t>L’essai avec un cas de figure réel s’avère plutôt correct.</a:t>
+            </a:r>
+          </a:p>
+          <a:p>
+            <a:pPr rtl="0"/>
+            <a:r>
+              <a:rPr lang="fr-FR" dirty="0">
+                <a:solidFill>
+                  <a:schemeClr val="tx1"/>
+                </a:solidFill>
+              </a:rPr>
+              <a:t>Le modèle me prédit un poids normal et mon IMC me donne le même résultat.</a:t>
+            </a:r>
+          </a:p>
+        </p:txBody>
+      </p:sp>
+      <p:sp>
+        <p:nvSpPr>
+          <p:cNvPr id="8" name="Espace réservé du numéro de diapositive 7">
+            <a:extLst>
+              <a:ext uri="{FF2B5EF4-FFF2-40B4-BE49-F238E27FC236}">
+                <a16:creationId xmlns:a16="http://schemas.microsoft.com/office/drawing/2014/main" id="{746DA3C9-9392-415F-9F9C-5E216A6721F0}"/>
+              </a:ext>
+            </a:extLst>
+          </p:cNvPr>
+          <p:cNvSpPr>
+            <a:spLocks noGrp="1"/>
+          </p:cNvSpPr>
+          <p:nvPr>
+            <p:ph type="sldNum" sz="quarter" idx="12"/>
+          </p:nvPr>
+        </p:nvSpPr>
+        <p:spPr/>
+        <p:txBody>
+          <a:bodyPr/>
+          <a:lstStyle/>
+          <a:p>
+            <a:fld id="{2A013F82-EE5E-44EE-A61D-E31C6657F26F}" type="slidenum">
+              <a:rPr lang="fr-FR" noProof="0" smtClean="0"/>
+              <a:pPr/>
+              <a:t>17</a:t>
+            </a:fld>
+            <a:endParaRPr lang="fr-FR" noProof="0" dirty="0"/>
+          </a:p>
+        </p:txBody>
+      </p:sp>
+      <p:pic>
+        <p:nvPicPr>
+          <p:cNvPr id="4" name="Image 3">
+            <a:extLst>
+              <a:ext uri="{FF2B5EF4-FFF2-40B4-BE49-F238E27FC236}">
+                <a16:creationId xmlns:a16="http://schemas.microsoft.com/office/drawing/2014/main" id="{DC5E7946-C578-405C-9521-5D9187E70493}"/>
+              </a:ext>
+            </a:extLst>
+          </p:cNvPr>
+          <p:cNvPicPr>
+            <a:picLocks noChangeAspect="1"/>
+          </p:cNvPicPr>
+          <p:nvPr/>
+        </p:nvPicPr>
+        <p:blipFill>
+          <a:blip r:embed="rId2"/>
+          <a:stretch>
+            <a:fillRect/>
+          </a:stretch>
+        </p:blipFill>
+        <p:spPr>
+          <a:xfrm>
+            <a:off x="5950396" y="140279"/>
+            <a:ext cx="3744416" cy="6510177"/>
+          </a:xfrm>
+          <a:prstGeom prst="rect">
+            <a:avLst/>
+          </a:prstGeom>
+        </p:spPr>
+      </p:pic>
+    </p:spTree>
+    <p:extLst>
+      <p:ext uri="{BB962C8B-B14F-4D97-AF65-F5344CB8AC3E}">
+        <p14:creationId xmlns:p14="http://schemas.microsoft.com/office/powerpoint/2010/main" val="67716043"/>
+      </p:ext>
+    </p:extLst>
+  </p:cSld>
+  <p:clrMapOvr>
+    <a:masterClrMapping/>
+  </p:clrMapOvr>
+  <mc:AlternateContent xmlns:mc="http://schemas.openxmlformats.org/markup-compatibility/2006" xmlns:p14="http://schemas.microsoft.com/office/powerpoint/2010/main">
+    <mc:Choice Requires="p14">
+      <p:transition spd="med" p14:dur="700">
+        <p:fade/>
+      </p:transition>
+    </mc:Choice>
+    <mc:Fallback xmlns="">
+      <p:transition spd="med">
+        <p:fade/>
+      </p:transition>
+    </mc:Fallback>
+  </mc:AlternateContent>
+</p:sld>
+</file>
+
+<file path=ppt/slides/slide18.xml><?xml version="1.0" encoding="utf-8"?>
+<p:sld xmlns:a="http://schemas.openxmlformats.org/drawingml/2006/main" xmlns:r="http://schemas.openxmlformats.org/officeDocument/2006/relationships" xmlns:p="http://schemas.openxmlformats.org/presentationml/2006/main">
+  <p:cSld>
+    <p:spTree>
+      <p:nvGrpSpPr>
+        <p:cNvPr id="1" name=""/>
+        <p:cNvGrpSpPr/>
+        <p:nvPr/>
+      </p:nvGrpSpPr>
+      <p:grpSpPr>
+        <a:xfrm>
+          <a:off x="0" y="0"/>
+          <a:ext cx="0" cy="0"/>
+          <a:chOff x="0" y="0"/>
+          <a:chExt cx="0" cy="0"/>
+        </a:xfrm>
+      </p:grpSpPr>
+      <p:sp>
+        <p:nvSpPr>
+          <p:cNvPr id="2" name="Titre 1"/>
+          <p:cNvSpPr>
+            <a:spLocks noGrp="1"/>
+          </p:cNvSpPr>
+          <p:nvPr>
+            <p:ph type="title"/>
+          </p:nvPr>
+        </p:nvSpPr>
+        <p:spPr>
+          <a:xfrm>
+            <a:off x="1098885" y="201864"/>
+            <a:ext cx="9991053" cy="1371600"/>
+          </a:xfrm>
+        </p:spPr>
+        <p:txBody>
+          <a:bodyPr rtlCol="0"/>
+          <a:lstStyle/>
+          <a:p>
+            <a:r>
+              <a:rPr lang="fr-FR" dirty="0"/>
+              <a:t>VII. API REST Django – </a:t>
+            </a:r>
+            <a:r>
+              <a:rPr lang="fr-FR" dirty="0" err="1"/>
+              <a:t>Prediction</a:t>
+            </a:r>
+            <a:r>
+              <a:rPr lang="fr-FR" dirty="0"/>
+              <a:t> </a:t>
+            </a:r>
+            <a:r>
+              <a:rPr lang="fr-FR" dirty="0" err="1"/>
+              <a:t>Results</a:t>
+            </a:r>
+            <a:endParaRPr lang="fr-FR" dirty="0"/>
+          </a:p>
+        </p:txBody>
+      </p:sp>
+      <p:sp>
+        <p:nvSpPr>
+          <p:cNvPr id="3" name="Espace réservé du texte 2"/>
+          <p:cNvSpPr>
+            <a:spLocks noGrp="1"/>
+          </p:cNvSpPr>
+          <p:nvPr>
+            <p:ph type="body" idx="1"/>
+          </p:nvPr>
+        </p:nvSpPr>
+        <p:spPr>
+          <a:xfrm>
+            <a:off x="1098884" y="5551797"/>
+            <a:ext cx="10486901" cy="1125231"/>
+          </a:xfrm>
+        </p:spPr>
+        <p:txBody>
+          <a:bodyPr rtlCol="0"/>
+          <a:lstStyle/>
+          <a:p>
+            <a:pPr rtl="0"/>
+            <a:r>
+              <a:rPr lang="fr-FR" dirty="0">
+                <a:solidFill>
+                  <a:schemeClr val="tx1"/>
+                </a:solidFill>
+              </a:rPr>
+              <a:t>L’onglet DB donne accès à toute cette base de données, composée des différentes prédictions que l’application a pu nous faire. </a:t>
+            </a:r>
+          </a:p>
+        </p:txBody>
+      </p:sp>
+      <p:sp>
+        <p:nvSpPr>
+          <p:cNvPr id="8" name="Espace réservé du numéro de diapositive 7">
+            <a:extLst>
+              <a:ext uri="{FF2B5EF4-FFF2-40B4-BE49-F238E27FC236}">
+                <a16:creationId xmlns:a16="http://schemas.microsoft.com/office/drawing/2014/main" id="{746DA3C9-9392-415F-9F9C-5E216A6721F0}"/>
+              </a:ext>
+            </a:extLst>
+          </p:cNvPr>
+          <p:cNvSpPr>
+            <a:spLocks noGrp="1"/>
+          </p:cNvSpPr>
+          <p:nvPr>
+            <p:ph type="sldNum" sz="quarter" idx="12"/>
+          </p:nvPr>
+        </p:nvSpPr>
+        <p:spPr/>
+        <p:txBody>
+          <a:bodyPr/>
+          <a:lstStyle/>
+          <a:p>
+            <a:fld id="{2A013F82-EE5E-44EE-A61D-E31C6657F26F}" type="slidenum">
+              <a:rPr lang="fr-FR" noProof="0" smtClean="0"/>
+              <a:pPr/>
+              <a:t>18</a:t>
+            </a:fld>
+            <a:endParaRPr lang="fr-FR" noProof="0" dirty="0"/>
+          </a:p>
+        </p:txBody>
+      </p:sp>
+      <p:pic>
+        <p:nvPicPr>
+          <p:cNvPr id="5" name="Image 4">
+            <a:extLst>
+              <a:ext uri="{FF2B5EF4-FFF2-40B4-BE49-F238E27FC236}">
+                <a16:creationId xmlns:a16="http://schemas.microsoft.com/office/drawing/2014/main" id="{799FCAAC-42FD-4B1B-8C93-4998465181F7}"/>
+              </a:ext>
+            </a:extLst>
+          </p:cNvPr>
+          <p:cNvPicPr>
+            <a:picLocks noChangeAspect="1"/>
+          </p:cNvPicPr>
+          <p:nvPr/>
+        </p:nvPicPr>
+        <p:blipFill>
+          <a:blip r:embed="rId2"/>
+          <a:stretch>
+            <a:fillRect/>
+          </a:stretch>
+        </p:blipFill>
+        <p:spPr>
+          <a:xfrm>
+            <a:off x="1098885" y="1844824"/>
+            <a:ext cx="10486900" cy="3600154"/>
+          </a:xfrm>
+          <a:prstGeom prst="rect">
+            <a:avLst/>
+          </a:prstGeom>
+        </p:spPr>
+      </p:pic>
+    </p:spTree>
+    <p:extLst>
+      <p:ext uri="{BB962C8B-B14F-4D97-AF65-F5344CB8AC3E}">
+        <p14:creationId xmlns:p14="http://schemas.microsoft.com/office/powerpoint/2010/main" val="973107608"/>
       </p:ext>
     </p:extLst>
   </p:cSld>
@@ -10054,15 +10748,7 @@
             <a:pPr rtl="0"/>
             <a:r>
               <a:rPr lang="fr-FR" dirty="0"/>
-              <a:t>Confrontation des modèles (</a:t>
-            </a:r>
-            <a:r>
-              <a:rPr lang="fr-FR" dirty="0" err="1"/>
-              <a:t>search-grid</a:t>
-            </a:r>
-            <a:r>
-              <a:rPr lang="fr-FR" dirty="0"/>
-              <a:t>)</a:t>
+              <a:t>Confrontation des modèles</a:t>
             </a:r>
           </a:p>
           <a:p>
@@ -10178,7 +10864,7 @@
             <a:pPr rtl="0"/>
             <a:r>
               <a:rPr lang="fr-FR" dirty="0"/>
-              <a:t>Exploration du </a:t>
+              <a:t>I. Exploration du </a:t>
             </a:r>
             <a:r>
               <a:rPr lang="fr-FR" dirty="0" err="1"/>
@@ -10529,10 +11215,106 @@
       </p:grpSpPr>
       <p:sp>
         <p:nvSpPr>
-          <p:cNvPr id="3" name="Espace réservé du numéro de diapositive 2">
+          <p:cNvPr id="2" name="Titre 1"/>
+          <p:cNvSpPr>
+            <a:spLocks noGrp="1"/>
+          </p:cNvSpPr>
+          <p:nvPr>
+            <p:ph type="title"/>
+          </p:nvPr>
+        </p:nvSpPr>
+        <p:spPr>
+          <a:xfrm>
+            <a:off x="1055604" y="876300"/>
+            <a:ext cx="4318728" cy="2667000"/>
+          </a:xfrm>
+        </p:spPr>
+        <p:txBody>
+          <a:bodyPr rtlCol="0" anchor="b">
+            <a:normAutofit/>
+          </a:bodyPr>
+          <a:lstStyle/>
+          <a:p>
+            <a:pPr rtl="0"/>
+            <a:r>
+              <a:rPr lang="fr-FR" dirty="0"/>
+              <a:t>Principal Component </a:t>
+            </a:r>
+            <a:r>
+              <a:rPr lang="fr-FR" dirty="0" err="1"/>
+              <a:t>Analysis</a:t>
+            </a:r>
+            <a:endParaRPr lang="fr-FR" dirty="0"/>
+          </a:p>
+        </p:txBody>
+      </p:sp>
+      <p:pic>
+        <p:nvPicPr>
+          <p:cNvPr id="8" name="Image 7">
             <a:extLst>
               <a:ext uri="{FF2B5EF4-FFF2-40B4-BE49-F238E27FC236}">
-                <a16:creationId xmlns:a16="http://schemas.microsoft.com/office/drawing/2014/main" id="{CA00598B-64BE-41CA-AA27-19ADB42455E8}"/>
+                <a16:creationId xmlns:a16="http://schemas.microsoft.com/office/drawing/2014/main" id="{32D702CF-C2CD-4E4F-BA64-D337092DC2BC}"/>
+              </a:ext>
+            </a:extLst>
+          </p:cNvPr>
+          <p:cNvPicPr>
+            <a:picLocks noChangeAspect="1"/>
+          </p:cNvPicPr>
+          <p:nvPr/>
+        </p:nvPicPr>
+        <p:blipFill>
+          <a:blip r:embed="rId2"/>
+          <a:stretch>
+            <a:fillRect/>
+          </a:stretch>
+        </p:blipFill>
+        <p:spPr>
+          <a:xfrm>
+            <a:off x="5500319" y="353958"/>
+            <a:ext cx="5632901" cy="5665842"/>
+          </a:xfrm>
+          <a:prstGeom prst="rect">
+            <a:avLst/>
+          </a:prstGeom>
+          <a:noFill/>
+        </p:spPr>
+      </p:pic>
+      <p:sp>
+        <p:nvSpPr>
+          <p:cNvPr id="4" name="Espace réservé du texte 3"/>
+          <p:cNvSpPr>
+            <a:spLocks noGrp="1"/>
+          </p:cNvSpPr>
+          <p:nvPr>
+            <p:ph type="body" sz="half" idx="2"/>
+          </p:nvPr>
+        </p:nvSpPr>
+        <p:spPr>
+          <a:xfrm>
+            <a:off x="1065213" y="3717032"/>
+            <a:ext cx="4237111" cy="2302768"/>
+          </a:xfrm>
+        </p:spPr>
+        <p:txBody>
+          <a:bodyPr rtlCol="0">
+            <a:normAutofit/>
+          </a:bodyPr>
+          <a:lstStyle/>
+          <a:p>
+            <a:r>
+              <a:rPr lang="fr-FR"/>
+              <a:t>Les informations contenues dans une colonne sont le montant de la variance qu'elle contient. L'objectif principal des composants principaux est de représenter les informations de l'ensemble de données avec un minimum de colonnes possible.</a:t>
+            </a:r>
+            <a:endParaRPr lang="fr-FR" dirty="0"/>
+          </a:p>
+        </p:txBody>
+      </p:sp>
+      <p:sp>
+        <p:nvSpPr>
+          <p:cNvPr id="6" name="Espace réservé du numéro de diapositive 5">
+            <a:extLst>
+              <a:ext uri="{FF2B5EF4-FFF2-40B4-BE49-F238E27FC236}">
+                <a16:creationId xmlns:a16="http://schemas.microsoft.com/office/drawing/2014/main" id="{C7498F78-2DE0-40FD-8A89-34E199188684}"/>
               </a:ext>
             </a:extLst>
           </p:cNvPr>
@@ -10543,24 +11325,40 @@
             <p:ph type="sldNum" sz="quarter" idx="12"/>
           </p:nvPr>
         </p:nvSpPr>
-        <p:spPr/>
+        <p:spPr>
+          <a:xfrm>
+            <a:off x="9828211" y="6400800"/>
+            <a:ext cx="838201" cy="276228"/>
+          </a:xfrm>
+        </p:spPr>
         <p:txBody>
-          <a:bodyPr/>
+          <a:bodyPr anchor="ctr">
+            <a:normAutofit/>
+          </a:bodyPr>
           <a:lstStyle/>
           <a:p>
-            <a:pPr rtl="0"/>
+            <a:pPr rtl="0">
+              <a:spcAft>
+                <a:spcPts val="600"/>
+              </a:spcAft>
+            </a:pPr>
             <a:fld id="{2A013F82-EE5E-44EE-A61D-E31C6657F26F}" type="slidenum">
               <a:rPr lang="fr-FR" noProof="0" smtClean="0"/>
+              <a:pPr rtl="0">
+                <a:spcAft>
+                  <a:spcPts val="600"/>
+                </a:spcAft>
+              </a:pPr>
               <a:t>5</a:t>
             </a:fld>
-            <a:endParaRPr lang="fr-FR" noProof="0" dirty="0"/>
+            <a:endParaRPr lang="fr-FR" noProof="0"/>
           </a:p>
         </p:txBody>
       </p:sp>
     </p:spTree>
     <p:extLst>
       <p:ext uri="{BB962C8B-B14F-4D97-AF65-F5344CB8AC3E}">
-        <p14:creationId xmlns:p14="http://schemas.microsoft.com/office/powerpoint/2010/main" val="1735722345"/>
+        <p14:creationId xmlns:p14="http://schemas.microsoft.com/office/powerpoint/2010/main" val="3199326885"/>
       </p:ext>
     </p:extLst>
   </p:cSld>
@@ -10601,7 +11399,7 @@
       </p:grpSpPr>
       <p:sp>
         <p:nvSpPr>
-          <p:cNvPr id="13" name="Titre 12"/>
+          <p:cNvPr id="2" name="Titre 1"/>
           <p:cNvSpPr>
             <a:spLocks noGrp="1"/>
           </p:cNvSpPr>
@@ -10609,7 +11407,12 @@
             <p:ph type="title"/>
           </p:nvPr>
         </p:nvSpPr>
-        <p:spPr/>
+        <p:spPr>
+          <a:xfrm>
+            <a:off x="1943190" y="381000"/>
+            <a:ext cx="9144001" cy="1371600"/>
+          </a:xfrm>
+        </p:spPr>
         <p:txBody>
           <a:bodyPr rtlCol="0"/>
           <a:lstStyle/>
@@ -10617,42 +11420,55 @@
             <a:pPr rtl="0"/>
             <a:r>
               <a:rPr lang="fr-FR" dirty="0"/>
-              <a:t>Disposition de titre et de contenu avec graphique</a:t>
-            </a:r>
+              <a:t>II. Simplification du </a:t>
+            </a:r>
+            <a:r>
+              <a:rPr lang="fr-FR" dirty="0" err="1"/>
+              <a:t>DataSet</a:t>
+            </a:r>
+            <a:endParaRPr lang="fr-FR" dirty="0"/>
           </a:p>
         </p:txBody>
       </p:sp>
-      <p:graphicFrame>
-        <p:nvGraphicFramePr>
-          <p:cNvPr id="6" name="Espace réservé du contenu 5" descr="Histogramme groupé - graphique linéaire combiné" title="Graphique"/>
-          <p:cNvGraphicFramePr>
-            <a:graphicFrameLocks noGrp="1"/>
-          </p:cNvGraphicFramePr>
-          <p:nvPr>
-            <p:ph idx="1"/>
-            <p:extLst>
-              <p:ext uri="{D42A27DB-BD31-4B8C-83A1-F6EECF244321}">
-                <p14:modId xmlns:p14="http://schemas.microsoft.com/office/powerpoint/2010/main" val="731307893"/>
-              </p:ext>
-            </p:extLst>
-          </p:nvPr>
-        </p:nvGraphicFramePr>
-        <p:xfrm>
-          <a:off x="1522413" y="1905000"/>
-          <a:ext cx="9134475" cy="4114800"/>
-        </p:xfrm>
-        <a:graphic>
-          <a:graphicData uri="http://schemas.openxmlformats.org/drawingml/2006/chart">
-            <c:chart xmlns:c="http://schemas.openxmlformats.org/drawingml/2006/chart" xmlns:r="http://schemas.openxmlformats.org/officeDocument/2006/relationships" r:id="rId2"/>
-          </a:graphicData>
-        </a:graphic>
-      </p:graphicFrame>
       <p:sp>
         <p:nvSpPr>
-          <p:cNvPr id="3" name="Espace réservé du numéro de diapositive 2">
+          <p:cNvPr id="3" name="Espace réservé du texte 2"/>
+          <p:cNvSpPr>
+            <a:spLocks noGrp="1"/>
+          </p:cNvSpPr>
+          <p:nvPr>
+            <p:ph type="body" idx="1"/>
+          </p:nvPr>
+        </p:nvSpPr>
+        <p:spPr>
+          <a:xfrm>
+            <a:off x="1943190" y="1905000"/>
+            <a:ext cx="8302441" cy="762000"/>
+          </a:xfrm>
+        </p:spPr>
+        <p:txBody>
+          <a:bodyPr rtlCol="0"/>
+          <a:lstStyle/>
+          <a:p>
+            <a:pPr rtl="0"/>
+            <a:r>
+              <a:rPr lang="fr-FR" dirty="0"/>
+              <a:t>Conversion des données de string à </a:t>
+            </a:r>
+            <a:r>
+              <a:rPr lang="fr-FR" dirty="0" err="1"/>
+              <a:t>float</a:t>
+            </a:r>
+            <a:endParaRPr lang="fr-FR" dirty="0"/>
+          </a:p>
+        </p:txBody>
+      </p:sp>
+      <p:sp>
+        <p:nvSpPr>
+          <p:cNvPr id="8" name="Espace réservé du numéro de diapositive 7">
             <a:extLst>
               <a:ext uri="{FF2B5EF4-FFF2-40B4-BE49-F238E27FC236}">
-                <a16:creationId xmlns:a16="http://schemas.microsoft.com/office/drawing/2014/main" id="{C202B65F-65E2-4A81-83C5-32938114DD40}"/>
+                <a16:creationId xmlns:a16="http://schemas.microsoft.com/office/drawing/2014/main" id="{746DA3C9-9392-415F-9F9C-5E216A6721F0}"/>
               </a:ext>
             </a:extLst>
           </p:cNvPr>
@@ -10668,19 +11484,270 @@
           <a:bodyPr/>
           <a:lstStyle/>
           <a:p>
-            <a:pPr rtl="0"/>
             <a:fld id="{2A013F82-EE5E-44EE-A61D-E31C6657F26F}" type="slidenum">
               <a:rPr lang="fr-FR" noProof="0" smtClean="0"/>
+              <a:pPr/>
               <a:t>6</a:t>
             </a:fld>
             <a:endParaRPr lang="fr-FR" noProof="0" dirty="0"/>
+          </a:p>
+        </p:txBody>
+      </p:sp>
+      <p:pic>
+        <p:nvPicPr>
+          <p:cNvPr id="14" name="Espace réservé du contenu 13">
+            <a:extLst>
+              <a:ext uri="{FF2B5EF4-FFF2-40B4-BE49-F238E27FC236}">
+                <a16:creationId xmlns:a16="http://schemas.microsoft.com/office/drawing/2014/main" id="{49A089FA-0060-4E21-A5AB-13AE535D5E9C}"/>
+              </a:ext>
+            </a:extLst>
+          </p:cNvPr>
+          <p:cNvPicPr>
+            <a:picLocks noGrp="1" noChangeAspect="1"/>
+          </p:cNvPicPr>
+          <p:nvPr>
+            <p:ph sz="half" idx="2"/>
+          </p:nvPr>
+        </p:nvPicPr>
+        <p:blipFill>
+          <a:blip r:embed="rId2"/>
+          <a:stretch>
+            <a:fillRect/>
+          </a:stretch>
+        </p:blipFill>
+        <p:spPr>
+          <a:xfrm>
+            <a:off x="1943191" y="2914908"/>
+            <a:ext cx="8302441" cy="1409183"/>
+          </a:xfrm>
+          <a:prstGeom prst="rect">
+            <a:avLst/>
+          </a:prstGeom>
+        </p:spPr>
+      </p:pic>
+      <p:sp>
+        <p:nvSpPr>
+          <p:cNvPr id="15" name="Espace réservé du texte 2">
+            <a:extLst>
+              <a:ext uri="{FF2B5EF4-FFF2-40B4-BE49-F238E27FC236}">
+                <a16:creationId xmlns:a16="http://schemas.microsoft.com/office/drawing/2014/main" id="{AF489A59-1170-485D-BAFF-8FEFBF769BC4}"/>
+              </a:ext>
+            </a:extLst>
+          </p:cNvPr>
+          <p:cNvSpPr txBox="1">
+            <a:spLocks/>
+          </p:cNvSpPr>
+          <p:nvPr/>
+        </p:nvSpPr>
+        <p:spPr>
+          <a:xfrm>
+            <a:off x="1822555" y="4596780"/>
+            <a:ext cx="8543710" cy="1017241"/>
+          </a:xfrm>
+          <a:prstGeom prst="rect">
+            <a:avLst/>
+          </a:prstGeom>
+        </p:spPr>
+        <p:txBody>
+          <a:bodyPr vert="horz" lIns="91440" tIns="45720" rIns="91440" bIns="45720" rtlCol="0" anchor="ctr">
+            <a:noAutofit/>
+          </a:bodyPr>
+          <a:lstStyle>
+            <a:lvl1pPr marL="0" indent="0" algn="l" defTabSz="914400" rtl="0" eaLnBrk="1" latinLnBrk="0" hangingPunct="1">
+              <a:lnSpc>
+                <a:spcPct val="90000"/>
+              </a:lnSpc>
+              <a:spcBef>
+                <a:spcPts val="0"/>
+              </a:spcBef>
+              <a:buClr>
+                <a:schemeClr val="accent1"/>
+              </a:buClr>
+              <a:buSzPct val="100000"/>
+              <a:buFont typeface="Arial" pitchFamily="34" charset="0"/>
+              <a:buNone/>
+              <a:defRPr sz="2000" b="0" kern="1200" cap="all" spc="200" baseline="0">
+                <a:solidFill>
+                  <a:schemeClr val="accent1"/>
+                </a:solidFill>
+                <a:latin typeface="+mn-lt"/>
+                <a:ea typeface="+mn-ea"/>
+                <a:cs typeface="+mn-cs"/>
+              </a:defRPr>
+            </a:lvl1pPr>
+            <a:lvl2pPr marL="457200" indent="0" algn="l" defTabSz="914400" rtl="0" eaLnBrk="1" latinLnBrk="0" hangingPunct="1">
+              <a:lnSpc>
+                <a:spcPct val="90000"/>
+              </a:lnSpc>
+              <a:spcBef>
+                <a:spcPts val="1200"/>
+              </a:spcBef>
+              <a:buClr>
+                <a:schemeClr val="accent1"/>
+              </a:buClr>
+              <a:buSzPct val="100000"/>
+              <a:buFont typeface="Arial" pitchFamily="34" charset="0"/>
+              <a:buNone/>
+              <a:defRPr sz="2000" b="1" kern="1200">
+                <a:solidFill>
+                  <a:schemeClr val="tx1"/>
+                </a:solidFill>
+                <a:latin typeface="+mn-lt"/>
+                <a:ea typeface="+mn-ea"/>
+                <a:cs typeface="+mn-cs"/>
+              </a:defRPr>
+            </a:lvl2pPr>
+            <a:lvl3pPr marL="914400" indent="0" algn="l" defTabSz="914400" rtl="0" eaLnBrk="1" latinLnBrk="0" hangingPunct="1">
+              <a:lnSpc>
+                <a:spcPct val="90000"/>
+              </a:lnSpc>
+              <a:spcBef>
+                <a:spcPts val="600"/>
+              </a:spcBef>
+              <a:buClr>
+                <a:schemeClr val="accent1"/>
+              </a:buClr>
+              <a:buSzPct val="100000"/>
+              <a:buFont typeface="Arial" pitchFamily="34" charset="0"/>
+              <a:buNone/>
+              <a:defRPr sz="1800" b="1" kern="1200">
+                <a:solidFill>
+                  <a:schemeClr val="tx1"/>
+                </a:solidFill>
+                <a:latin typeface="+mn-lt"/>
+                <a:ea typeface="+mn-ea"/>
+                <a:cs typeface="+mn-cs"/>
+              </a:defRPr>
+            </a:lvl3pPr>
+            <a:lvl4pPr marL="1371600" indent="0" algn="l" defTabSz="914400" rtl="0" eaLnBrk="1" latinLnBrk="0" hangingPunct="1">
+              <a:lnSpc>
+                <a:spcPct val="90000"/>
+              </a:lnSpc>
+              <a:spcBef>
+                <a:spcPts val="600"/>
+              </a:spcBef>
+              <a:buClr>
+                <a:schemeClr val="accent1"/>
+              </a:buClr>
+              <a:buSzPct val="100000"/>
+              <a:buFont typeface="Arial" pitchFamily="34" charset="0"/>
+              <a:buNone/>
+              <a:defRPr sz="1600" b="1" kern="1200">
+                <a:solidFill>
+                  <a:schemeClr val="tx1"/>
+                </a:solidFill>
+                <a:latin typeface="+mn-lt"/>
+                <a:ea typeface="+mn-ea"/>
+                <a:cs typeface="+mn-cs"/>
+              </a:defRPr>
+            </a:lvl4pPr>
+            <a:lvl5pPr marL="1828800" indent="0" algn="l" defTabSz="914400" rtl="0" eaLnBrk="1" latinLnBrk="0" hangingPunct="1">
+              <a:lnSpc>
+                <a:spcPct val="90000"/>
+              </a:lnSpc>
+              <a:spcBef>
+                <a:spcPts val="600"/>
+              </a:spcBef>
+              <a:buClr>
+                <a:schemeClr val="accent1"/>
+              </a:buClr>
+              <a:buSzPct val="100000"/>
+              <a:buFont typeface="Arial" pitchFamily="34" charset="0"/>
+              <a:buNone/>
+              <a:defRPr sz="1600" b="1" kern="1200">
+                <a:solidFill>
+                  <a:schemeClr val="tx1"/>
+                </a:solidFill>
+                <a:latin typeface="+mn-lt"/>
+                <a:ea typeface="+mn-ea"/>
+                <a:cs typeface="+mn-cs"/>
+              </a:defRPr>
+            </a:lvl5pPr>
+            <a:lvl6pPr marL="2286000" indent="0" algn="l" defTabSz="914400" rtl="0" eaLnBrk="1" latinLnBrk="0" hangingPunct="1">
+              <a:spcBef>
+                <a:spcPts val="600"/>
+              </a:spcBef>
+              <a:buClr>
+                <a:schemeClr val="accent1"/>
+              </a:buClr>
+              <a:buFont typeface="Arial" pitchFamily="34" charset="0"/>
+              <a:buNone/>
+              <a:defRPr sz="1600" b="1" kern="1200">
+                <a:solidFill>
+                  <a:schemeClr val="tx1"/>
+                </a:solidFill>
+                <a:latin typeface="+mn-lt"/>
+                <a:ea typeface="+mn-ea"/>
+                <a:cs typeface="+mn-cs"/>
+              </a:defRPr>
+            </a:lvl6pPr>
+            <a:lvl7pPr marL="2743200" indent="0" algn="l" defTabSz="914400" rtl="0" eaLnBrk="1" latinLnBrk="0" hangingPunct="1">
+              <a:spcBef>
+                <a:spcPts val="600"/>
+              </a:spcBef>
+              <a:buClr>
+                <a:schemeClr val="accent1"/>
+              </a:buClr>
+              <a:buFont typeface="Arial" pitchFamily="34" charset="0"/>
+              <a:buNone/>
+              <a:defRPr sz="1600" b="1" kern="1200">
+                <a:solidFill>
+                  <a:schemeClr val="tx1"/>
+                </a:solidFill>
+                <a:latin typeface="+mn-lt"/>
+                <a:ea typeface="+mn-ea"/>
+                <a:cs typeface="+mn-cs"/>
+              </a:defRPr>
+            </a:lvl7pPr>
+            <a:lvl8pPr marL="3200400" indent="0" algn="l" defTabSz="914400" rtl="0" eaLnBrk="1" latinLnBrk="0" hangingPunct="1">
+              <a:spcBef>
+                <a:spcPts val="600"/>
+              </a:spcBef>
+              <a:buClr>
+                <a:schemeClr val="accent1"/>
+              </a:buClr>
+              <a:buFont typeface="Arial" pitchFamily="34" charset="0"/>
+              <a:buNone/>
+              <a:defRPr sz="1600" b="1" kern="1200">
+                <a:solidFill>
+                  <a:schemeClr val="tx1"/>
+                </a:solidFill>
+                <a:latin typeface="+mn-lt"/>
+                <a:ea typeface="+mn-ea"/>
+                <a:cs typeface="+mn-cs"/>
+              </a:defRPr>
+            </a:lvl8pPr>
+            <a:lvl9pPr marL="3657600" indent="0" algn="l" defTabSz="914400" rtl="0" eaLnBrk="1" latinLnBrk="0" hangingPunct="1">
+              <a:spcBef>
+                <a:spcPts val="600"/>
+              </a:spcBef>
+              <a:buClr>
+                <a:schemeClr val="accent1"/>
+              </a:buClr>
+              <a:buFont typeface="Arial" pitchFamily="34" charset="0"/>
+              <a:buNone/>
+              <a:defRPr sz="1600" b="1" kern="1200">
+                <a:solidFill>
+                  <a:schemeClr val="tx1"/>
+                </a:solidFill>
+                <a:latin typeface="+mn-lt"/>
+                <a:ea typeface="+mn-ea"/>
+                <a:cs typeface="+mn-cs"/>
+              </a:defRPr>
+            </a:lvl9pPr>
+          </a:lstStyle>
+          <a:p>
+            <a:r>
+              <a:rPr lang="fr-FR" dirty="0"/>
+              <a:t>Aucun retrait de colonne n’a été effectué, car seul le poids est prépondérant devant les autres colonnes</a:t>
+            </a:r>
           </a:p>
         </p:txBody>
       </p:sp>
     </p:spTree>
     <p:extLst>
       <p:ext uri="{BB962C8B-B14F-4D97-AF65-F5344CB8AC3E}">
-        <p14:creationId xmlns:p14="http://schemas.microsoft.com/office/powerpoint/2010/main" val="3106206852"/>
+        <p14:creationId xmlns:p14="http://schemas.microsoft.com/office/powerpoint/2010/main" val="874934549"/>
       </p:ext>
     </p:extLst>
   </p:cSld>
@@ -10729,7 +11796,12 @@
             <p:ph type="title"/>
           </p:nvPr>
         </p:nvSpPr>
-        <p:spPr/>
+        <p:spPr>
+          <a:xfrm>
+            <a:off x="1943190" y="381000"/>
+            <a:ext cx="9144001" cy="1371600"/>
+          </a:xfrm>
+        </p:spPr>
         <p:txBody>
           <a:bodyPr rtlCol="0"/>
           <a:lstStyle/>
@@ -10737,299 +11809,17 @@
             <a:pPr rtl="0"/>
             <a:r>
               <a:rPr lang="fr-FR" dirty="0"/>
-              <a:t>Disposition de deux contenus avec tableau</a:t>
+              <a:t>III. Création des modèles</a:t>
             </a:r>
           </a:p>
         </p:txBody>
       </p:sp>
       <p:sp>
         <p:nvSpPr>
-          <p:cNvPr id="3" name="Espace réservé du contenu 2"/>
-          <p:cNvSpPr>
-            <a:spLocks noGrp="1"/>
-          </p:cNvSpPr>
-          <p:nvPr>
-            <p:ph sz="half" idx="1"/>
-          </p:nvPr>
-        </p:nvSpPr>
-        <p:spPr/>
-        <p:txBody>
-          <a:bodyPr rtlCol="0"/>
-          <a:lstStyle/>
-          <a:p>
-            <a:pPr rtl="0"/>
-            <a:r>
-              <a:rPr lang="fr-FR" dirty="0"/>
-              <a:t>Premier point ici</a:t>
-            </a:r>
-          </a:p>
-          <a:p>
-            <a:pPr rtl="0"/>
-            <a:r>
-              <a:rPr lang="fr-FR" dirty="0"/>
-              <a:t>Deuxième point ici</a:t>
-            </a:r>
-          </a:p>
-          <a:p>
-            <a:pPr rtl="0"/>
-            <a:r>
-              <a:rPr lang="fr-FR" dirty="0"/>
-              <a:t>Troisième point ici</a:t>
-            </a:r>
-          </a:p>
-        </p:txBody>
-      </p:sp>
-      <p:graphicFrame>
-        <p:nvGraphicFramePr>
-          <p:cNvPr id="9" name="Espace réservé du contenu 8" descr="Exemple de tableau avec 3 colonnes et 4 lignes" title="Tableau"/>
-          <p:cNvGraphicFramePr>
-            <a:graphicFrameLocks noGrp="1"/>
-          </p:cNvGraphicFramePr>
-          <p:nvPr>
-            <p:ph sz="half" idx="2"/>
-            <p:extLst>
-              <p:ext uri="{D42A27DB-BD31-4B8C-83A1-F6EECF244321}">
-                <p14:modId xmlns:p14="http://schemas.microsoft.com/office/powerpoint/2010/main" val="2226199521"/>
-              </p:ext>
-            </p:extLst>
-          </p:nvPr>
-        </p:nvGraphicFramePr>
-        <p:xfrm>
-          <a:off x="6229350" y="1905000"/>
-          <a:ext cx="4419600" cy="2057400"/>
-        </p:xfrm>
-        <a:graphic>
-          <a:graphicData uri="http://schemas.openxmlformats.org/drawingml/2006/table">
-            <a:tbl>
-              <a:tblPr firstRow="1" bandRow="1">
-                <a:tableStyleId>{5C22544A-7EE6-4342-B048-85BDC9FD1C3A}</a:tableStyleId>
-              </a:tblPr>
-              <a:tblGrid>
-                <a:gridCol w="1473200">
-                  <a:extLst>
-                    <a:ext uri="{9D8B030D-6E8A-4147-A177-3AD203B41FA5}">
-                      <a16:colId xmlns:a16="http://schemas.microsoft.com/office/drawing/2014/main" val="20000"/>
-                    </a:ext>
-                  </a:extLst>
-                </a:gridCol>
-                <a:gridCol w="1473200">
-                  <a:extLst>
-                    <a:ext uri="{9D8B030D-6E8A-4147-A177-3AD203B41FA5}">
-                      <a16:colId xmlns:a16="http://schemas.microsoft.com/office/drawing/2014/main" val="20001"/>
-                    </a:ext>
-                  </a:extLst>
-                </a:gridCol>
-                <a:gridCol w="1473200">
-                  <a:extLst>
-                    <a:ext uri="{9D8B030D-6E8A-4147-A177-3AD203B41FA5}">
-                      <a16:colId xmlns:a16="http://schemas.microsoft.com/office/drawing/2014/main" val="20002"/>
-                    </a:ext>
-                  </a:extLst>
-                </a:gridCol>
-              </a:tblGrid>
-              <a:tr h="514350">
-                <a:tc>
-                  <a:txBody>
-                    <a:bodyPr/>
-                    <a:lstStyle/>
-                    <a:p>
-                      <a:pPr rtl="0"/>
-                      <a:endParaRPr lang="fr-FR" noProof="0" dirty="0"/>
-                    </a:p>
-                  </a:txBody>
-                  <a:tcPr anchor="ctr"/>
-                </a:tc>
-                <a:tc>
-                  <a:txBody>
-                    <a:bodyPr/>
-                    <a:lstStyle/>
-                    <a:p>
-                      <a:pPr algn="ctr" rtl="0"/>
-                      <a:r>
-                        <a:rPr lang="fr-FR" noProof="0" dirty="0"/>
-                        <a:t>Groupe 1</a:t>
-                      </a:r>
-                    </a:p>
-                  </a:txBody>
-                  <a:tcPr anchor="ctr"/>
-                </a:tc>
-                <a:tc>
-                  <a:txBody>
-                    <a:bodyPr/>
-                    <a:lstStyle/>
-                    <a:p>
-                      <a:pPr algn="ctr" rtl="0"/>
-                      <a:r>
-                        <a:rPr lang="fr-FR" noProof="0" dirty="0"/>
-                        <a:t>Groupe 2</a:t>
-                      </a:r>
-                    </a:p>
-                  </a:txBody>
-                  <a:tcPr anchor="ctr"/>
-                </a:tc>
-                <a:extLst>
-                  <a:ext uri="{0D108BD9-81ED-4DB2-BD59-A6C34878D82A}">
-                    <a16:rowId xmlns:a16="http://schemas.microsoft.com/office/drawing/2014/main" val="10000"/>
-                  </a:ext>
-                </a:extLst>
-              </a:tr>
-              <a:tr h="514350">
-                <a:tc>
-                  <a:txBody>
-                    <a:bodyPr/>
-                    <a:lstStyle/>
-                    <a:p>
-                      <a:pPr rtl="0"/>
-                      <a:r>
-                        <a:rPr lang="fr-FR" noProof="0" dirty="0"/>
-                        <a:t>Cours 1</a:t>
-                      </a:r>
-                    </a:p>
-                  </a:txBody>
-                  <a:tcPr anchor="ctr"/>
-                </a:tc>
-                <a:tc>
-                  <a:txBody>
-                    <a:bodyPr/>
-                    <a:lstStyle/>
-                    <a:p>
-                      <a:pPr algn="ctr" rtl="0"/>
-                      <a:r>
-                        <a:rPr lang="fr-FR" noProof="0" dirty="0"/>
-                        <a:t>82</a:t>
-                      </a:r>
-                    </a:p>
-                  </a:txBody>
-                  <a:tcPr anchor="ctr"/>
-                </a:tc>
-                <a:tc>
-                  <a:txBody>
-                    <a:bodyPr/>
-                    <a:lstStyle/>
-                    <a:p>
-                      <a:pPr algn="ctr" rtl="0"/>
-                      <a:r>
-                        <a:rPr lang="fr-FR" noProof="0" dirty="0"/>
-                        <a:t>95</a:t>
-                      </a:r>
-                    </a:p>
-                  </a:txBody>
-                  <a:tcPr anchor="ctr"/>
-                </a:tc>
-                <a:extLst>
-                  <a:ext uri="{0D108BD9-81ED-4DB2-BD59-A6C34878D82A}">
-                    <a16:rowId xmlns:a16="http://schemas.microsoft.com/office/drawing/2014/main" val="10001"/>
-                  </a:ext>
-                </a:extLst>
-              </a:tr>
-              <a:tr h="514350">
-                <a:tc>
-                  <a:txBody>
-                    <a:bodyPr/>
-                    <a:lstStyle/>
-                    <a:p>
-                      <a:pPr rtl="0"/>
-                      <a:r>
-                        <a:rPr lang="fr-FR" noProof="0" dirty="0"/>
-                        <a:t>Cours 2</a:t>
-                      </a:r>
-                    </a:p>
-                  </a:txBody>
-                  <a:tcPr anchor="ctr"/>
-                </a:tc>
-                <a:tc>
-                  <a:txBody>
-                    <a:bodyPr/>
-                    <a:lstStyle/>
-                    <a:p>
-                      <a:pPr algn="ctr" rtl="0"/>
-                      <a:r>
-                        <a:rPr lang="fr-FR" noProof="0" dirty="0"/>
-                        <a:t>76</a:t>
-                      </a:r>
-                    </a:p>
-                  </a:txBody>
-                  <a:tcPr anchor="ctr"/>
-                </a:tc>
-                <a:tc>
-                  <a:txBody>
-                    <a:bodyPr/>
-                    <a:lstStyle/>
-                    <a:p>
-                      <a:pPr algn="ctr" rtl="0"/>
-                      <a:r>
-                        <a:rPr lang="fr-FR" noProof="0" dirty="0"/>
-                        <a:t>88</a:t>
-                      </a:r>
-                    </a:p>
-                  </a:txBody>
-                  <a:tcPr anchor="ctr"/>
-                </a:tc>
-                <a:extLst>
-                  <a:ext uri="{0D108BD9-81ED-4DB2-BD59-A6C34878D82A}">
-                    <a16:rowId xmlns:a16="http://schemas.microsoft.com/office/drawing/2014/main" val="10002"/>
-                  </a:ext>
-                </a:extLst>
-              </a:tr>
-              <a:tr h="514350">
-                <a:tc>
-                  <a:txBody>
-                    <a:bodyPr/>
-                    <a:lstStyle/>
-                    <a:p>
-                      <a:pPr rtl="0"/>
-                      <a:r>
-                        <a:rPr lang="fr-FR" noProof="0" dirty="0"/>
-                        <a:t>Cours 3</a:t>
-                      </a:r>
-                    </a:p>
-                  </a:txBody>
-                  <a:tcPr anchor="ctr"/>
-                </a:tc>
-                <a:tc>
-                  <a:txBody>
-                    <a:bodyPr/>
-                    <a:lstStyle/>
-                    <a:p>
-                      <a:pPr algn="ctr" rtl="0"/>
-                      <a:r>
-                        <a:rPr lang="fr-FR" noProof="0" dirty="0"/>
-                        <a:t>84</a:t>
-                      </a:r>
-                    </a:p>
-                  </a:txBody>
-                  <a:tcPr anchor="ctr"/>
-                </a:tc>
-                <a:tc>
-                  <a:txBody>
-                    <a:bodyPr/>
-                    <a:lstStyle/>
-                    <a:p>
-                      <a:pPr algn="ctr" rtl="0"/>
-                      <a:r>
-                        <a:rPr lang="fr-FR" noProof="0" dirty="0"/>
-                        <a:t>90</a:t>
-                      </a:r>
-                    </a:p>
-                  </a:txBody>
-                  <a:tcPr anchor="ctr"/>
-                </a:tc>
-                <a:extLst>
-                  <a:ext uri="{0D108BD9-81ED-4DB2-BD59-A6C34878D82A}">
-                    <a16:rowId xmlns:a16="http://schemas.microsoft.com/office/drawing/2014/main" val="10003"/>
-                  </a:ext>
-                </a:extLst>
-              </a:tr>
-            </a:tbl>
-          </a:graphicData>
-        </a:graphic>
-      </p:graphicFrame>
-      <p:sp>
-        <p:nvSpPr>
-          <p:cNvPr id="5" name="Espace réservé du numéro de diapositive 4">
+          <p:cNvPr id="8" name="Espace réservé du numéro de diapositive 7">
             <a:extLst>
               <a:ext uri="{FF2B5EF4-FFF2-40B4-BE49-F238E27FC236}">
-                <a16:creationId xmlns:a16="http://schemas.microsoft.com/office/drawing/2014/main" id="{FE604EC8-87FB-46D5-8BDD-62A65B3361A7}"/>
+                <a16:creationId xmlns:a16="http://schemas.microsoft.com/office/drawing/2014/main" id="{746DA3C9-9392-415F-9F9C-5E216A6721F0}"/>
               </a:ext>
             </a:extLst>
           </p:cNvPr>
@@ -11054,10 +11844,119 @@
           </a:p>
         </p:txBody>
       </p:sp>
+      <p:sp>
+        <p:nvSpPr>
+          <p:cNvPr id="7" name="Espace réservé du texte 6">
+            <a:extLst>
+              <a:ext uri="{FF2B5EF4-FFF2-40B4-BE49-F238E27FC236}">
+                <a16:creationId xmlns:a16="http://schemas.microsoft.com/office/drawing/2014/main" id="{16295C99-1B47-492C-AF0E-42FBCAEBF168}"/>
+              </a:ext>
+            </a:extLst>
+          </p:cNvPr>
+          <p:cNvSpPr>
+            <a:spLocks noGrp="1"/>
+          </p:cNvSpPr>
+          <p:nvPr>
+            <p:ph type="body" idx="1"/>
+          </p:nvPr>
+        </p:nvSpPr>
+        <p:spPr>
+          <a:xfrm>
+            <a:off x="1943190" y="1916832"/>
+            <a:ext cx="7020273" cy="762000"/>
+          </a:xfrm>
+        </p:spPr>
+        <p:txBody>
+          <a:bodyPr/>
+          <a:lstStyle/>
+          <a:p>
+            <a:r>
+              <a:rPr lang="en-US" dirty="0"/>
+              <a:t>Premier </a:t>
+            </a:r>
+            <a:r>
+              <a:rPr lang="en-US" dirty="0" err="1"/>
+              <a:t>essai</a:t>
+            </a:r>
+            <a:r>
+              <a:rPr lang="en-US" dirty="0"/>
+              <a:t> avec </a:t>
+            </a:r>
+            <a:r>
+              <a:rPr lang="en-US" dirty="0" err="1"/>
+              <a:t>une</a:t>
+            </a:r>
+            <a:r>
+              <a:rPr lang="en-US" dirty="0"/>
+              <a:t> Random forest</a:t>
+            </a:r>
+          </a:p>
+        </p:txBody>
+      </p:sp>
+      <p:pic>
+        <p:nvPicPr>
+          <p:cNvPr id="9" name="Image 8">
+            <a:extLst>
+              <a:ext uri="{FF2B5EF4-FFF2-40B4-BE49-F238E27FC236}">
+                <a16:creationId xmlns:a16="http://schemas.microsoft.com/office/drawing/2014/main" id="{B7E4A561-91C3-4FE3-9B55-9C2D70EA5586}"/>
+              </a:ext>
+            </a:extLst>
+          </p:cNvPr>
+          <p:cNvPicPr>
+            <a:picLocks noChangeAspect="1"/>
+          </p:cNvPicPr>
+          <p:nvPr/>
+        </p:nvPicPr>
+        <p:blipFill>
+          <a:blip r:embed="rId2"/>
+          <a:stretch>
+            <a:fillRect/>
+          </a:stretch>
+        </p:blipFill>
+        <p:spPr>
+          <a:xfrm>
+            <a:off x="2798301" y="3431770"/>
+            <a:ext cx="4725059" cy="1352739"/>
+          </a:xfrm>
+          <a:prstGeom prst="rect">
+            <a:avLst/>
+          </a:prstGeom>
+        </p:spPr>
+      </p:pic>
+      <p:pic>
+        <p:nvPicPr>
+          <p:cNvPr id="10" name="Image 9">
+            <a:extLst>
+              <a:ext uri="{FF2B5EF4-FFF2-40B4-BE49-F238E27FC236}">
+                <a16:creationId xmlns:a16="http://schemas.microsoft.com/office/drawing/2014/main" id="{E4235A58-5044-463A-B3D9-97D43305A68B}"/>
+              </a:ext>
+            </a:extLst>
+          </p:cNvPr>
+          <p:cNvPicPr>
+            <a:picLocks noChangeAspect="1"/>
+          </p:cNvPicPr>
+          <p:nvPr/>
+        </p:nvPicPr>
+        <p:blipFill>
+          <a:blip r:embed="rId3"/>
+          <a:stretch>
+            <a:fillRect/>
+          </a:stretch>
+        </p:blipFill>
+        <p:spPr>
+          <a:xfrm>
+            <a:off x="2798301" y="5110064"/>
+            <a:ext cx="6592220" cy="523948"/>
+          </a:xfrm>
+          <a:prstGeom prst="rect">
+            <a:avLst/>
+          </a:prstGeom>
+        </p:spPr>
+      </p:pic>
     </p:spTree>
     <p:extLst>
       <p:ext uri="{BB962C8B-B14F-4D97-AF65-F5344CB8AC3E}">
-        <p14:creationId xmlns:p14="http://schemas.microsoft.com/office/powerpoint/2010/main" val="4206988261"/>
+        <p14:creationId xmlns:p14="http://schemas.microsoft.com/office/powerpoint/2010/main" val="3042841960"/>
       </p:ext>
     </p:extLst>
   </p:cSld>
@@ -11098,7 +11997,7 @@
       </p:grpSpPr>
       <p:sp>
         <p:nvSpPr>
-          <p:cNvPr id="13" name="Titre 12"/>
+          <p:cNvPr id="2" name="Titre 1"/>
           <p:cNvSpPr>
             <a:spLocks noGrp="1"/>
           </p:cNvSpPr>
@@ -11106,7 +12005,12 @@
             <p:ph type="title"/>
           </p:nvPr>
         </p:nvSpPr>
-        <p:spPr/>
+        <p:spPr>
+          <a:xfrm>
+            <a:off x="1943190" y="381000"/>
+            <a:ext cx="9144001" cy="1371600"/>
+          </a:xfrm>
+        </p:spPr>
         <p:txBody>
           <a:bodyPr rtlCol="0"/>
           <a:lstStyle/>
@@ -11114,47 +12018,17 @@
             <a:pPr rtl="0"/>
             <a:r>
               <a:rPr lang="fr-FR" dirty="0"/>
-              <a:t>Disposition de titre et de contenu avec graphique </a:t>
-            </a:r>
-            <a:r>
-              <a:rPr lang="fr-FR" dirty="0" err="1"/>
-              <a:t>SmartArt</a:t>
-            </a:r>
-            <a:endParaRPr lang="fr-FR" dirty="0"/>
+              <a:t>III. Création des modèles</a:t>
+            </a:r>
           </a:p>
         </p:txBody>
       </p:sp>
-      <p:graphicFrame>
-        <p:nvGraphicFramePr>
-          <p:cNvPr id="3" name="Espace réservé du contenu 2" descr="Flux interactif" title="SmartArt"/>
-          <p:cNvGraphicFramePr>
-            <a:graphicFrameLocks noGrp="1"/>
-          </p:cNvGraphicFramePr>
-          <p:nvPr>
-            <p:ph idx="1"/>
-            <p:extLst>
-              <p:ext uri="{D42A27DB-BD31-4B8C-83A1-F6EECF244321}">
-                <p14:modId xmlns:p14="http://schemas.microsoft.com/office/powerpoint/2010/main" val="1601083976"/>
-              </p:ext>
-            </p:extLst>
-          </p:nvPr>
-        </p:nvGraphicFramePr>
-        <p:xfrm>
-          <a:off x="1522413" y="1905000"/>
-          <a:ext cx="9134475" cy="4114800"/>
-        </p:xfrm>
-        <a:graphic>
-          <a:graphicData uri="http://schemas.openxmlformats.org/drawingml/2006/diagram">
-            <dgm:relIds xmlns:dgm="http://schemas.openxmlformats.org/drawingml/2006/diagram" xmlns:r="http://schemas.openxmlformats.org/officeDocument/2006/relationships" r:dm="rId2" r:lo="rId3" r:qs="rId4" r:cs="rId5"/>
-          </a:graphicData>
-        </a:graphic>
-      </p:graphicFrame>
       <p:sp>
         <p:nvSpPr>
-          <p:cNvPr id="4" name="Espace réservé du numéro de diapositive 3">
+          <p:cNvPr id="8" name="Espace réservé du numéro de diapositive 7">
             <a:extLst>
               <a:ext uri="{FF2B5EF4-FFF2-40B4-BE49-F238E27FC236}">
-                <a16:creationId xmlns:a16="http://schemas.microsoft.com/office/drawing/2014/main" id="{74905745-1246-4E98-8CC9-58DA90320590}"/>
+                <a16:creationId xmlns:a16="http://schemas.microsoft.com/office/drawing/2014/main" id="{746DA3C9-9392-415F-9F9C-5E216A6721F0}"/>
               </a:ext>
             </a:extLst>
           </p:cNvPr>
@@ -11170,19 +12044,580 @@
           <a:bodyPr/>
           <a:lstStyle/>
           <a:p>
-            <a:pPr rtl="0"/>
             <a:fld id="{2A013F82-EE5E-44EE-A61D-E31C6657F26F}" type="slidenum">
               <a:rPr lang="fr-FR" noProof="0" smtClean="0"/>
+              <a:pPr/>
               <a:t>8</a:t>
             </a:fld>
             <a:endParaRPr lang="fr-FR" noProof="0" dirty="0"/>
+          </a:p>
+        </p:txBody>
+      </p:sp>
+      <p:sp>
+        <p:nvSpPr>
+          <p:cNvPr id="7" name="Espace réservé du texte 6">
+            <a:extLst>
+              <a:ext uri="{FF2B5EF4-FFF2-40B4-BE49-F238E27FC236}">
+                <a16:creationId xmlns:a16="http://schemas.microsoft.com/office/drawing/2014/main" id="{16295C99-1B47-492C-AF0E-42FBCAEBF168}"/>
+              </a:ext>
+            </a:extLst>
+          </p:cNvPr>
+          <p:cNvSpPr>
+            <a:spLocks noGrp="1"/>
+          </p:cNvSpPr>
+          <p:nvPr>
+            <p:ph type="body" idx="1"/>
+          </p:nvPr>
+        </p:nvSpPr>
+        <p:spPr>
+          <a:xfrm>
+            <a:off x="1943190" y="1916832"/>
+            <a:ext cx="7020273" cy="762000"/>
+          </a:xfrm>
+        </p:spPr>
+        <p:txBody>
+          <a:bodyPr/>
+          <a:lstStyle/>
+          <a:p>
+            <a:r>
+              <a:rPr lang="en-US" dirty="0"/>
+              <a:t>Decision tree</a:t>
+            </a:r>
+          </a:p>
+        </p:txBody>
+      </p:sp>
+      <p:pic>
+        <p:nvPicPr>
+          <p:cNvPr id="3" name="Image 2">
+            <a:extLst>
+              <a:ext uri="{FF2B5EF4-FFF2-40B4-BE49-F238E27FC236}">
+                <a16:creationId xmlns:a16="http://schemas.microsoft.com/office/drawing/2014/main" id="{C188C07D-B04C-4B9C-944D-1C4113C2A154}"/>
+              </a:ext>
+            </a:extLst>
+          </p:cNvPr>
+          <p:cNvPicPr>
+            <a:picLocks noChangeAspect="1"/>
+          </p:cNvPicPr>
+          <p:nvPr/>
+        </p:nvPicPr>
+        <p:blipFill>
+          <a:blip r:embed="rId2"/>
+          <a:stretch>
+            <a:fillRect/>
+          </a:stretch>
+        </p:blipFill>
+        <p:spPr>
+          <a:xfrm>
+            <a:off x="2061964" y="2678832"/>
+            <a:ext cx="6287377" cy="523948"/>
+          </a:xfrm>
+          <a:prstGeom prst="rect">
+            <a:avLst/>
+          </a:prstGeom>
+        </p:spPr>
+      </p:pic>
+      <p:pic>
+        <p:nvPicPr>
+          <p:cNvPr id="4" name="Image 3">
+            <a:extLst>
+              <a:ext uri="{FF2B5EF4-FFF2-40B4-BE49-F238E27FC236}">
+                <a16:creationId xmlns:a16="http://schemas.microsoft.com/office/drawing/2014/main" id="{86BC78F2-8D83-4949-9C60-736B83A7F068}"/>
+              </a:ext>
+            </a:extLst>
+          </p:cNvPr>
+          <p:cNvPicPr>
+            <a:picLocks noChangeAspect="1"/>
+          </p:cNvPicPr>
+          <p:nvPr/>
+        </p:nvPicPr>
+        <p:blipFill>
+          <a:blip r:embed="rId3"/>
+          <a:stretch>
+            <a:fillRect/>
+          </a:stretch>
+        </p:blipFill>
+        <p:spPr>
+          <a:xfrm>
+            <a:off x="2073223" y="3964780"/>
+            <a:ext cx="5887272" cy="523948"/>
+          </a:xfrm>
+          <a:prstGeom prst="rect">
+            <a:avLst/>
+          </a:prstGeom>
+        </p:spPr>
+      </p:pic>
+      <p:pic>
+        <p:nvPicPr>
+          <p:cNvPr id="5" name="Image 4">
+            <a:extLst>
+              <a:ext uri="{FF2B5EF4-FFF2-40B4-BE49-F238E27FC236}">
+                <a16:creationId xmlns:a16="http://schemas.microsoft.com/office/drawing/2014/main" id="{1457CDF7-4AC8-447E-90EE-6C5A9AFC49D4}"/>
+              </a:ext>
+            </a:extLst>
+          </p:cNvPr>
+          <p:cNvPicPr>
+            <a:picLocks noChangeAspect="1"/>
+          </p:cNvPicPr>
+          <p:nvPr/>
+        </p:nvPicPr>
+        <p:blipFill>
+          <a:blip r:embed="rId4"/>
+          <a:stretch>
+            <a:fillRect/>
+          </a:stretch>
+        </p:blipFill>
+        <p:spPr>
+          <a:xfrm>
+            <a:off x="2073223" y="5250728"/>
+            <a:ext cx="6411220" cy="533474"/>
+          </a:xfrm>
+          <a:prstGeom prst="rect">
+            <a:avLst/>
+          </a:prstGeom>
+        </p:spPr>
+      </p:pic>
+      <p:sp>
+        <p:nvSpPr>
+          <p:cNvPr id="12" name="Espace réservé du texte 6">
+            <a:extLst>
+              <a:ext uri="{FF2B5EF4-FFF2-40B4-BE49-F238E27FC236}">
+                <a16:creationId xmlns:a16="http://schemas.microsoft.com/office/drawing/2014/main" id="{FB5EF661-E52F-46D8-9764-24EDAD85DF4D}"/>
+              </a:ext>
+            </a:extLst>
+          </p:cNvPr>
+          <p:cNvSpPr txBox="1">
+            <a:spLocks/>
+          </p:cNvSpPr>
+          <p:nvPr/>
+        </p:nvSpPr>
+        <p:spPr>
+          <a:xfrm>
+            <a:off x="2062674" y="3202780"/>
+            <a:ext cx="7020273" cy="762000"/>
+          </a:xfrm>
+          <a:prstGeom prst="rect">
+            <a:avLst/>
+          </a:prstGeom>
+        </p:spPr>
+        <p:txBody>
+          <a:bodyPr vert="horz" lIns="91440" tIns="45720" rIns="91440" bIns="45720" rtlCol="0" anchor="ctr">
+            <a:noAutofit/>
+          </a:bodyPr>
+          <a:lstStyle>
+            <a:lvl1pPr marL="0" indent="0" algn="l" defTabSz="914400" rtl="0" eaLnBrk="1" latinLnBrk="0" hangingPunct="1">
+              <a:lnSpc>
+                <a:spcPct val="90000"/>
+              </a:lnSpc>
+              <a:spcBef>
+                <a:spcPts val="0"/>
+              </a:spcBef>
+              <a:buClr>
+                <a:schemeClr val="accent1"/>
+              </a:buClr>
+              <a:buSzPct val="100000"/>
+              <a:buFont typeface="Arial" pitchFamily="34" charset="0"/>
+              <a:buNone/>
+              <a:defRPr sz="2000" b="0" kern="1200" cap="all" spc="200" baseline="0">
+                <a:solidFill>
+                  <a:schemeClr val="accent1"/>
+                </a:solidFill>
+                <a:latin typeface="+mn-lt"/>
+                <a:ea typeface="+mn-ea"/>
+                <a:cs typeface="+mn-cs"/>
+              </a:defRPr>
+            </a:lvl1pPr>
+            <a:lvl2pPr marL="457200" indent="0" algn="l" defTabSz="914400" rtl="0" eaLnBrk="1" latinLnBrk="0" hangingPunct="1">
+              <a:lnSpc>
+                <a:spcPct val="90000"/>
+              </a:lnSpc>
+              <a:spcBef>
+                <a:spcPts val="1200"/>
+              </a:spcBef>
+              <a:buClr>
+                <a:schemeClr val="accent1"/>
+              </a:buClr>
+              <a:buSzPct val="100000"/>
+              <a:buFont typeface="Arial" pitchFamily="34" charset="0"/>
+              <a:buNone/>
+              <a:defRPr sz="2000" b="1" kern="1200">
+                <a:solidFill>
+                  <a:schemeClr val="tx1"/>
+                </a:solidFill>
+                <a:latin typeface="+mn-lt"/>
+                <a:ea typeface="+mn-ea"/>
+                <a:cs typeface="+mn-cs"/>
+              </a:defRPr>
+            </a:lvl2pPr>
+            <a:lvl3pPr marL="914400" indent="0" algn="l" defTabSz="914400" rtl="0" eaLnBrk="1" latinLnBrk="0" hangingPunct="1">
+              <a:lnSpc>
+                <a:spcPct val="90000"/>
+              </a:lnSpc>
+              <a:spcBef>
+                <a:spcPts val="600"/>
+              </a:spcBef>
+              <a:buClr>
+                <a:schemeClr val="accent1"/>
+              </a:buClr>
+              <a:buSzPct val="100000"/>
+              <a:buFont typeface="Arial" pitchFamily="34" charset="0"/>
+              <a:buNone/>
+              <a:defRPr sz="1800" b="1" kern="1200">
+                <a:solidFill>
+                  <a:schemeClr val="tx1"/>
+                </a:solidFill>
+                <a:latin typeface="+mn-lt"/>
+                <a:ea typeface="+mn-ea"/>
+                <a:cs typeface="+mn-cs"/>
+              </a:defRPr>
+            </a:lvl3pPr>
+            <a:lvl4pPr marL="1371600" indent="0" algn="l" defTabSz="914400" rtl="0" eaLnBrk="1" latinLnBrk="0" hangingPunct="1">
+              <a:lnSpc>
+                <a:spcPct val="90000"/>
+              </a:lnSpc>
+              <a:spcBef>
+                <a:spcPts val="600"/>
+              </a:spcBef>
+              <a:buClr>
+                <a:schemeClr val="accent1"/>
+              </a:buClr>
+              <a:buSzPct val="100000"/>
+              <a:buFont typeface="Arial" pitchFamily="34" charset="0"/>
+              <a:buNone/>
+              <a:defRPr sz="1600" b="1" kern="1200">
+                <a:solidFill>
+                  <a:schemeClr val="tx1"/>
+                </a:solidFill>
+                <a:latin typeface="+mn-lt"/>
+                <a:ea typeface="+mn-ea"/>
+                <a:cs typeface="+mn-cs"/>
+              </a:defRPr>
+            </a:lvl4pPr>
+            <a:lvl5pPr marL="1828800" indent="0" algn="l" defTabSz="914400" rtl="0" eaLnBrk="1" latinLnBrk="0" hangingPunct="1">
+              <a:lnSpc>
+                <a:spcPct val="90000"/>
+              </a:lnSpc>
+              <a:spcBef>
+                <a:spcPts val="600"/>
+              </a:spcBef>
+              <a:buClr>
+                <a:schemeClr val="accent1"/>
+              </a:buClr>
+              <a:buSzPct val="100000"/>
+              <a:buFont typeface="Arial" pitchFamily="34" charset="0"/>
+              <a:buNone/>
+              <a:defRPr sz="1600" b="1" kern="1200">
+                <a:solidFill>
+                  <a:schemeClr val="tx1"/>
+                </a:solidFill>
+                <a:latin typeface="+mn-lt"/>
+                <a:ea typeface="+mn-ea"/>
+                <a:cs typeface="+mn-cs"/>
+              </a:defRPr>
+            </a:lvl5pPr>
+            <a:lvl6pPr marL="2286000" indent="0" algn="l" defTabSz="914400" rtl="0" eaLnBrk="1" latinLnBrk="0" hangingPunct="1">
+              <a:spcBef>
+                <a:spcPts val="600"/>
+              </a:spcBef>
+              <a:buClr>
+                <a:schemeClr val="accent1"/>
+              </a:buClr>
+              <a:buFont typeface="Arial" pitchFamily="34" charset="0"/>
+              <a:buNone/>
+              <a:defRPr sz="1600" b="1" kern="1200">
+                <a:solidFill>
+                  <a:schemeClr val="tx1"/>
+                </a:solidFill>
+                <a:latin typeface="+mn-lt"/>
+                <a:ea typeface="+mn-ea"/>
+                <a:cs typeface="+mn-cs"/>
+              </a:defRPr>
+            </a:lvl6pPr>
+            <a:lvl7pPr marL="2743200" indent="0" algn="l" defTabSz="914400" rtl="0" eaLnBrk="1" latinLnBrk="0" hangingPunct="1">
+              <a:spcBef>
+                <a:spcPts val="600"/>
+              </a:spcBef>
+              <a:buClr>
+                <a:schemeClr val="accent1"/>
+              </a:buClr>
+              <a:buFont typeface="Arial" pitchFamily="34" charset="0"/>
+              <a:buNone/>
+              <a:defRPr sz="1600" b="1" kern="1200">
+                <a:solidFill>
+                  <a:schemeClr val="tx1"/>
+                </a:solidFill>
+                <a:latin typeface="+mn-lt"/>
+                <a:ea typeface="+mn-ea"/>
+                <a:cs typeface="+mn-cs"/>
+              </a:defRPr>
+            </a:lvl7pPr>
+            <a:lvl8pPr marL="3200400" indent="0" algn="l" defTabSz="914400" rtl="0" eaLnBrk="1" latinLnBrk="0" hangingPunct="1">
+              <a:spcBef>
+                <a:spcPts val="600"/>
+              </a:spcBef>
+              <a:buClr>
+                <a:schemeClr val="accent1"/>
+              </a:buClr>
+              <a:buFont typeface="Arial" pitchFamily="34" charset="0"/>
+              <a:buNone/>
+              <a:defRPr sz="1600" b="1" kern="1200">
+                <a:solidFill>
+                  <a:schemeClr val="tx1"/>
+                </a:solidFill>
+                <a:latin typeface="+mn-lt"/>
+                <a:ea typeface="+mn-ea"/>
+                <a:cs typeface="+mn-cs"/>
+              </a:defRPr>
+            </a:lvl8pPr>
+            <a:lvl9pPr marL="3657600" indent="0" algn="l" defTabSz="914400" rtl="0" eaLnBrk="1" latinLnBrk="0" hangingPunct="1">
+              <a:spcBef>
+                <a:spcPts val="600"/>
+              </a:spcBef>
+              <a:buClr>
+                <a:schemeClr val="accent1"/>
+              </a:buClr>
+              <a:buFont typeface="Arial" pitchFamily="34" charset="0"/>
+              <a:buNone/>
+              <a:defRPr sz="1600" b="1" kern="1200">
+                <a:solidFill>
+                  <a:schemeClr val="tx1"/>
+                </a:solidFill>
+                <a:latin typeface="+mn-lt"/>
+                <a:ea typeface="+mn-ea"/>
+                <a:cs typeface="+mn-cs"/>
+              </a:defRPr>
+            </a:lvl9pPr>
+          </a:lstStyle>
+          <a:p>
+            <a:r>
+              <a:rPr lang="en-US" dirty="0"/>
+              <a:t>Support vector machine</a:t>
+            </a:r>
+          </a:p>
+        </p:txBody>
+      </p:sp>
+      <p:sp>
+        <p:nvSpPr>
+          <p:cNvPr id="13" name="Espace réservé du texte 6">
+            <a:extLst>
+              <a:ext uri="{FF2B5EF4-FFF2-40B4-BE49-F238E27FC236}">
+                <a16:creationId xmlns:a16="http://schemas.microsoft.com/office/drawing/2014/main" id="{EA4755D5-703A-4575-AA60-646A0F2A2A06}"/>
+              </a:ext>
+            </a:extLst>
+          </p:cNvPr>
+          <p:cNvSpPr txBox="1">
+            <a:spLocks/>
+          </p:cNvSpPr>
+          <p:nvPr/>
+        </p:nvSpPr>
+        <p:spPr>
+          <a:xfrm>
+            <a:off x="2061964" y="4488728"/>
+            <a:ext cx="7020273" cy="762000"/>
+          </a:xfrm>
+          <a:prstGeom prst="rect">
+            <a:avLst/>
+          </a:prstGeom>
+        </p:spPr>
+        <p:txBody>
+          <a:bodyPr vert="horz" lIns="91440" tIns="45720" rIns="91440" bIns="45720" rtlCol="0" anchor="ctr">
+            <a:noAutofit/>
+          </a:bodyPr>
+          <a:lstStyle>
+            <a:lvl1pPr marL="0" indent="0" algn="l" defTabSz="914400" rtl="0" eaLnBrk="1" latinLnBrk="0" hangingPunct="1">
+              <a:lnSpc>
+                <a:spcPct val="90000"/>
+              </a:lnSpc>
+              <a:spcBef>
+                <a:spcPts val="0"/>
+              </a:spcBef>
+              <a:buClr>
+                <a:schemeClr val="accent1"/>
+              </a:buClr>
+              <a:buSzPct val="100000"/>
+              <a:buFont typeface="Arial" pitchFamily="34" charset="0"/>
+              <a:buNone/>
+              <a:defRPr sz="2000" b="0" kern="1200" cap="all" spc="200" baseline="0">
+                <a:solidFill>
+                  <a:schemeClr val="accent1"/>
+                </a:solidFill>
+                <a:latin typeface="+mn-lt"/>
+                <a:ea typeface="+mn-ea"/>
+                <a:cs typeface="+mn-cs"/>
+              </a:defRPr>
+            </a:lvl1pPr>
+            <a:lvl2pPr marL="457200" indent="0" algn="l" defTabSz="914400" rtl="0" eaLnBrk="1" latinLnBrk="0" hangingPunct="1">
+              <a:lnSpc>
+                <a:spcPct val="90000"/>
+              </a:lnSpc>
+              <a:spcBef>
+                <a:spcPts val="1200"/>
+              </a:spcBef>
+              <a:buClr>
+                <a:schemeClr val="accent1"/>
+              </a:buClr>
+              <a:buSzPct val="100000"/>
+              <a:buFont typeface="Arial" pitchFamily="34" charset="0"/>
+              <a:buNone/>
+              <a:defRPr sz="2000" b="1" kern="1200">
+                <a:solidFill>
+                  <a:schemeClr val="tx1"/>
+                </a:solidFill>
+                <a:latin typeface="+mn-lt"/>
+                <a:ea typeface="+mn-ea"/>
+                <a:cs typeface="+mn-cs"/>
+              </a:defRPr>
+            </a:lvl2pPr>
+            <a:lvl3pPr marL="914400" indent="0" algn="l" defTabSz="914400" rtl="0" eaLnBrk="1" latinLnBrk="0" hangingPunct="1">
+              <a:lnSpc>
+                <a:spcPct val="90000"/>
+              </a:lnSpc>
+              <a:spcBef>
+                <a:spcPts val="600"/>
+              </a:spcBef>
+              <a:buClr>
+                <a:schemeClr val="accent1"/>
+              </a:buClr>
+              <a:buSzPct val="100000"/>
+              <a:buFont typeface="Arial" pitchFamily="34" charset="0"/>
+              <a:buNone/>
+              <a:defRPr sz="1800" b="1" kern="1200">
+                <a:solidFill>
+                  <a:schemeClr val="tx1"/>
+                </a:solidFill>
+                <a:latin typeface="+mn-lt"/>
+                <a:ea typeface="+mn-ea"/>
+                <a:cs typeface="+mn-cs"/>
+              </a:defRPr>
+            </a:lvl3pPr>
+            <a:lvl4pPr marL="1371600" indent="0" algn="l" defTabSz="914400" rtl="0" eaLnBrk="1" latinLnBrk="0" hangingPunct="1">
+              <a:lnSpc>
+                <a:spcPct val="90000"/>
+              </a:lnSpc>
+              <a:spcBef>
+                <a:spcPts val="600"/>
+              </a:spcBef>
+              <a:buClr>
+                <a:schemeClr val="accent1"/>
+              </a:buClr>
+              <a:buSzPct val="100000"/>
+              <a:buFont typeface="Arial" pitchFamily="34" charset="0"/>
+              <a:buNone/>
+              <a:defRPr sz="1600" b="1" kern="1200">
+                <a:solidFill>
+                  <a:schemeClr val="tx1"/>
+                </a:solidFill>
+                <a:latin typeface="+mn-lt"/>
+                <a:ea typeface="+mn-ea"/>
+                <a:cs typeface="+mn-cs"/>
+              </a:defRPr>
+            </a:lvl4pPr>
+            <a:lvl5pPr marL="1828800" indent="0" algn="l" defTabSz="914400" rtl="0" eaLnBrk="1" latinLnBrk="0" hangingPunct="1">
+              <a:lnSpc>
+                <a:spcPct val="90000"/>
+              </a:lnSpc>
+              <a:spcBef>
+                <a:spcPts val="600"/>
+              </a:spcBef>
+              <a:buClr>
+                <a:schemeClr val="accent1"/>
+              </a:buClr>
+              <a:buSzPct val="100000"/>
+              <a:buFont typeface="Arial" pitchFamily="34" charset="0"/>
+              <a:buNone/>
+              <a:defRPr sz="1600" b="1" kern="1200">
+                <a:solidFill>
+                  <a:schemeClr val="tx1"/>
+                </a:solidFill>
+                <a:latin typeface="+mn-lt"/>
+                <a:ea typeface="+mn-ea"/>
+                <a:cs typeface="+mn-cs"/>
+              </a:defRPr>
+            </a:lvl5pPr>
+            <a:lvl6pPr marL="2286000" indent="0" algn="l" defTabSz="914400" rtl="0" eaLnBrk="1" latinLnBrk="0" hangingPunct="1">
+              <a:spcBef>
+                <a:spcPts val="600"/>
+              </a:spcBef>
+              <a:buClr>
+                <a:schemeClr val="accent1"/>
+              </a:buClr>
+              <a:buFont typeface="Arial" pitchFamily="34" charset="0"/>
+              <a:buNone/>
+              <a:defRPr sz="1600" b="1" kern="1200">
+                <a:solidFill>
+                  <a:schemeClr val="tx1"/>
+                </a:solidFill>
+                <a:latin typeface="+mn-lt"/>
+                <a:ea typeface="+mn-ea"/>
+                <a:cs typeface="+mn-cs"/>
+              </a:defRPr>
+            </a:lvl6pPr>
+            <a:lvl7pPr marL="2743200" indent="0" algn="l" defTabSz="914400" rtl="0" eaLnBrk="1" latinLnBrk="0" hangingPunct="1">
+              <a:spcBef>
+                <a:spcPts val="600"/>
+              </a:spcBef>
+              <a:buClr>
+                <a:schemeClr val="accent1"/>
+              </a:buClr>
+              <a:buFont typeface="Arial" pitchFamily="34" charset="0"/>
+              <a:buNone/>
+              <a:defRPr sz="1600" b="1" kern="1200">
+                <a:solidFill>
+                  <a:schemeClr val="tx1"/>
+                </a:solidFill>
+                <a:latin typeface="+mn-lt"/>
+                <a:ea typeface="+mn-ea"/>
+                <a:cs typeface="+mn-cs"/>
+              </a:defRPr>
+            </a:lvl7pPr>
+            <a:lvl8pPr marL="3200400" indent="0" algn="l" defTabSz="914400" rtl="0" eaLnBrk="1" latinLnBrk="0" hangingPunct="1">
+              <a:spcBef>
+                <a:spcPts val="600"/>
+              </a:spcBef>
+              <a:buClr>
+                <a:schemeClr val="accent1"/>
+              </a:buClr>
+              <a:buFont typeface="Arial" pitchFamily="34" charset="0"/>
+              <a:buNone/>
+              <a:defRPr sz="1600" b="1" kern="1200">
+                <a:solidFill>
+                  <a:schemeClr val="tx1"/>
+                </a:solidFill>
+                <a:latin typeface="+mn-lt"/>
+                <a:ea typeface="+mn-ea"/>
+                <a:cs typeface="+mn-cs"/>
+              </a:defRPr>
+            </a:lvl8pPr>
+            <a:lvl9pPr marL="3657600" indent="0" algn="l" defTabSz="914400" rtl="0" eaLnBrk="1" latinLnBrk="0" hangingPunct="1">
+              <a:spcBef>
+                <a:spcPts val="600"/>
+              </a:spcBef>
+              <a:buClr>
+                <a:schemeClr val="accent1"/>
+              </a:buClr>
+              <a:buFont typeface="Arial" pitchFamily="34" charset="0"/>
+              <a:buNone/>
+              <a:defRPr sz="1600" b="1" kern="1200">
+                <a:solidFill>
+                  <a:schemeClr val="tx1"/>
+                </a:solidFill>
+                <a:latin typeface="+mn-lt"/>
+                <a:ea typeface="+mn-ea"/>
+                <a:cs typeface="+mn-cs"/>
+              </a:defRPr>
+            </a:lvl9pPr>
+          </a:lstStyle>
+          <a:p>
+            <a:r>
+              <a:rPr lang="en-US" dirty="0"/>
+              <a:t>Logistic regression</a:t>
+            </a:r>
           </a:p>
         </p:txBody>
       </p:sp>
     </p:spTree>
     <p:extLst>
       <p:ext uri="{BB962C8B-B14F-4D97-AF65-F5344CB8AC3E}">
-        <p14:creationId xmlns:p14="http://schemas.microsoft.com/office/powerpoint/2010/main" val="462238070"/>
+        <p14:creationId xmlns:p14="http://schemas.microsoft.com/office/powerpoint/2010/main" val="4135946197"/>
       </p:ext>
     </p:extLst>
   </p:cSld>
@@ -11231,42 +12666,30 @@
             <p:ph type="title"/>
           </p:nvPr>
         </p:nvSpPr>
-        <p:spPr/>
+        <p:spPr>
+          <a:xfrm>
+            <a:off x="1943190" y="381000"/>
+            <a:ext cx="9144001" cy="1371600"/>
+          </a:xfrm>
+        </p:spPr>
         <p:txBody>
           <a:bodyPr rtlCol="0"/>
           <a:lstStyle/>
           <a:p>
             <a:pPr rtl="0"/>
-            <a:endParaRPr lang="fr-FR" dirty="0"/>
+            <a:r>
+              <a:rPr lang="fr-FR" dirty="0"/>
+              <a:t>III. Création des modèles</a:t>
+            </a:r>
           </a:p>
         </p:txBody>
       </p:sp>
       <p:sp>
         <p:nvSpPr>
-          <p:cNvPr id="3" name="Espace réservé du texte 2"/>
-          <p:cNvSpPr>
-            <a:spLocks noGrp="1"/>
-          </p:cNvSpPr>
-          <p:nvPr>
-            <p:ph type="body" idx="1"/>
-          </p:nvPr>
-        </p:nvSpPr>
-        <p:spPr/>
-        <p:txBody>
-          <a:bodyPr rtlCol="0"/>
-          <a:lstStyle/>
-          <a:p>
-            <a:pPr rtl="0"/>
-            <a:endParaRPr lang="fr-FR" dirty="0"/>
-          </a:p>
-        </p:txBody>
-      </p:sp>
-      <p:sp>
-        <p:nvSpPr>
-          <p:cNvPr id="5" name="Espace réservé du numéro de diapositive 4">
+          <p:cNvPr id="8" name="Espace réservé du numéro de diapositive 7">
             <a:extLst>
               <a:ext uri="{FF2B5EF4-FFF2-40B4-BE49-F238E27FC236}">
-                <a16:creationId xmlns:a16="http://schemas.microsoft.com/office/drawing/2014/main" id="{2F4709E4-7958-4CDD-A46F-5C6D5585CE3D}"/>
+                <a16:creationId xmlns:a16="http://schemas.microsoft.com/office/drawing/2014/main" id="{746DA3C9-9392-415F-9F9C-5E216A6721F0}"/>
               </a:ext>
             </a:extLst>
           </p:cNvPr>
@@ -11282,19 +12705,344 @@
           <a:bodyPr/>
           <a:lstStyle/>
           <a:p>
-            <a:pPr rtl="0"/>
             <a:fld id="{2A013F82-EE5E-44EE-A61D-E31C6657F26F}" type="slidenum">
               <a:rPr lang="fr-FR" noProof="0" smtClean="0"/>
+              <a:pPr/>
               <a:t>9</a:t>
             </a:fld>
             <a:endParaRPr lang="fr-FR" noProof="0" dirty="0"/>
+          </a:p>
+        </p:txBody>
+      </p:sp>
+      <p:sp>
+        <p:nvSpPr>
+          <p:cNvPr id="7" name="Espace réservé du texte 6">
+            <a:extLst>
+              <a:ext uri="{FF2B5EF4-FFF2-40B4-BE49-F238E27FC236}">
+                <a16:creationId xmlns:a16="http://schemas.microsoft.com/office/drawing/2014/main" id="{16295C99-1B47-492C-AF0E-42FBCAEBF168}"/>
+              </a:ext>
+            </a:extLst>
+          </p:cNvPr>
+          <p:cNvSpPr>
+            <a:spLocks noGrp="1"/>
+          </p:cNvSpPr>
+          <p:nvPr>
+            <p:ph type="body" idx="1"/>
+          </p:nvPr>
+        </p:nvSpPr>
+        <p:spPr>
+          <a:xfrm>
+            <a:off x="1943190" y="1916832"/>
+            <a:ext cx="7020273" cy="762000"/>
+          </a:xfrm>
+        </p:spPr>
+        <p:txBody>
+          <a:bodyPr/>
+          <a:lstStyle/>
+          <a:p>
+            <a:r>
+              <a:rPr lang="en-US" dirty="0"/>
+              <a:t>Stochastic gradient descent Classifier</a:t>
+            </a:r>
+          </a:p>
+        </p:txBody>
+      </p:sp>
+      <p:pic>
+        <p:nvPicPr>
+          <p:cNvPr id="6" name="Image 5">
+            <a:extLst>
+              <a:ext uri="{FF2B5EF4-FFF2-40B4-BE49-F238E27FC236}">
+                <a16:creationId xmlns:a16="http://schemas.microsoft.com/office/drawing/2014/main" id="{6F90AD16-2463-40F0-BE24-80EF39062E59}"/>
+              </a:ext>
+            </a:extLst>
+          </p:cNvPr>
+          <p:cNvPicPr>
+            <a:picLocks noChangeAspect="1"/>
+          </p:cNvPicPr>
+          <p:nvPr/>
+        </p:nvPicPr>
+        <p:blipFill>
+          <a:blip r:embed="rId2"/>
+          <a:stretch>
+            <a:fillRect/>
+          </a:stretch>
+        </p:blipFill>
+        <p:spPr>
+          <a:xfrm>
+            <a:off x="2062674" y="2669306"/>
+            <a:ext cx="6011114" cy="533474"/>
+          </a:xfrm>
+          <a:prstGeom prst="rect">
+            <a:avLst/>
+          </a:prstGeom>
+        </p:spPr>
+      </p:pic>
+      <p:pic>
+        <p:nvPicPr>
+          <p:cNvPr id="11" name="Image 10">
+            <a:extLst>
+              <a:ext uri="{FF2B5EF4-FFF2-40B4-BE49-F238E27FC236}">
+                <a16:creationId xmlns:a16="http://schemas.microsoft.com/office/drawing/2014/main" id="{9A074CC3-ED95-4803-9EE6-84723781F85A}"/>
+              </a:ext>
+            </a:extLst>
+          </p:cNvPr>
+          <p:cNvPicPr>
+            <a:picLocks noChangeAspect="1"/>
+          </p:cNvPicPr>
+          <p:nvPr/>
+        </p:nvPicPr>
+        <p:blipFill>
+          <a:blip r:embed="rId3"/>
+          <a:stretch>
+            <a:fillRect/>
+          </a:stretch>
+        </p:blipFill>
+        <p:spPr>
+          <a:xfrm>
+            <a:off x="2062674" y="3970054"/>
+            <a:ext cx="4696480" cy="1486107"/>
+          </a:xfrm>
+          <a:prstGeom prst="rect">
+            <a:avLst/>
+          </a:prstGeom>
+        </p:spPr>
+      </p:pic>
+      <p:sp>
+        <p:nvSpPr>
+          <p:cNvPr id="12" name="Espace réservé du texte 6">
+            <a:extLst>
+              <a:ext uri="{FF2B5EF4-FFF2-40B4-BE49-F238E27FC236}">
+                <a16:creationId xmlns:a16="http://schemas.microsoft.com/office/drawing/2014/main" id="{FB5EF661-E52F-46D8-9764-24EDAD85DF4D}"/>
+              </a:ext>
+            </a:extLst>
+          </p:cNvPr>
+          <p:cNvSpPr txBox="1">
+            <a:spLocks/>
+          </p:cNvSpPr>
+          <p:nvPr/>
+        </p:nvSpPr>
+        <p:spPr>
+          <a:xfrm>
+            <a:off x="2062674" y="3202780"/>
+            <a:ext cx="7020273" cy="762000"/>
+          </a:xfrm>
+          <a:prstGeom prst="rect">
+            <a:avLst/>
+          </a:prstGeom>
+        </p:spPr>
+        <p:txBody>
+          <a:bodyPr vert="horz" lIns="91440" tIns="45720" rIns="91440" bIns="45720" rtlCol="0" anchor="ctr">
+            <a:noAutofit/>
+          </a:bodyPr>
+          <a:lstStyle>
+            <a:lvl1pPr marL="0" indent="0" algn="l" defTabSz="914400" rtl="0" eaLnBrk="1" latinLnBrk="0" hangingPunct="1">
+              <a:lnSpc>
+                <a:spcPct val="90000"/>
+              </a:lnSpc>
+              <a:spcBef>
+                <a:spcPts val="0"/>
+              </a:spcBef>
+              <a:buClr>
+                <a:schemeClr val="accent1"/>
+              </a:buClr>
+              <a:buSzPct val="100000"/>
+              <a:buFont typeface="Arial" pitchFamily="34" charset="0"/>
+              <a:buNone/>
+              <a:defRPr sz="2000" b="0" kern="1200" cap="all" spc="200" baseline="0">
+                <a:solidFill>
+                  <a:schemeClr val="accent1"/>
+                </a:solidFill>
+                <a:latin typeface="+mn-lt"/>
+                <a:ea typeface="+mn-ea"/>
+                <a:cs typeface="+mn-cs"/>
+              </a:defRPr>
+            </a:lvl1pPr>
+            <a:lvl2pPr marL="457200" indent="0" algn="l" defTabSz="914400" rtl="0" eaLnBrk="1" latinLnBrk="0" hangingPunct="1">
+              <a:lnSpc>
+                <a:spcPct val="90000"/>
+              </a:lnSpc>
+              <a:spcBef>
+                <a:spcPts val="1200"/>
+              </a:spcBef>
+              <a:buClr>
+                <a:schemeClr val="accent1"/>
+              </a:buClr>
+              <a:buSzPct val="100000"/>
+              <a:buFont typeface="Arial" pitchFamily="34" charset="0"/>
+              <a:buNone/>
+              <a:defRPr sz="2000" b="1" kern="1200">
+                <a:solidFill>
+                  <a:schemeClr val="tx1"/>
+                </a:solidFill>
+                <a:latin typeface="+mn-lt"/>
+                <a:ea typeface="+mn-ea"/>
+                <a:cs typeface="+mn-cs"/>
+              </a:defRPr>
+            </a:lvl2pPr>
+            <a:lvl3pPr marL="914400" indent="0" algn="l" defTabSz="914400" rtl="0" eaLnBrk="1" latinLnBrk="0" hangingPunct="1">
+              <a:lnSpc>
+                <a:spcPct val="90000"/>
+              </a:lnSpc>
+              <a:spcBef>
+                <a:spcPts val="600"/>
+              </a:spcBef>
+              <a:buClr>
+                <a:schemeClr val="accent1"/>
+              </a:buClr>
+              <a:buSzPct val="100000"/>
+              <a:buFont typeface="Arial" pitchFamily="34" charset="0"/>
+              <a:buNone/>
+              <a:defRPr sz="1800" b="1" kern="1200">
+                <a:solidFill>
+                  <a:schemeClr val="tx1"/>
+                </a:solidFill>
+                <a:latin typeface="+mn-lt"/>
+                <a:ea typeface="+mn-ea"/>
+                <a:cs typeface="+mn-cs"/>
+              </a:defRPr>
+            </a:lvl3pPr>
+            <a:lvl4pPr marL="1371600" indent="0" algn="l" defTabSz="914400" rtl="0" eaLnBrk="1" latinLnBrk="0" hangingPunct="1">
+              <a:lnSpc>
+                <a:spcPct val="90000"/>
+              </a:lnSpc>
+              <a:spcBef>
+                <a:spcPts val="600"/>
+              </a:spcBef>
+              <a:buClr>
+                <a:schemeClr val="accent1"/>
+              </a:buClr>
+              <a:buSzPct val="100000"/>
+              <a:buFont typeface="Arial" pitchFamily="34" charset="0"/>
+              <a:buNone/>
+              <a:defRPr sz="1600" b="1" kern="1200">
+                <a:solidFill>
+                  <a:schemeClr val="tx1"/>
+                </a:solidFill>
+                <a:latin typeface="+mn-lt"/>
+                <a:ea typeface="+mn-ea"/>
+                <a:cs typeface="+mn-cs"/>
+              </a:defRPr>
+            </a:lvl4pPr>
+            <a:lvl5pPr marL="1828800" indent="0" algn="l" defTabSz="914400" rtl="0" eaLnBrk="1" latinLnBrk="0" hangingPunct="1">
+              <a:lnSpc>
+                <a:spcPct val="90000"/>
+              </a:lnSpc>
+              <a:spcBef>
+                <a:spcPts val="600"/>
+              </a:spcBef>
+              <a:buClr>
+                <a:schemeClr val="accent1"/>
+              </a:buClr>
+              <a:buSzPct val="100000"/>
+              <a:buFont typeface="Arial" pitchFamily="34" charset="0"/>
+              <a:buNone/>
+              <a:defRPr sz="1600" b="1" kern="1200">
+                <a:solidFill>
+                  <a:schemeClr val="tx1"/>
+                </a:solidFill>
+                <a:latin typeface="+mn-lt"/>
+                <a:ea typeface="+mn-ea"/>
+                <a:cs typeface="+mn-cs"/>
+              </a:defRPr>
+            </a:lvl5pPr>
+            <a:lvl6pPr marL="2286000" indent="0" algn="l" defTabSz="914400" rtl="0" eaLnBrk="1" latinLnBrk="0" hangingPunct="1">
+              <a:spcBef>
+                <a:spcPts val="600"/>
+              </a:spcBef>
+              <a:buClr>
+                <a:schemeClr val="accent1"/>
+              </a:buClr>
+              <a:buFont typeface="Arial" pitchFamily="34" charset="0"/>
+              <a:buNone/>
+              <a:defRPr sz="1600" b="1" kern="1200">
+                <a:solidFill>
+                  <a:schemeClr val="tx1"/>
+                </a:solidFill>
+                <a:latin typeface="+mn-lt"/>
+                <a:ea typeface="+mn-ea"/>
+                <a:cs typeface="+mn-cs"/>
+              </a:defRPr>
+            </a:lvl6pPr>
+            <a:lvl7pPr marL="2743200" indent="0" algn="l" defTabSz="914400" rtl="0" eaLnBrk="1" latinLnBrk="0" hangingPunct="1">
+              <a:spcBef>
+                <a:spcPts val="600"/>
+              </a:spcBef>
+              <a:buClr>
+                <a:schemeClr val="accent1"/>
+              </a:buClr>
+              <a:buFont typeface="Arial" pitchFamily="34" charset="0"/>
+              <a:buNone/>
+              <a:defRPr sz="1600" b="1" kern="1200">
+                <a:solidFill>
+                  <a:schemeClr val="tx1"/>
+                </a:solidFill>
+                <a:latin typeface="+mn-lt"/>
+                <a:ea typeface="+mn-ea"/>
+                <a:cs typeface="+mn-cs"/>
+              </a:defRPr>
+            </a:lvl7pPr>
+            <a:lvl8pPr marL="3200400" indent="0" algn="l" defTabSz="914400" rtl="0" eaLnBrk="1" latinLnBrk="0" hangingPunct="1">
+              <a:spcBef>
+                <a:spcPts val="600"/>
+              </a:spcBef>
+              <a:buClr>
+                <a:schemeClr val="accent1"/>
+              </a:buClr>
+              <a:buFont typeface="Arial" pitchFamily="34" charset="0"/>
+              <a:buNone/>
+              <a:defRPr sz="1600" b="1" kern="1200">
+                <a:solidFill>
+                  <a:schemeClr val="tx1"/>
+                </a:solidFill>
+                <a:latin typeface="+mn-lt"/>
+                <a:ea typeface="+mn-ea"/>
+                <a:cs typeface="+mn-cs"/>
+              </a:defRPr>
+            </a:lvl8pPr>
+            <a:lvl9pPr marL="3657600" indent="0" algn="l" defTabSz="914400" rtl="0" eaLnBrk="1" latinLnBrk="0" hangingPunct="1">
+              <a:spcBef>
+                <a:spcPts val="600"/>
+              </a:spcBef>
+              <a:buClr>
+                <a:schemeClr val="accent1"/>
+              </a:buClr>
+              <a:buFont typeface="Arial" pitchFamily="34" charset="0"/>
+              <a:buNone/>
+              <a:defRPr sz="1600" b="1" kern="1200">
+                <a:solidFill>
+                  <a:schemeClr val="tx1"/>
+                </a:solidFill>
+                <a:latin typeface="+mn-lt"/>
+                <a:ea typeface="+mn-ea"/>
+                <a:cs typeface="+mn-cs"/>
+              </a:defRPr>
+            </a:lvl9pPr>
+          </a:lstStyle>
+          <a:p>
+            <a:r>
+              <a:rPr lang="fr-FR" dirty="0"/>
+              <a:t>k-</a:t>
+            </a:r>
+            <a:r>
+              <a:rPr lang="fr-FR" dirty="0" err="1"/>
+              <a:t>nearest</a:t>
+            </a:r>
+            <a:r>
+              <a:rPr lang="fr-FR" dirty="0"/>
+              <a:t> </a:t>
+            </a:r>
+            <a:r>
+              <a:rPr lang="fr-FR" dirty="0" err="1"/>
+              <a:t>neighbors</a:t>
+            </a:r>
+            <a:endParaRPr lang="en-US" dirty="0"/>
           </a:p>
         </p:txBody>
       </p:sp>
     </p:spTree>
     <p:extLst>
       <p:ext uri="{BB962C8B-B14F-4D97-AF65-F5344CB8AC3E}">
-        <p14:creationId xmlns:p14="http://schemas.microsoft.com/office/powerpoint/2010/main" val="2478160142"/>
+        <p14:creationId xmlns:p14="http://schemas.microsoft.com/office/powerpoint/2010/main" val="754237660"/>
       </p:ext>
     </p:extLst>
   </p:cSld>
@@ -13136,6 +14884,15 @@
 </file>
 
 <file path=customXml/item2.xml><?xml version="1.0" encoding="utf-8"?>
+<?mso-contentType ?>
+<FormTemplates xmlns="http://schemas.microsoft.com/sharepoint/v3/contenttype/forms">
+  <Display>DocumentLibraryForm</Display>
+  <Edit>AssetEditForm</Edit>
+  <New>DocumentLibraryForm</New>
+</FormTemplates>
+</file>
+
+<file path=customXml/item3.xml><?xml version="1.0" encoding="utf-8"?>
 <p:properties xmlns:p="http://schemas.microsoft.com/office/2006/metadata/properties" xmlns:xsi="http://www.w3.org/2001/XMLSchema-instance" xmlns:pc="http://schemas.microsoft.com/office/infopath/2007/PartnerControls">
   <documentManagement>
     <DirectSourceMarket xmlns="4873beb7-5857-4685-be1f-d57550cc96cc" xsi:nil="true"/>
@@ -13262,15 +15019,6 @@
 </p:properties>
 </file>
 
-<file path=customXml/item3.xml><?xml version="1.0" encoding="utf-8"?>
-<?mso-contentType ?>
-<FormTemplates xmlns="http://schemas.microsoft.com/sharepoint/v3/contenttype/forms">
-  <Display>DocumentLibraryForm</Display>
-  <Edit>AssetEditForm</Edit>
-  <New>DocumentLibraryForm</New>
-</FormTemplates>
-</file>
-
 <file path=customXml/itemProps1.xml><?xml version="1.0" encoding="utf-8"?>
 <ds:datastoreItem xmlns:ds="http://schemas.openxmlformats.org/officeDocument/2006/customXml" ds:itemID="{22CCB507-0646-4A50-A4F7-7F385079D589}">
   <ds:schemaRefs>
@@ -13290,6 +15038,14 @@
 </file>
 
 <file path=customXml/itemProps2.xml><?xml version="1.0" encoding="utf-8"?>
+<ds:datastoreItem xmlns:ds="http://schemas.openxmlformats.org/officeDocument/2006/customXml" ds:itemID="{74228E6B-D70C-44BB-A81F-A245495F612B}">
+  <ds:schemaRefs>
+    <ds:schemaRef ds:uri="http://schemas.microsoft.com/sharepoint/v3/contenttype/forms"/>
+  </ds:schemaRefs>
+</ds:datastoreItem>
+</file>
+
+<file path=customXml/itemProps3.xml><?xml version="1.0" encoding="utf-8"?>
 <ds:datastoreItem xmlns:ds="http://schemas.openxmlformats.org/officeDocument/2006/customXml" ds:itemID="{00E41224-0370-4595-877C-23316CD80004}">
   <ds:schemaRefs>
     <ds:schemaRef ds:uri="http://purl.org/dc/dcmitype/"/>
@@ -13303,12 +15059,4 @@
     <ds:schemaRef ds:uri="http://schemas.openxmlformats.org/package/2006/metadata/core-properties"/>
   </ds:schemaRefs>
 </ds:datastoreItem>
-</file>
-
-<file path=customXml/itemProps3.xml><?xml version="1.0" encoding="utf-8"?>
-<ds:datastoreItem xmlns:ds="http://schemas.openxmlformats.org/officeDocument/2006/customXml" ds:itemID="{74228E6B-D70C-44BB-A81F-A245495F612B}">
-  <ds:schemaRefs>
-    <ds:schemaRef ds:uri="http://schemas.microsoft.com/sharepoint/v3/contenttype/forms"/>
-  </ds:schemaRefs>
-</ds:datastoreItem>
 </file>